--- a/Documentation/Additional files/Schemas.pptx
+++ b/Documentation/Additional files/Schemas.pptx
@@ -5,8 +5,7 @@
     <p:sldMasterId id="2147483648" r:id="rId1"/>
   </p:sldMasterIdLst>
   <p:sldIdLst>
-    <p:sldId id="256" r:id="rId2"/>
-    <p:sldId id="257" r:id="rId3"/>
+    <p:sldId id="258" r:id="rId2"/>
   </p:sldIdLst>
   <p:sldSz cx="12192000" cy="6858000"/>
   <p:notesSz cx="6858000" cy="9144000"/>
@@ -860,1189 +859,7 @@
 </dgm:colorsDef>
 </file>
 
-<file path=ppt/diagrams/colors2.xml><?xml version="1.0" encoding="utf-8"?>
-<dgm:colorsDef xmlns:dgm="http://schemas.openxmlformats.org/drawingml/2006/diagram" xmlns:a="http://schemas.openxmlformats.org/drawingml/2006/main" uniqueId="urn:microsoft.com/office/officeart/2005/8/colors/accent1_2">
-  <dgm:title val=""/>
-  <dgm:desc val=""/>
-  <dgm:catLst>
-    <dgm:cat type="accent1" pri="11200"/>
-  </dgm:catLst>
-  <dgm:styleLbl name="node0">
-    <dgm:fillClrLst meth="repeat">
-      <a:schemeClr val="accent1"/>
-    </dgm:fillClrLst>
-    <dgm:linClrLst meth="repeat">
-      <a:schemeClr val="lt1"/>
-    </dgm:linClrLst>
-    <dgm:effectClrLst/>
-    <dgm:txLinClrLst/>
-    <dgm:txFillClrLst/>
-    <dgm:txEffectClrLst/>
-  </dgm:styleLbl>
-  <dgm:styleLbl name="alignNode1">
-    <dgm:fillClrLst meth="repeat">
-      <a:schemeClr val="accent1"/>
-    </dgm:fillClrLst>
-    <dgm:linClrLst meth="repeat">
-      <a:schemeClr val="accent1"/>
-    </dgm:linClrLst>
-    <dgm:effectClrLst/>
-    <dgm:txLinClrLst/>
-    <dgm:txFillClrLst/>
-    <dgm:txEffectClrLst/>
-  </dgm:styleLbl>
-  <dgm:styleLbl name="node1">
-    <dgm:fillClrLst meth="repeat">
-      <a:schemeClr val="accent1"/>
-    </dgm:fillClrLst>
-    <dgm:linClrLst meth="repeat">
-      <a:schemeClr val="lt1"/>
-    </dgm:linClrLst>
-    <dgm:effectClrLst/>
-    <dgm:txLinClrLst/>
-    <dgm:txFillClrLst/>
-    <dgm:txEffectClrLst/>
-  </dgm:styleLbl>
-  <dgm:styleLbl name="lnNode1">
-    <dgm:fillClrLst meth="repeat">
-      <a:schemeClr val="accent1"/>
-    </dgm:fillClrLst>
-    <dgm:linClrLst meth="repeat">
-      <a:schemeClr val="lt1"/>
-    </dgm:linClrLst>
-    <dgm:effectClrLst/>
-    <dgm:txLinClrLst/>
-    <dgm:txFillClrLst/>
-    <dgm:txEffectClrLst/>
-  </dgm:styleLbl>
-  <dgm:styleLbl name="vennNode1">
-    <dgm:fillClrLst meth="repeat">
-      <a:schemeClr val="accent1">
-        <a:alpha val="50000"/>
-      </a:schemeClr>
-    </dgm:fillClrLst>
-    <dgm:linClrLst meth="repeat">
-      <a:schemeClr val="lt1"/>
-    </dgm:linClrLst>
-    <dgm:effectClrLst/>
-    <dgm:txLinClrLst/>
-    <dgm:txFillClrLst/>
-    <dgm:txEffectClrLst/>
-  </dgm:styleLbl>
-  <dgm:styleLbl name="node2">
-    <dgm:fillClrLst meth="repeat">
-      <a:schemeClr val="accent1"/>
-    </dgm:fillClrLst>
-    <dgm:linClrLst meth="repeat">
-      <a:schemeClr val="lt1"/>
-    </dgm:linClrLst>
-    <dgm:effectClrLst/>
-    <dgm:txLinClrLst/>
-    <dgm:txFillClrLst/>
-    <dgm:txEffectClrLst/>
-  </dgm:styleLbl>
-  <dgm:styleLbl name="node3">
-    <dgm:fillClrLst meth="repeat">
-      <a:schemeClr val="accent1"/>
-    </dgm:fillClrLst>
-    <dgm:linClrLst meth="repeat">
-      <a:schemeClr val="lt1"/>
-    </dgm:linClrLst>
-    <dgm:effectClrLst/>
-    <dgm:txLinClrLst/>
-    <dgm:txFillClrLst/>
-    <dgm:txEffectClrLst/>
-  </dgm:styleLbl>
-  <dgm:styleLbl name="node4">
-    <dgm:fillClrLst meth="repeat">
-      <a:schemeClr val="accent1"/>
-    </dgm:fillClrLst>
-    <dgm:linClrLst meth="repeat">
-      <a:schemeClr val="lt1"/>
-    </dgm:linClrLst>
-    <dgm:effectClrLst/>
-    <dgm:txLinClrLst/>
-    <dgm:txFillClrLst/>
-    <dgm:txEffectClrLst/>
-  </dgm:styleLbl>
-  <dgm:styleLbl name="fgImgPlace1">
-    <dgm:fillClrLst meth="repeat">
-      <a:schemeClr val="accent1">
-        <a:tint val="50000"/>
-      </a:schemeClr>
-    </dgm:fillClrLst>
-    <dgm:linClrLst meth="repeat">
-      <a:schemeClr val="lt1"/>
-    </dgm:linClrLst>
-    <dgm:effectClrLst/>
-    <dgm:txLinClrLst/>
-    <dgm:txFillClrLst meth="repeat">
-      <a:schemeClr val="lt1"/>
-    </dgm:txFillClrLst>
-    <dgm:txEffectClrLst/>
-  </dgm:styleLbl>
-  <dgm:styleLbl name="alignImgPlace1">
-    <dgm:fillClrLst meth="repeat">
-      <a:schemeClr val="accent1">
-        <a:tint val="50000"/>
-      </a:schemeClr>
-    </dgm:fillClrLst>
-    <dgm:linClrLst meth="repeat">
-      <a:schemeClr val="lt1"/>
-    </dgm:linClrLst>
-    <dgm:effectClrLst/>
-    <dgm:txLinClrLst/>
-    <dgm:txFillClrLst meth="repeat">
-      <a:schemeClr val="lt1"/>
-    </dgm:txFillClrLst>
-    <dgm:txEffectClrLst/>
-  </dgm:styleLbl>
-  <dgm:styleLbl name="bgImgPlace1">
-    <dgm:fillClrLst meth="repeat">
-      <a:schemeClr val="accent1">
-        <a:tint val="50000"/>
-      </a:schemeClr>
-    </dgm:fillClrLst>
-    <dgm:linClrLst meth="repeat">
-      <a:schemeClr val="lt1"/>
-    </dgm:linClrLst>
-    <dgm:effectClrLst/>
-    <dgm:txLinClrLst/>
-    <dgm:txFillClrLst meth="repeat">
-      <a:schemeClr val="lt1"/>
-    </dgm:txFillClrLst>
-    <dgm:txEffectClrLst/>
-  </dgm:styleLbl>
-  <dgm:styleLbl name="sibTrans2D1">
-    <dgm:fillClrLst meth="repeat">
-      <a:schemeClr val="accent1">
-        <a:tint val="60000"/>
-      </a:schemeClr>
-    </dgm:fillClrLst>
-    <dgm:linClrLst meth="repeat">
-      <a:schemeClr val="accent1">
-        <a:tint val="60000"/>
-      </a:schemeClr>
-    </dgm:linClrLst>
-    <dgm:effectClrLst/>
-    <dgm:txLinClrLst/>
-    <dgm:txFillClrLst/>
-    <dgm:txEffectClrLst/>
-  </dgm:styleLbl>
-  <dgm:styleLbl name="fgSibTrans2D1">
-    <dgm:fillClrLst meth="repeat">
-      <a:schemeClr val="accent1">
-        <a:tint val="60000"/>
-      </a:schemeClr>
-    </dgm:fillClrLst>
-    <dgm:linClrLst meth="repeat">
-      <a:schemeClr val="accent1">
-        <a:tint val="60000"/>
-      </a:schemeClr>
-    </dgm:linClrLst>
-    <dgm:effectClrLst/>
-    <dgm:txLinClrLst/>
-    <dgm:txFillClrLst/>
-    <dgm:txEffectClrLst/>
-  </dgm:styleLbl>
-  <dgm:styleLbl name="bgSibTrans2D1">
-    <dgm:fillClrLst meth="repeat">
-      <a:schemeClr val="accent1">
-        <a:tint val="60000"/>
-      </a:schemeClr>
-    </dgm:fillClrLst>
-    <dgm:linClrLst meth="repeat">
-      <a:schemeClr val="accent1">
-        <a:tint val="60000"/>
-      </a:schemeClr>
-    </dgm:linClrLst>
-    <dgm:effectClrLst/>
-    <dgm:txLinClrLst/>
-    <dgm:txFillClrLst/>
-    <dgm:txEffectClrLst/>
-  </dgm:styleLbl>
-  <dgm:styleLbl name="sibTrans1D1">
-    <dgm:fillClrLst meth="repeat">
-      <a:schemeClr val="accent1"/>
-    </dgm:fillClrLst>
-    <dgm:linClrLst meth="repeat">
-      <a:schemeClr val="accent1"/>
-    </dgm:linClrLst>
-    <dgm:effectClrLst/>
-    <dgm:txLinClrLst/>
-    <dgm:txFillClrLst meth="repeat">
-      <a:schemeClr val="tx1"/>
-    </dgm:txFillClrLst>
-    <dgm:txEffectClrLst/>
-  </dgm:styleLbl>
-  <dgm:styleLbl name="callout">
-    <dgm:fillClrLst meth="repeat">
-      <a:schemeClr val="accent1"/>
-    </dgm:fillClrLst>
-    <dgm:linClrLst meth="repeat">
-      <a:schemeClr val="accent1">
-        <a:tint val="50000"/>
-      </a:schemeClr>
-    </dgm:linClrLst>
-    <dgm:effectClrLst/>
-    <dgm:txLinClrLst/>
-    <dgm:txFillClrLst meth="repeat">
-      <a:schemeClr val="tx1"/>
-    </dgm:txFillClrLst>
-    <dgm:txEffectClrLst/>
-  </dgm:styleLbl>
-  <dgm:styleLbl name="asst0">
-    <dgm:fillClrLst meth="repeat">
-      <a:schemeClr val="accent1"/>
-    </dgm:fillClrLst>
-    <dgm:linClrLst meth="repeat">
-      <a:schemeClr val="lt1"/>
-    </dgm:linClrLst>
-    <dgm:effectClrLst/>
-    <dgm:txLinClrLst/>
-    <dgm:txFillClrLst/>
-    <dgm:txEffectClrLst/>
-  </dgm:styleLbl>
-  <dgm:styleLbl name="asst1">
-    <dgm:fillClrLst meth="repeat">
-      <a:schemeClr val="accent1"/>
-    </dgm:fillClrLst>
-    <dgm:linClrLst meth="repeat">
-      <a:schemeClr val="lt1"/>
-    </dgm:linClrLst>
-    <dgm:effectClrLst/>
-    <dgm:txLinClrLst/>
-    <dgm:txFillClrLst/>
-    <dgm:txEffectClrLst/>
-  </dgm:styleLbl>
-  <dgm:styleLbl name="asst2">
-    <dgm:fillClrLst meth="repeat">
-      <a:schemeClr val="accent1"/>
-    </dgm:fillClrLst>
-    <dgm:linClrLst meth="repeat">
-      <a:schemeClr val="lt1"/>
-    </dgm:linClrLst>
-    <dgm:effectClrLst/>
-    <dgm:txLinClrLst/>
-    <dgm:txFillClrLst/>
-    <dgm:txEffectClrLst/>
-  </dgm:styleLbl>
-  <dgm:styleLbl name="asst3">
-    <dgm:fillClrLst meth="repeat">
-      <a:schemeClr val="accent1"/>
-    </dgm:fillClrLst>
-    <dgm:linClrLst meth="repeat">
-      <a:schemeClr val="lt1"/>
-    </dgm:linClrLst>
-    <dgm:effectClrLst/>
-    <dgm:txLinClrLst/>
-    <dgm:txFillClrLst/>
-    <dgm:txEffectClrLst/>
-  </dgm:styleLbl>
-  <dgm:styleLbl name="asst4">
-    <dgm:fillClrLst meth="repeat">
-      <a:schemeClr val="accent1"/>
-    </dgm:fillClrLst>
-    <dgm:linClrLst meth="repeat">
-      <a:schemeClr val="lt1"/>
-    </dgm:linClrLst>
-    <dgm:effectClrLst/>
-    <dgm:txLinClrLst/>
-    <dgm:txFillClrLst/>
-    <dgm:txEffectClrLst/>
-  </dgm:styleLbl>
-  <dgm:styleLbl name="parChTrans2D1">
-    <dgm:fillClrLst meth="repeat">
-      <a:schemeClr val="accent1">
-        <a:tint val="60000"/>
-      </a:schemeClr>
-    </dgm:fillClrLst>
-    <dgm:linClrLst meth="repeat">
-      <a:schemeClr val="accent1">
-        <a:tint val="60000"/>
-      </a:schemeClr>
-    </dgm:linClrLst>
-    <dgm:effectClrLst/>
-    <dgm:txLinClrLst/>
-    <dgm:txFillClrLst meth="repeat">
-      <a:schemeClr val="lt1"/>
-    </dgm:txFillClrLst>
-    <dgm:txEffectClrLst/>
-  </dgm:styleLbl>
-  <dgm:styleLbl name="parChTrans2D2">
-    <dgm:fillClrLst meth="repeat">
-      <a:schemeClr val="accent1"/>
-    </dgm:fillClrLst>
-    <dgm:linClrLst meth="repeat">
-      <a:schemeClr val="accent1"/>
-    </dgm:linClrLst>
-    <dgm:effectClrLst/>
-    <dgm:txLinClrLst/>
-    <dgm:txFillClrLst meth="repeat">
-      <a:schemeClr val="lt1"/>
-    </dgm:txFillClrLst>
-    <dgm:txEffectClrLst/>
-  </dgm:styleLbl>
-  <dgm:styleLbl name="parChTrans2D3">
-    <dgm:fillClrLst meth="repeat">
-      <a:schemeClr val="accent1"/>
-    </dgm:fillClrLst>
-    <dgm:linClrLst meth="repeat">
-      <a:schemeClr val="accent1"/>
-    </dgm:linClrLst>
-    <dgm:effectClrLst/>
-    <dgm:txLinClrLst/>
-    <dgm:txFillClrLst meth="repeat">
-      <a:schemeClr val="lt1"/>
-    </dgm:txFillClrLst>
-    <dgm:txEffectClrLst/>
-  </dgm:styleLbl>
-  <dgm:styleLbl name="parChTrans2D4">
-    <dgm:fillClrLst meth="repeat">
-      <a:schemeClr val="accent1"/>
-    </dgm:fillClrLst>
-    <dgm:linClrLst meth="repeat">
-      <a:schemeClr val="accent1"/>
-    </dgm:linClrLst>
-    <dgm:effectClrLst/>
-    <dgm:txLinClrLst/>
-    <dgm:txFillClrLst meth="repeat">
-      <a:schemeClr val="lt1"/>
-    </dgm:txFillClrLst>
-    <dgm:txEffectClrLst/>
-  </dgm:styleLbl>
-  <dgm:styleLbl name="parChTrans1D1">
-    <dgm:fillClrLst meth="repeat">
-      <a:schemeClr val="accent1"/>
-    </dgm:fillClrLst>
-    <dgm:linClrLst meth="repeat">
-      <a:schemeClr val="accent1">
-        <a:shade val="60000"/>
-      </a:schemeClr>
-    </dgm:linClrLst>
-    <dgm:effectClrLst/>
-    <dgm:txLinClrLst/>
-    <dgm:txFillClrLst meth="repeat">
-      <a:schemeClr val="tx1"/>
-    </dgm:txFillClrLst>
-    <dgm:txEffectClrLst/>
-  </dgm:styleLbl>
-  <dgm:styleLbl name="parChTrans1D2">
-    <dgm:fillClrLst meth="repeat">
-      <a:schemeClr val="accent1"/>
-    </dgm:fillClrLst>
-    <dgm:linClrLst meth="repeat">
-      <a:schemeClr val="accent1">
-        <a:shade val="60000"/>
-      </a:schemeClr>
-    </dgm:linClrLst>
-    <dgm:effectClrLst/>
-    <dgm:txLinClrLst/>
-    <dgm:txFillClrLst meth="repeat">
-      <a:schemeClr val="tx1"/>
-    </dgm:txFillClrLst>
-    <dgm:txEffectClrLst/>
-  </dgm:styleLbl>
-  <dgm:styleLbl name="parChTrans1D3">
-    <dgm:fillClrLst meth="repeat">
-      <a:schemeClr val="accent1"/>
-    </dgm:fillClrLst>
-    <dgm:linClrLst meth="repeat">
-      <a:schemeClr val="accent1">
-        <a:shade val="80000"/>
-      </a:schemeClr>
-    </dgm:linClrLst>
-    <dgm:effectClrLst/>
-    <dgm:txLinClrLst/>
-    <dgm:txFillClrLst meth="repeat">
-      <a:schemeClr val="tx1"/>
-    </dgm:txFillClrLst>
-    <dgm:txEffectClrLst/>
-  </dgm:styleLbl>
-  <dgm:styleLbl name="parChTrans1D4">
-    <dgm:fillClrLst meth="repeat">
-      <a:schemeClr val="accent1"/>
-    </dgm:fillClrLst>
-    <dgm:linClrLst meth="repeat">
-      <a:schemeClr val="accent1">
-        <a:shade val="80000"/>
-      </a:schemeClr>
-    </dgm:linClrLst>
-    <dgm:effectClrLst/>
-    <dgm:txLinClrLst/>
-    <dgm:txFillClrLst meth="repeat">
-      <a:schemeClr val="tx1"/>
-    </dgm:txFillClrLst>
-    <dgm:txEffectClrLst/>
-  </dgm:styleLbl>
-  <dgm:styleLbl name="fgAcc1">
-    <dgm:fillClrLst meth="repeat">
-      <a:schemeClr val="lt1">
-        <a:alpha val="90000"/>
-      </a:schemeClr>
-    </dgm:fillClrLst>
-    <dgm:linClrLst meth="repeat">
-      <a:schemeClr val="accent1"/>
-    </dgm:linClrLst>
-    <dgm:effectClrLst/>
-    <dgm:txLinClrLst/>
-    <dgm:txFillClrLst meth="repeat">
-      <a:schemeClr val="dk1"/>
-    </dgm:txFillClrLst>
-    <dgm:txEffectClrLst/>
-  </dgm:styleLbl>
-  <dgm:styleLbl name="conFgAcc1">
-    <dgm:fillClrLst meth="repeat">
-      <a:schemeClr val="lt1">
-        <a:alpha val="90000"/>
-      </a:schemeClr>
-    </dgm:fillClrLst>
-    <dgm:linClrLst meth="repeat">
-      <a:schemeClr val="accent1"/>
-    </dgm:linClrLst>
-    <dgm:effectClrLst/>
-    <dgm:txLinClrLst/>
-    <dgm:txFillClrLst meth="repeat">
-      <a:schemeClr val="dk1"/>
-    </dgm:txFillClrLst>
-    <dgm:txEffectClrLst/>
-  </dgm:styleLbl>
-  <dgm:styleLbl name="alignAcc1">
-    <dgm:fillClrLst meth="repeat">
-      <a:schemeClr val="lt1">
-        <a:alpha val="90000"/>
-      </a:schemeClr>
-    </dgm:fillClrLst>
-    <dgm:linClrLst meth="repeat">
-      <a:schemeClr val="accent1"/>
-    </dgm:linClrLst>
-    <dgm:effectClrLst/>
-    <dgm:txLinClrLst/>
-    <dgm:txFillClrLst meth="repeat">
-      <a:schemeClr val="dk1"/>
-    </dgm:txFillClrLst>
-    <dgm:txEffectClrLst/>
-  </dgm:styleLbl>
-  <dgm:styleLbl name="trAlignAcc1">
-    <dgm:fillClrLst meth="repeat">
-      <a:schemeClr val="lt1">
-        <a:alpha val="40000"/>
-      </a:schemeClr>
-    </dgm:fillClrLst>
-    <dgm:linClrLst meth="repeat">
-      <a:schemeClr val="accent1"/>
-    </dgm:linClrLst>
-    <dgm:effectClrLst/>
-    <dgm:txLinClrLst/>
-    <dgm:txFillClrLst meth="repeat">
-      <a:schemeClr val="dk1"/>
-    </dgm:txFillClrLst>
-    <dgm:txEffectClrLst/>
-  </dgm:styleLbl>
-  <dgm:styleLbl name="bgAcc1">
-    <dgm:fillClrLst meth="repeat">
-      <a:schemeClr val="lt1">
-        <a:alpha val="90000"/>
-      </a:schemeClr>
-    </dgm:fillClrLst>
-    <dgm:linClrLst meth="repeat">
-      <a:schemeClr val="accent1"/>
-    </dgm:linClrLst>
-    <dgm:effectClrLst/>
-    <dgm:txLinClrLst/>
-    <dgm:txFillClrLst meth="repeat">
-      <a:schemeClr val="dk1"/>
-    </dgm:txFillClrLst>
-    <dgm:txEffectClrLst/>
-  </dgm:styleLbl>
-  <dgm:styleLbl name="solidFgAcc1">
-    <dgm:fillClrLst meth="repeat">
-      <a:schemeClr val="lt1"/>
-    </dgm:fillClrLst>
-    <dgm:linClrLst meth="repeat">
-      <a:schemeClr val="accent1"/>
-    </dgm:linClrLst>
-    <dgm:effectClrLst/>
-    <dgm:txLinClrLst/>
-    <dgm:txFillClrLst meth="repeat">
-      <a:schemeClr val="dk1"/>
-    </dgm:txFillClrLst>
-    <dgm:txEffectClrLst/>
-  </dgm:styleLbl>
-  <dgm:styleLbl name="solidAlignAcc1">
-    <dgm:fillClrLst meth="repeat">
-      <a:schemeClr val="lt1"/>
-    </dgm:fillClrLst>
-    <dgm:linClrLst meth="repeat">
-      <a:schemeClr val="accent1"/>
-    </dgm:linClrLst>
-    <dgm:effectClrLst/>
-    <dgm:txLinClrLst/>
-    <dgm:txFillClrLst meth="repeat">
-      <a:schemeClr val="dk1"/>
-    </dgm:txFillClrLst>
-    <dgm:txEffectClrLst/>
-  </dgm:styleLbl>
-  <dgm:styleLbl name="solidBgAcc1">
-    <dgm:fillClrLst meth="repeat">
-      <a:schemeClr val="lt1"/>
-    </dgm:fillClrLst>
-    <dgm:linClrLst meth="repeat">
-      <a:schemeClr val="accent1"/>
-    </dgm:linClrLst>
-    <dgm:effectClrLst/>
-    <dgm:txLinClrLst/>
-    <dgm:txFillClrLst meth="repeat">
-      <a:schemeClr val="dk1"/>
-    </dgm:txFillClrLst>
-    <dgm:txEffectClrLst/>
-  </dgm:styleLbl>
-  <dgm:styleLbl name="fgAccFollowNode1">
-    <dgm:fillClrLst meth="repeat">
-      <a:schemeClr val="accent1">
-        <a:alpha val="90000"/>
-        <a:tint val="40000"/>
-      </a:schemeClr>
-    </dgm:fillClrLst>
-    <dgm:linClrLst meth="repeat">
-      <a:schemeClr val="accent1">
-        <a:alpha val="90000"/>
-        <a:tint val="40000"/>
-      </a:schemeClr>
-    </dgm:linClrLst>
-    <dgm:effectClrLst/>
-    <dgm:txLinClrLst/>
-    <dgm:txFillClrLst meth="repeat">
-      <a:schemeClr val="dk1"/>
-    </dgm:txFillClrLst>
-    <dgm:txEffectClrLst/>
-  </dgm:styleLbl>
-  <dgm:styleLbl name="alignAccFollowNode1">
-    <dgm:fillClrLst meth="repeat">
-      <a:schemeClr val="accent1">
-        <a:alpha val="90000"/>
-        <a:tint val="40000"/>
-      </a:schemeClr>
-    </dgm:fillClrLst>
-    <dgm:linClrLst meth="repeat">
-      <a:schemeClr val="accent1">
-        <a:alpha val="90000"/>
-        <a:tint val="40000"/>
-      </a:schemeClr>
-    </dgm:linClrLst>
-    <dgm:effectClrLst/>
-    <dgm:txLinClrLst/>
-    <dgm:txFillClrLst meth="repeat">
-      <a:schemeClr val="dk1"/>
-    </dgm:txFillClrLst>
-    <dgm:txEffectClrLst/>
-  </dgm:styleLbl>
-  <dgm:styleLbl name="bgAccFollowNode1">
-    <dgm:fillClrLst meth="repeat">
-      <a:schemeClr val="accent1">
-        <a:alpha val="90000"/>
-        <a:tint val="40000"/>
-      </a:schemeClr>
-    </dgm:fillClrLst>
-    <dgm:linClrLst meth="repeat">
-      <a:schemeClr val="accent1">
-        <a:alpha val="90000"/>
-        <a:tint val="40000"/>
-      </a:schemeClr>
-    </dgm:linClrLst>
-    <dgm:effectClrLst/>
-    <dgm:txLinClrLst/>
-    <dgm:txFillClrLst meth="repeat">
-      <a:schemeClr val="dk1"/>
-    </dgm:txFillClrLst>
-    <dgm:txEffectClrLst/>
-  </dgm:styleLbl>
-  <dgm:styleLbl name="fgAcc0">
-    <dgm:fillClrLst meth="repeat">
-      <a:schemeClr val="lt1">
-        <a:alpha val="90000"/>
-      </a:schemeClr>
-    </dgm:fillClrLst>
-    <dgm:linClrLst meth="repeat">
-      <a:schemeClr val="accent1"/>
-    </dgm:linClrLst>
-    <dgm:effectClrLst/>
-    <dgm:txLinClrLst/>
-    <dgm:txFillClrLst meth="repeat">
-      <a:schemeClr val="dk1"/>
-    </dgm:txFillClrLst>
-    <dgm:txEffectClrLst/>
-  </dgm:styleLbl>
-  <dgm:styleLbl name="fgAcc2">
-    <dgm:fillClrLst meth="repeat">
-      <a:schemeClr val="lt1">
-        <a:alpha val="90000"/>
-      </a:schemeClr>
-    </dgm:fillClrLst>
-    <dgm:linClrLst meth="repeat">
-      <a:schemeClr val="accent1"/>
-    </dgm:linClrLst>
-    <dgm:effectClrLst/>
-    <dgm:txLinClrLst/>
-    <dgm:txFillClrLst meth="repeat">
-      <a:schemeClr val="dk1"/>
-    </dgm:txFillClrLst>
-    <dgm:txEffectClrLst/>
-  </dgm:styleLbl>
-  <dgm:styleLbl name="fgAcc3">
-    <dgm:fillClrLst meth="repeat">
-      <a:schemeClr val="lt1">
-        <a:alpha val="90000"/>
-      </a:schemeClr>
-    </dgm:fillClrLst>
-    <dgm:linClrLst meth="repeat">
-      <a:schemeClr val="accent1"/>
-    </dgm:linClrLst>
-    <dgm:effectClrLst/>
-    <dgm:txLinClrLst/>
-    <dgm:txFillClrLst meth="repeat">
-      <a:schemeClr val="dk1"/>
-    </dgm:txFillClrLst>
-    <dgm:txEffectClrLst/>
-  </dgm:styleLbl>
-  <dgm:styleLbl name="fgAcc4">
-    <dgm:fillClrLst meth="repeat">
-      <a:schemeClr val="lt1">
-        <a:alpha val="90000"/>
-      </a:schemeClr>
-    </dgm:fillClrLst>
-    <dgm:linClrLst meth="repeat">
-      <a:schemeClr val="accent1"/>
-    </dgm:linClrLst>
-    <dgm:effectClrLst/>
-    <dgm:txLinClrLst/>
-    <dgm:txFillClrLst meth="repeat">
-      <a:schemeClr val="dk1"/>
-    </dgm:txFillClrLst>
-    <dgm:txEffectClrLst/>
-  </dgm:styleLbl>
-  <dgm:styleLbl name="bgShp">
-    <dgm:fillClrLst meth="repeat">
-      <a:schemeClr val="accent1">
-        <a:tint val="40000"/>
-      </a:schemeClr>
-    </dgm:fillClrLst>
-    <dgm:linClrLst meth="repeat">
-      <a:schemeClr val="accent1"/>
-    </dgm:linClrLst>
-    <dgm:effectClrLst/>
-    <dgm:txLinClrLst/>
-    <dgm:txFillClrLst meth="repeat">
-      <a:schemeClr val="dk1"/>
-    </dgm:txFillClrLst>
-    <dgm:txEffectClrLst/>
-  </dgm:styleLbl>
-  <dgm:styleLbl name="dkBgShp">
-    <dgm:fillClrLst meth="repeat">
-      <a:schemeClr val="accent1">
-        <a:shade val="80000"/>
-      </a:schemeClr>
-    </dgm:fillClrLst>
-    <dgm:linClrLst meth="repeat">
-      <a:schemeClr val="accent1"/>
-    </dgm:linClrLst>
-    <dgm:effectClrLst/>
-    <dgm:txLinClrLst/>
-    <dgm:txFillClrLst meth="repeat">
-      <a:schemeClr val="lt1"/>
-    </dgm:txFillClrLst>
-    <dgm:txEffectClrLst/>
-  </dgm:styleLbl>
-  <dgm:styleLbl name="trBgShp">
-    <dgm:fillClrLst meth="repeat">
-      <a:schemeClr val="accent1">
-        <a:tint val="50000"/>
-        <a:alpha val="40000"/>
-      </a:schemeClr>
-    </dgm:fillClrLst>
-    <dgm:linClrLst meth="repeat">
-      <a:schemeClr val="accent1"/>
-    </dgm:linClrLst>
-    <dgm:effectClrLst/>
-    <dgm:txLinClrLst/>
-    <dgm:txFillClrLst meth="repeat">
-      <a:schemeClr val="lt1"/>
-    </dgm:txFillClrLst>
-    <dgm:txEffectClrLst/>
-  </dgm:styleLbl>
-  <dgm:styleLbl name="fgShp">
-    <dgm:fillClrLst meth="repeat">
-      <a:schemeClr val="accent1">
-        <a:tint val="60000"/>
-      </a:schemeClr>
-    </dgm:fillClrLst>
-    <dgm:linClrLst meth="repeat">
-      <a:schemeClr val="lt1"/>
-    </dgm:linClrLst>
-    <dgm:effectClrLst/>
-    <dgm:txLinClrLst/>
-    <dgm:txFillClrLst meth="repeat">
-      <a:schemeClr val="dk1"/>
-    </dgm:txFillClrLst>
-    <dgm:txEffectClrLst/>
-  </dgm:styleLbl>
-  <dgm:styleLbl name="revTx">
-    <dgm:fillClrLst meth="repeat">
-      <a:schemeClr val="lt1">
-        <a:alpha val="0"/>
-      </a:schemeClr>
-    </dgm:fillClrLst>
-    <dgm:linClrLst meth="repeat">
-      <a:schemeClr val="dk1">
-        <a:alpha val="0"/>
-      </a:schemeClr>
-    </dgm:linClrLst>
-    <dgm:effectClrLst/>
-    <dgm:txLinClrLst/>
-    <dgm:txFillClrLst meth="repeat">
-      <a:schemeClr val="tx1"/>
-    </dgm:txFillClrLst>
-    <dgm:txEffectClrLst/>
-  </dgm:styleLbl>
-</dgm:colorsDef>
-</file>
-
 <file path=ppt/diagrams/data1.xml><?xml version="1.0" encoding="utf-8"?>
-<dgm:dataModel xmlns:dgm="http://schemas.openxmlformats.org/drawingml/2006/diagram" xmlns:a="http://schemas.openxmlformats.org/drawingml/2006/main">
-  <dgm:ptLst>
-    <dgm:pt modelId="{07DAFE64-4B5E-4792-B17E-2D6A53AAFAE9}" type="doc">
-      <dgm:prSet loTypeId="urn:microsoft.com/office/officeart/2005/8/layout/orgChart1" loCatId="hierarchy" qsTypeId="urn:microsoft.com/office/officeart/2005/8/quickstyle/simple1" qsCatId="simple" csTypeId="urn:microsoft.com/office/officeart/2005/8/colors/accent1_2" csCatId="accent1" phldr="0"/>
-      <dgm:spPr/>
-      <dgm:t>
-        <a:bodyPr/>
-        <a:lstStyle/>
-        <a:p>
-          <a:endParaRPr lang="en-US"/>
-        </a:p>
-      </dgm:t>
-    </dgm:pt>
-    <dgm:pt modelId="{E7A8B3A1-586D-45AF-A5AE-6EC26C4DBD4D}">
-      <dgm:prSet phldrT="[Text]" phldr="1"/>
-      <dgm:spPr/>
-      <dgm:t>
-        <a:bodyPr/>
-        <a:lstStyle/>
-        <a:p>
-          <a:endParaRPr lang="en-US"/>
-        </a:p>
-      </dgm:t>
-    </dgm:pt>
-    <dgm:pt modelId="{C6E83B9F-5BF2-4E19-BCAD-7A66B4F33DB3}" type="parTrans" cxnId="{CBACE5F7-4856-42A7-9AD3-B69C0C80438D}">
-      <dgm:prSet/>
-      <dgm:spPr/>
-      <dgm:t>
-        <a:bodyPr/>
-        <a:lstStyle/>
-        <a:p>
-          <a:endParaRPr lang="en-US"/>
-        </a:p>
-      </dgm:t>
-    </dgm:pt>
-    <dgm:pt modelId="{440729A1-AA3D-4EEF-B9B7-56B59532DFFF}" type="sibTrans" cxnId="{CBACE5F7-4856-42A7-9AD3-B69C0C80438D}">
-      <dgm:prSet/>
-      <dgm:spPr/>
-      <dgm:t>
-        <a:bodyPr/>
-        <a:lstStyle/>
-        <a:p>
-          <a:endParaRPr lang="en-US"/>
-        </a:p>
-      </dgm:t>
-    </dgm:pt>
-    <dgm:pt modelId="{A3B7A93C-CE05-44F5-8EBD-72A95BCAB24F}" type="asst">
-      <dgm:prSet phldrT="[Text]" phldr="1"/>
-      <dgm:spPr/>
-      <dgm:t>
-        <a:bodyPr/>
-        <a:lstStyle/>
-        <a:p>
-          <a:endParaRPr lang="en-US"/>
-        </a:p>
-      </dgm:t>
-    </dgm:pt>
-    <dgm:pt modelId="{C9D142D8-48BA-4993-A90B-3FD739C4E0C5}" type="parTrans" cxnId="{1CD87E2C-67F2-454C-9E2B-473033CA0845}">
-      <dgm:prSet/>
-      <dgm:spPr/>
-      <dgm:t>
-        <a:bodyPr/>
-        <a:lstStyle/>
-        <a:p>
-          <a:endParaRPr lang="en-US"/>
-        </a:p>
-      </dgm:t>
-    </dgm:pt>
-    <dgm:pt modelId="{3CAD78A5-849B-47DA-BD91-D19900818DC0}" type="sibTrans" cxnId="{1CD87E2C-67F2-454C-9E2B-473033CA0845}">
-      <dgm:prSet/>
-      <dgm:spPr/>
-      <dgm:t>
-        <a:bodyPr/>
-        <a:lstStyle/>
-        <a:p>
-          <a:endParaRPr lang="en-US"/>
-        </a:p>
-      </dgm:t>
-    </dgm:pt>
-    <dgm:pt modelId="{98A10E1E-ED67-4566-87D2-505ADDDA38CD}">
-      <dgm:prSet phldrT="[Text]" phldr="1"/>
-      <dgm:spPr/>
-      <dgm:t>
-        <a:bodyPr/>
-        <a:lstStyle/>
-        <a:p>
-          <a:endParaRPr lang="en-US"/>
-        </a:p>
-      </dgm:t>
-    </dgm:pt>
-    <dgm:pt modelId="{F6F31673-BE16-4E20-B190-E5C6D08DA7A8}" type="parTrans" cxnId="{F76F2478-7985-4CF6-9968-62631C263C69}">
-      <dgm:prSet/>
-      <dgm:spPr/>
-      <dgm:t>
-        <a:bodyPr/>
-        <a:lstStyle/>
-        <a:p>
-          <a:endParaRPr lang="en-US"/>
-        </a:p>
-      </dgm:t>
-    </dgm:pt>
-    <dgm:pt modelId="{1A4A9BFC-2A5A-4512-9EB2-D90A12341F02}" type="sibTrans" cxnId="{F76F2478-7985-4CF6-9968-62631C263C69}">
-      <dgm:prSet/>
-      <dgm:spPr/>
-      <dgm:t>
-        <a:bodyPr/>
-        <a:lstStyle/>
-        <a:p>
-          <a:endParaRPr lang="en-US"/>
-        </a:p>
-      </dgm:t>
-    </dgm:pt>
-    <dgm:pt modelId="{EE4B2A0E-EDB2-4303-B11E-85CC6972B8EE}">
-      <dgm:prSet phldrT="[Text]" phldr="1"/>
-      <dgm:spPr/>
-      <dgm:t>
-        <a:bodyPr/>
-        <a:lstStyle/>
-        <a:p>
-          <a:endParaRPr lang="en-US"/>
-        </a:p>
-      </dgm:t>
-    </dgm:pt>
-    <dgm:pt modelId="{FBC2D982-F481-4C83-B4F2-5488B39B34FD}" type="parTrans" cxnId="{AF29F798-AA94-4C6A-88CC-8FC77F25EAE8}">
-      <dgm:prSet/>
-      <dgm:spPr/>
-      <dgm:t>
-        <a:bodyPr/>
-        <a:lstStyle/>
-        <a:p>
-          <a:endParaRPr lang="en-US"/>
-        </a:p>
-      </dgm:t>
-    </dgm:pt>
-    <dgm:pt modelId="{F30B7EF1-A715-4018-B047-C8508722CC03}" type="sibTrans" cxnId="{AF29F798-AA94-4C6A-88CC-8FC77F25EAE8}">
-      <dgm:prSet/>
-      <dgm:spPr/>
-      <dgm:t>
-        <a:bodyPr/>
-        <a:lstStyle/>
-        <a:p>
-          <a:endParaRPr lang="en-US"/>
-        </a:p>
-      </dgm:t>
-    </dgm:pt>
-    <dgm:pt modelId="{143C2A55-ADA8-4AD9-B31B-EA223D32B016}">
-      <dgm:prSet phldrT="[Text]" phldr="1"/>
-      <dgm:spPr/>
-      <dgm:t>
-        <a:bodyPr/>
-        <a:lstStyle/>
-        <a:p>
-          <a:endParaRPr lang="en-US"/>
-        </a:p>
-      </dgm:t>
-    </dgm:pt>
-    <dgm:pt modelId="{A3540E51-BA2E-45B4-9073-9B899A90BC57}" type="parTrans" cxnId="{3E003E56-C9A8-4077-9BC6-4372B30E18D7}">
-      <dgm:prSet/>
-      <dgm:spPr/>
-      <dgm:t>
-        <a:bodyPr/>
-        <a:lstStyle/>
-        <a:p>
-          <a:endParaRPr lang="en-US"/>
-        </a:p>
-      </dgm:t>
-    </dgm:pt>
-    <dgm:pt modelId="{7C599E36-0517-46C8-A65B-51C0C3380F2B}" type="sibTrans" cxnId="{3E003E56-C9A8-4077-9BC6-4372B30E18D7}">
-      <dgm:prSet/>
-      <dgm:spPr/>
-      <dgm:t>
-        <a:bodyPr/>
-        <a:lstStyle/>
-        <a:p>
-          <a:endParaRPr lang="en-US"/>
-        </a:p>
-      </dgm:t>
-    </dgm:pt>
-    <dgm:pt modelId="{9767C281-341D-4EDC-B560-DA7B2E8D218E}" type="pres">
-      <dgm:prSet presAssocID="{07DAFE64-4B5E-4792-B17E-2D6A53AAFAE9}" presName="hierChild1" presStyleCnt="0">
-        <dgm:presLayoutVars>
-          <dgm:orgChart val="1"/>
-          <dgm:chPref val="1"/>
-          <dgm:dir/>
-          <dgm:animOne val="branch"/>
-          <dgm:animLvl val="lvl"/>
-          <dgm:resizeHandles/>
-        </dgm:presLayoutVars>
-      </dgm:prSet>
-      <dgm:spPr/>
-    </dgm:pt>
-    <dgm:pt modelId="{AEDA5AD4-405E-40E5-A92E-E16B9DA28991}" type="pres">
-      <dgm:prSet presAssocID="{E7A8B3A1-586D-45AF-A5AE-6EC26C4DBD4D}" presName="hierRoot1" presStyleCnt="0">
-        <dgm:presLayoutVars>
-          <dgm:hierBranch val="init"/>
-        </dgm:presLayoutVars>
-      </dgm:prSet>
-      <dgm:spPr/>
-    </dgm:pt>
-    <dgm:pt modelId="{5A25B36E-8292-43C7-A4EE-9EC02CC83E38}" type="pres">
-      <dgm:prSet presAssocID="{E7A8B3A1-586D-45AF-A5AE-6EC26C4DBD4D}" presName="rootComposite1" presStyleCnt="0"/>
-      <dgm:spPr/>
-    </dgm:pt>
-    <dgm:pt modelId="{7B558CF0-D52E-4023-A791-0640E0D038C7}" type="pres">
-      <dgm:prSet presAssocID="{E7A8B3A1-586D-45AF-A5AE-6EC26C4DBD4D}" presName="rootText1" presStyleLbl="node0" presStyleIdx="0" presStyleCnt="1">
-        <dgm:presLayoutVars>
-          <dgm:chPref val="3"/>
-        </dgm:presLayoutVars>
-      </dgm:prSet>
-      <dgm:spPr/>
-    </dgm:pt>
-    <dgm:pt modelId="{258E1572-14BC-4162-9AE0-45F71FF43187}" type="pres">
-      <dgm:prSet presAssocID="{E7A8B3A1-586D-45AF-A5AE-6EC26C4DBD4D}" presName="rootConnector1" presStyleLbl="node1" presStyleIdx="0" presStyleCnt="0"/>
-      <dgm:spPr/>
-    </dgm:pt>
-    <dgm:pt modelId="{BB1811DE-E45C-4220-A860-B13580067F50}" type="pres">
-      <dgm:prSet presAssocID="{E7A8B3A1-586D-45AF-A5AE-6EC26C4DBD4D}" presName="hierChild2" presStyleCnt="0"/>
-      <dgm:spPr/>
-    </dgm:pt>
-    <dgm:pt modelId="{36B4E92A-0ECB-4B41-845F-6CC6662AAE56}" type="pres">
-      <dgm:prSet presAssocID="{F6F31673-BE16-4E20-B190-E5C6D08DA7A8}" presName="Name37" presStyleLbl="parChTrans1D2" presStyleIdx="0" presStyleCnt="4"/>
-      <dgm:spPr/>
-    </dgm:pt>
-    <dgm:pt modelId="{1F62FE2D-15A5-46E3-9AAA-6D3F9D5ED728}" type="pres">
-      <dgm:prSet presAssocID="{98A10E1E-ED67-4566-87D2-505ADDDA38CD}" presName="hierRoot2" presStyleCnt="0">
-        <dgm:presLayoutVars>
-          <dgm:hierBranch val="init"/>
-        </dgm:presLayoutVars>
-      </dgm:prSet>
-      <dgm:spPr/>
-    </dgm:pt>
-    <dgm:pt modelId="{01901936-8623-4378-9F55-DDC73BD3FBA2}" type="pres">
-      <dgm:prSet presAssocID="{98A10E1E-ED67-4566-87D2-505ADDDA38CD}" presName="rootComposite" presStyleCnt="0"/>
-      <dgm:spPr/>
-    </dgm:pt>
-    <dgm:pt modelId="{19B9FE15-69F2-4B81-9DF3-2D5347BD89C9}" type="pres">
-      <dgm:prSet presAssocID="{98A10E1E-ED67-4566-87D2-505ADDDA38CD}" presName="rootText" presStyleLbl="node2" presStyleIdx="0" presStyleCnt="3">
-        <dgm:presLayoutVars>
-          <dgm:chPref val="3"/>
-        </dgm:presLayoutVars>
-      </dgm:prSet>
-      <dgm:spPr/>
-    </dgm:pt>
-    <dgm:pt modelId="{9586954C-6937-4D77-8149-B3FD89478CBB}" type="pres">
-      <dgm:prSet presAssocID="{98A10E1E-ED67-4566-87D2-505ADDDA38CD}" presName="rootConnector" presStyleLbl="node2" presStyleIdx="0" presStyleCnt="3"/>
-      <dgm:spPr/>
-    </dgm:pt>
-    <dgm:pt modelId="{AD3C936C-866B-4404-9304-201824F5B97A}" type="pres">
-      <dgm:prSet presAssocID="{98A10E1E-ED67-4566-87D2-505ADDDA38CD}" presName="hierChild4" presStyleCnt="0"/>
-      <dgm:spPr/>
-    </dgm:pt>
-    <dgm:pt modelId="{6C36AB76-1EFF-4EE1-B846-034A26F060B3}" type="pres">
-      <dgm:prSet presAssocID="{98A10E1E-ED67-4566-87D2-505ADDDA38CD}" presName="hierChild5" presStyleCnt="0"/>
-      <dgm:spPr/>
-    </dgm:pt>
-    <dgm:pt modelId="{44CC50D7-5D82-45D4-9698-F558F9D479EC}" type="pres">
-      <dgm:prSet presAssocID="{FBC2D982-F481-4C83-B4F2-5488B39B34FD}" presName="Name37" presStyleLbl="parChTrans1D2" presStyleIdx="1" presStyleCnt="4"/>
-      <dgm:spPr/>
-    </dgm:pt>
-    <dgm:pt modelId="{8AAA61B7-8DCE-4947-9C50-33F1434856AE}" type="pres">
-      <dgm:prSet presAssocID="{EE4B2A0E-EDB2-4303-B11E-85CC6972B8EE}" presName="hierRoot2" presStyleCnt="0">
-        <dgm:presLayoutVars>
-          <dgm:hierBranch val="init"/>
-        </dgm:presLayoutVars>
-      </dgm:prSet>
-      <dgm:spPr/>
-    </dgm:pt>
-    <dgm:pt modelId="{47673C4F-ECF8-485B-894F-A287756B7793}" type="pres">
-      <dgm:prSet presAssocID="{EE4B2A0E-EDB2-4303-B11E-85CC6972B8EE}" presName="rootComposite" presStyleCnt="0"/>
-      <dgm:spPr/>
-    </dgm:pt>
-    <dgm:pt modelId="{90B54140-C053-4BBA-8C21-0B742DD26115}" type="pres">
-      <dgm:prSet presAssocID="{EE4B2A0E-EDB2-4303-B11E-85CC6972B8EE}" presName="rootText" presStyleLbl="node2" presStyleIdx="1" presStyleCnt="3">
-        <dgm:presLayoutVars>
-          <dgm:chPref val="3"/>
-        </dgm:presLayoutVars>
-      </dgm:prSet>
-      <dgm:spPr/>
-    </dgm:pt>
-    <dgm:pt modelId="{3E2F2923-0BC2-4EE8-B953-3F7B50B2E167}" type="pres">
-      <dgm:prSet presAssocID="{EE4B2A0E-EDB2-4303-B11E-85CC6972B8EE}" presName="rootConnector" presStyleLbl="node2" presStyleIdx="1" presStyleCnt="3"/>
-      <dgm:spPr/>
-    </dgm:pt>
-    <dgm:pt modelId="{8A36827F-0993-4C5C-AEFC-3B1FFFFF5647}" type="pres">
-      <dgm:prSet presAssocID="{EE4B2A0E-EDB2-4303-B11E-85CC6972B8EE}" presName="hierChild4" presStyleCnt="0"/>
-      <dgm:spPr/>
-    </dgm:pt>
-    <dgm:pt modelId="{230201B0-2FB7-4BF3-A177-B0DD6B50B506}" type="pres">
-      <dgm:prSet presAssocID="{EE4B2A0E-EDB2-4303-B11E-85CC6972B8EE}" presName="hierChild5" presStyleCnt="0"/>
-      <dgm:spPr/>
-    </dgm:pt>
-    <dgm:pt modelId="{ACFD9061-FD58-4FCB-B44D-3946FD0DAF2C}" type="pres">
-      <dgm:prSet presAssocID="{A3540E51-BA2E-45B4-9073-9B899A90BC57}" presName="Name37" presStyleLbl="parChTrans1D2" presStyleIdx="2" presStyleCnt="4"/>
-      <dgm:spPr/>
-    </dgm:pt>
-    <dgm:pt modelId="{B3980BC8-725E-4540-8319-562D23418832}" type="pres">
-      <dgm:prSet presAssocID="{143C2A55-ADA8-4AD9-B31B-EA223D32B016}" presName="hierRoot2" presStyleCnt="0">
-        <dgm:presLayoutVars>
-          <dgm:hierBranch val="init"/>
-        </dgm:presLayoutVars>
-      </dgm:prSet>
-      <dgm:spPr/>
-    </dgm:pt>
-    <dgm:pt modelId="{71DBA55F-3F5D-4F4A-9419-1D70E10DE44A}" type="pres">
-      <dgm:prSet presAssocID="{143C2A55-ADA8-4AD9-B31B-EA223D32B016}" presName="rootComposite" presStyleCnt="0"/>
-      <dgm:spPr/>
-    </dgm:pt>
-    <dgm:pt modelId="{6BC94D10-D420-48C2-9CB3-2C1EE70C40A8}" type="pres">
-      <dgm:prSet presAssocID="{143C2A55-ADA8-4AD9-B31B-EA223D32B016}" presName="rootText" presStyleLbl="node2" presStyleIdx="2" presStyleCnt="3">
-        <dgm:presLayoutVars>
-          <dgm:chPref val="3"/>
-        </dgm:presLayoutVars>
-      </dgm:prSet>
-      <dgm:spPr/>
-    </dgm:pt>
-    <dgm:pt modelId="{64C38B9D-9489-4C0B-9EAF-E9FB355C32E6}" type="pres">
-      <dgm:prSet presAssocID="{143C2A55-ADA8-4AD9-B31B-EA223D32B016}" presName="rootConnector" presStyleLbl="node2" presStyleIdx="2" presStyleCnt="3"/>
-      <dgm:spPr/>
-    </dgm:pt>
-    <dgm:pt modelId="{09F59A8A-EA58-46A4-8242-3069C81192AE}" type="pres">
-      <dgm:prSet presAssocID="{143C2A55-ADA8-4AD9-B31B-EA223D32B016}" presName="hierChild4" presStyleCnt="0"/>
-      <dgm:spPr/>
-    </dgm:pt>
-    <dgm:pt modelId="{0ECA4ABE-BEA5-4B86-99EB-BFA776C1C15C}" type="pres">
-      <dgm:prSet presAssocID="{143C2A55-ADA8-4AD9-B31B-EA223D32B016}" presName="hierChild5" presStyleCnt="0"/>
-      <dgm:spPr/>
-    </dgm:pt>
-    <dgm:pt modelId="{A4C07808-CDDC-4AE1-843E-95697C5D19F6}" type="pres">
-      <dgm:prSet presAssocID="{E7A8B3A1-586D-45AF-A5AE-6EC26C4DBD4D}" presName="hierChild3" presStyleCnt="0"/>
-      <dgm:spPr/>
-    </dgm:pt>
-    <dgm:pt modelId="{457FFBAA-21CA-453C-9DFD-C125BFD33E8E}" type="pres">
-      <dgm:prSet presAssocID="{C9D142D8-48BA-4993-A90B-3FD739C4E0C5}" presName="Name111" presStyleLbl="parChTrans1D2" presStyleIdx="3" presStyleCnt="4"/>
-      <dgm:spPr/>
-    </dgm:pt>
-    <dgm:pt modelId="{F53F69D2-1B2F-4DA6-9F8B-9AAE6F0DB778}" type="pres">
-      <dgm:prSet presAssocID="{A3B7A93C-CE05-44F5-8EBD-72A95BCAB24F}" presName="hierRoot3" presStyleCnt="0">
-        <dgm:presLayoutVars>
-          <dgm:hierBranch val="init"/>
-        </dgm:presLayoutVars>
-      </dgm:prSet>
-      <dgm:spPr/>
-    </dgm:pt>
-    <dgm:pt modelId="{B8937A4C-1E99-42A3-B340-ECD9797AC0C1}" type="pres">
-      <dgm:prSet presAssocID="{A3B7A93C-CE05-44F5-8EBD-72A95BCAB24F}" presName="rootComposite3" presStyleCnt="0"/>
-      <dgm:spPr/>
-    </dgm:pt>
-    <dgm:pt modelId="{F4922B72-B3D2-46B3-AAD4-FF0057CA8FDC}" type="pres">
-      <dgm:prSet presAssocID="{A3B7A93C-CE05-44F5-8EBD-72A95BCAB24F}" presName="rootText3" presStyleLbl="asst1" presStyleIdx="0" presStyleCnt="1">
-        <dgm:presLayoutVars>
-          <dgm:chPref val="3"/>
-        </dgm:presLayoutVars>
-      </dgm:prSet>
-      <dgm:spPr/>
-    </dgm:pt>
-    <dgm:pt modelId="{5D17E0B9-6131-4CD8-9BE4-BA3CD2681D80}" type="pres">
-      <dgm:prSet presAssocID="{A3B7A93C-CE05-44F5-8EBD-72A95BCAB24F}" presName="rootConnector3" presStyleLbl="asst1" presStyleIdx="0" presStyleCnt="1"/>
-      <dgm:spPr/>
-    </dgm:pt>
-    <dgm:pt modelId="{F62D168C-9384-4EF9-9C52-724286343939}" type="pres">
-      <dgm:prSet presAssocID="{A3B7A93C-CE05-44F5-8EBD-72A95BCAB24F}" presName="hierChild6" presStyleCnt="0"/>
-      <dgm:spPr/>
-    </dgm:pt>
-    <dgm:pt modelId="{9713CA8E-0761-44A0-BB4C-E1F45F048AF7}" type="pres">
-      <dgm:prSet presAssocID="{A3B7A93C-CE05-44F5-8EBD-72A95BCAB24F}" presName="hierChild7" presStyleCnt="0"/>
-      <dgm:spPr/>
-    </dgm:pt>
-  </dgm:ptLst>
-  <dgm:cxnLst>
-    <dgm:cxn modelId="{701E00E7-0DA9-4728-B6DD-4CC5F21C88DE}" type="presOf" srcId="{E7A8B3A1-586D-45AF-A5AE-6EC26C4DBD4D}" destId="{7B558CF0-D52E-4023-A791-0640E0D038C7}" srcOrd="0" destOrd="0" presId="urn:microsoft.com/office/officeart/2005/8/layout/orgChart1"/>
-    <dgm:cxn modelId="{23719642-050F-45BA-A15F-F99C61CE5A16}" type="presOf" srcId="{98A10E1E-ED67-4566-87D2-505ADDDA38CD}" destId="{19B9FE15-69F2-4B81-9DF3-2D5347BD89C9}" srcOrd="0" destOrd="0" presId="urn:microsoft.com/office/officeart/2005/8/layout/orgChart1"/>
-    <dgm:cxn modelId="{CBACE5F7-4856-42A7-9AD3-B69C0C80438D}" srcId="{07DAFE64-4B5E-4792-B17E-2D6A53AAFAE9}" destId="{E7A8B3A1-586D-45AF-A5AE-6EC26C4DBD4D}" srcOrd="0" destOrd="0" parTransId="{C6E83B9F-5BF2-4E19-BCAD-7A66B4F33DB3}" sibTransId="{440729A1-AA3D-4EEF-B9B7-56B59532DFFF}"/>
-    <dgm:cxn modelId="{3B6AA720-DCAB-41BD-A24B-F20515795E1F}" type="presOf" srcId="{EE4B2A0E-EDB2-4303-B11E-85CC6972B8EE}" destId="{90B54140-C053-4BBA-8C21-0B742DD26115}" srcOrd="0" destOrd="0" presId="urn:microsoft.com/office/officeart/2005/8/layout/orgChart1"/>
-    <dgm:cxn modelId="{4E8EAE55-0DB8-40A4-92EB-B47465F36001}" type="presOf" srcId="{07DAFE64-4B5E-4792-B17E-2D6A53AAFAE9}" destId="{9767C281-341D-4EDC-B560-DA7B2E8D218E}" srcOrd="0" destOrd="0" presId="urn:microsoft.com/office/officeart/2005/8/layout/orgChart1"/>
-    <dgm:cxn modelId="{11030824-D71E-4C92-A15C-35F73507B5FA}" type="presOf" srcId="{A3B7A93C-CE05-44F5-8EBD-72A95BCAB24F}" destId="{F4922B72-B3D2-46B3-AAD4-FF0057CA8FDC}" srcOrd="0" destOrd="0" presId="urn:microsoft.com/office/officeart/2005/8/layout/orgChart1"/>
-    <dgm:cxn modelId="{30946461-0629-4D4C-8F36-E2214C743A4C}" type="presOf" srcId="{C9D142D8-48BA-4993-A90B-3FD739C4E0C5}" destId="{457FFBAA-21CA-453C-9DFD-C125BFD33E8E}" srcOrd="0" destOrd="0" presId="urn:microsoft.com/office/officeart/2005/8/layout/orgChart1"/>
-    <dgm:cxn modelId="{3E003E56-C9A8-4077-9BC6-4372B30E18D7}" srcId="{E7A8B3A1-586D-45AF-A5AE-6EC26C4DBD4D}" destId="{143C2A55-ADA8-4AD9-B31B-EA223D32B016}" srcOrd="3" destOrd="0" parTransId="{A3540E51-BA2E-45B4-9073-9B899A90BC57}" sibTransId="{7C599E36-0517-46C8-A65B-51C0C3380F2B}"/>
-    <dgm:cxn modelId="{AF29F798-AA94-4C6A-88CC-8FC77F25EAE8}" srcId="{E7A8B3A1-586D-45AF-A5AE-6EC26C4DBD4D}" destId="{EE4B2A0E-EDB2-4303-B11E-85CC6972B8EE}" srcOrd="2" destOrd="0" parTransId="{FBC2D982-F481-4C83-B4F2-5488B39B34FD}" sibTransId="{F30B7EF1-A715-4018-B047-C8508722CC03}"/>
-    <dgm:cxn modelId="{4B4C976E-CFDB-4039-A5F7-5D11F7A54B81}" type="presOf" srcId="{143C2A55-ADA8-4AD9-B31B-EA223D32B016}" destId="{64C38B9D-9489-4C0B-9EAF-E9FB355C32E6}" srcOrd="1" destOrd="0" presId="urn:microsoft.com/office/officeart/2005/8/layout/orgChart1"/>
-    <dgm:cxn modelId="{2BE0B708-E282-4EB7-83F3-C616FE8F8B0A}" type="presOf" srcId="{98A10E1E-ED67-4566-87D2-505ADDDA38CD}" destId="{9586954C-6937-4D77-8149-B3FD89478CBB}" srcOrd="1" destOrd="0" presId="urn:microsoft.com/office/officeart/2005/8/layout/orgChart1"/>
-    <dgm:cxn modelId="{5374F5B2-2FC9-4CA0-9FB3-F605026655EE}" type="presOf" srcId="{143C2A55-ADA8-4AD9-B31B-EA223D32B016}" destId="{6BC94D10-D420-48C2-9CB3-2C1EE70C40A8}" srcOrd="0" destOrd="0" presId="urn:microsoft.com/office/officeart/2005/8/layout/orgChart1"/>
-    <dgm:cxn modelId="{5B59D025-3A35-4863-8231-A1CD9A2861C2}" type="presOf" srcId="{A3B7A93C-CE05-44F5-8EBD-72A95BCAB24F}" destId="{5D17E0B9-6131-4CD8-9BE4-BA3CD2681D80}" srcOrd="1" destOrd="0" presId="urn:microsoft.com/office/officeart/2005/8/layout/orgChart1"/>
-    <dgm:cxn modelId="{3151EF2B-7DE1-4827-9DC3-D737281E6B55}" type="presOf" srcId="{F6F31673-BE16-4E20-B190-E5C6D08DA7A8}" destId="{36B4E92A-0ECB-4B41-845F-6CC6662AAE56}" srcOrd="0" destOrd="0" presId="urn:microsoft.com/office/officeart/2005/8/layout/orgChart1"/>
-    <dgm:cxn modelId="{F594DD71-000B-466E-891A-A85ACAE15430}" type="presOf" srcId="{EE4B2A0E-EDB2-4303-B11E-85CC6972B8EE}" destId="{3E2F2923-0BC2-4EE8-B953-3F7B50B2E167}" srcOrd="1" destOrd="0" presId="urn:microsoft.com/office/officeart/2005/8/layout/orgChart1"/>
-    <dgm:cxn modelId="{643D9CDD-3539-4D13-90CC-783E6B8DCD06}" type="presOf" srcId="{FBC2D982-F481-4C83-B4F2-5488B39B34FD}" destId="{44CC50D7-5D82-45D4-9698-F558F9D479EC}" srcOrd="0" destOrd="0" presId="urn:microsoft.com/office/officeart/2005/8/layout/orgChart1"/>
-    <dgm:cxn modelId="{652146BA-D861-4425-BB4D-B5D07796E68B}" type="presOf" srcId="{E7A8B3A1-586D-45AF-A5AE-6EC26C4DBD4D}" destId="{258E1572-14BC-4162-9AE0-45F71FF43187}" srcOrd="1" destOrd="0" presId="urn:microsoft.com/office/officeart/2005/8/layout/orgChart1"/>
-    <dgm:cxn modelId="{1CD87E2C-67F2-454C-9E2B-473033CA0845}" srcId="{E7A8B3A1-586D-45AF-A5AE-6EC26C4DBD4D}" destId="{A3B7A93C-CE05-44F5-8EBD-72A95BCAB24F}" srcOrd="0" destOrd="0" parTransId="{C9D142D8-48BA-4993-A90B-3FD739C4E0C5}" sibTransId="{3CAD78A5-849B-47DA-BD91-D19900818DC0}"/>
-    <dgm:cxn modelId="{F76F2478-7985-4CF6-9968-62631C263C69}" srcId="{E7A8B3A1-586D-45AF-A5AE-6EC26C4DBD4D}" destId="{98A10E1E-ED67-4566-87D2-505ADDDA38CD}" srcOrd="1" destOrd="0" parTransId="{F6F31673-BE16-4E20-B190-E5C6D08DA7A8}" sibTransId="{1A4A9BFC-2A5A-4512-9EB2-D90A12341F02}"/>
-    <dgm:cxn modelId="{9E623911-6989-493B-8A62-48DE265265D4}" type="presOf" srcId="{A3540E51-BA2E-45B4-9073-9B899A90BC57}" destId="{ACFD9061-FD58-4FCB-B44D-3946FD0DAF2C}" srcOrd="0" destOrd="0" presId="urn:microsoft.com/office/officeart/2005/8/layout/orgChart1"/>
-    <dgm:cxn modelId="{876C568C-DFEE-4CF7-B28A-8E496FA6C6B6}" type="presParOf" srcId="{9767C281-341D-4EDC-B560-DA7B2E8D218E}" destId="{AEDA5AD4-405E-40E5-A92E-E16B9DA28991}" srcOrd="0" destOrd="0" presId="urn:microsoft.com/office/officeart/2005/8/layout/orgChart1"/>
-    <dgm:cxn modelId="{F3E0358B-FD0E-46E8-B3A8-78F622BFFEC7}" type="presParOf" srcId="{AEDA5AD4-405E-40E5-A92E-E16B9DA28991}" destId="{5A25B36E-8292-43C7-A4EE-9EC02CC83E38}" srcOrd="0" destOrd="0" presId="urn:microsoft.com/office/officeart/2005/8/layout/orgChart1"/>
-    <dgm:cxn modelId="{E2A4EA31-52DE-4501-BFC1-15ABE2BFFD30}" type="presParOf" srcId="{5A25B36E-8292-43C7-A4EE-9EC02CC83E38}" destId="{7B558CF0-D52E-4023-A791-0640E0D038C7}" srcOrd="0" destOrd="0" presId="urn:microsoft.com/office/officeart/2005/8/layout/orgChart1"/>
-    <dgm:cxn modelId="{DD9E91D8-A007-4A02-AB33-79C8CB112B36}" type="presParOf" srcId="{5A25B36E-8292-43C7-A4EE-9EC02CC83E38}" destId="{258E1572-14BC-4162-9AE0-45F71FF43187}" srcOrd="1" destOrd="0" presId="urn:microsoft.com/office/officeart/2005/8/layout/orgChart1"/>
-    <dgm:cxn modelId="{D3775744-CE42-416E-9F7E-4F4CD4C78481}" type="presParOf" srcId="{AEDA5AD4-405E-40E5-A92E-E16B9DA28991}" destId="{BB1811DE-E45C-4220-A860-B13580067F50}" srcOrd="1" destOrd="0" presId="urn:microsoft.com/office/officeart/2005/8/layout/orgChart1"/>
-    <dgm:cxn modelId="{CF0C7D41-004A-4710-AD2B-0C8CBF520BF5}" type="presParOf" srcId="{BB1811DE-E45C-4220-A860-B13580067F50}" destId="{36B4E92A-0ECB-4B41-845F-6CC6662AAE56}" srcOrd="0" destOrd="0" presId="urn:microsoft.com/office/officeart/2005/8/layout/orgChart1"/>
-    <dgm:cxn modelId="{C747CE84-7040-4CC1-8F67-E6E267EBE778}" type="presParOf" srcId="{BB1811DE-E45C-4220-A860-B13580067F50}" destId="{1F62FE2D-15A5-46E3-9AAA-6D3F9D5ED728}" srcOrd="1" destOrd="0" presId="urn:microsoft.com/office/officeart/2005/8/layout/orgChart1"/>
-    <dgm:cxn modelId="{C2BCC323-9587-42A0-AFF8-A71ABDE111BC}" type="presParOf" srcId="{1F62FE2D-15A5-46E3-9AAA-6D3F9D5ED728}" destId="{01901936-8623-4378-9F55-DDC73BD3FBA2}" srcOrd="0" destOrd="0" presId="urn:microsoft.com/office/officeart/2005/8/layout/orgChart1"/>
-    <dgm:cxn modelId="{F5EE0BBB-957F-4383-9AE7-69FAB933F8C1}" type="presParOf" srcId="{01901936-8623-4378-9F55-DDC73BD3FBA2}" destId="{19B9FE15-69F2-4B81-9DF3-2D5347BD89C9}" srcOrd="0" destOrd="0" presId="urn:microsoft.com/office/officeart/2005/8/layout/orgChart1"/>
-    <dgm:cxn modelId="{06A27D10-61DD-4DAF-BC9B-F2250E6250F4}" type="presParOf" srcId="{01901936-8623-4378-9F55-DDC73BD3FBA2}" destId="{9586954C-6937-4D77-8149-B3FD89478CBB}" srcOrd="1" destOrd="0" presId="urn:microsoft.com/office/officeart/2005/8/layout/orgChart1"/>
-    <dgm:cxn modelId="{5B922DB7-3E9E-4D7E-9519-A47539DE68FD}" type="presParOf" srcId="{1F62FE2D-15A5-46E3-9AAA-6D3F9D5ED728}" destId="{AD3C936C-866B-4404-9304-201824F5B97A}" srcOrd="1" destOrd="0" presId="urn:microsoft.com/office/officeart/2005/8/layout/orgChart1"/>
-    <dgm:cxn modelId="{09007737-2104-4DD2-9797-649AF6A7CC78}" type="presParOf" srcId="{1F62FE2D-15A5-46E3-9AAA-6D3F9D5ED728}" destId="{6C36AB76-1EFF-4EE1-B846-034A26F060B3}" srcOrd="2" destOrd="0" presId="urn:microsoft.com/office/officeart/2005/8/layout/orgChart1"/>
-    <dgm:cxn modelId="{929AE431-C981-4731-B16C-81485B58A025}" type="presParOf" srcId="{BB1811DE-E45C-4220-A860-B13580067F50}" destId="{44CC50D7-5D82-45D4-9698-F558F9D479EC}" srcOrd="2" destOrd="0" presId="urn:microsoft.com/office/officeart/2005/8/layout/orgChart1"/>
-    <dgm:cxn modelId="{FCBC1FDA-AC3B-46C3-A7AB-1332E89155E5}" type="presParOf" srcId="{BB1811DE-E45C-4220-A860-B13580067F50}" destId="{8AAA61B7-8DCE-4947-9C50-33F1434856AE}" srcOrd="3" destOrd="0" presId="urn:microsoft.com/office/officeart/2005/8/layout/orgChart1"/>
-    <dgm:cxn modelId="{4488CF24-606B-476E-BD78-107CB914376D}" type="presParOf" srcId="{8AAA61B7-8DCE-4947-9C50-33F1434856AE}" destId="{47673C4F-ECF8-485B-894F-A287756B7793}" srcOrd="0" destOrd="0" presId="urn:microsoft.com/office/officeart/2005/8/layout/orgChart1"/>
-    <dgm:cxn modelId="{C9F46D12-D44B-4034-862A-7FE41A40FB85}" type="presParOf" srcId="{47673C4F-ECF8-485B-894F-A287756B7793}" destId="{90B54140-C053-4BBA-8C21-0B742DD26115}" srcOrd="0" destOrd="0" presId="urn:microsoft.com/office/officeart/2005/8/layout/orgChart1"/>
-    <dgm:cxn modelId="{B09AAD85-1D7D-4B49-86FC-8749A86F6E69}" type="presParOf" srcId="{47673C4F-ECF8-485B-894F-A287756B7793}" destId="{3E2F2923-0BC2-4EE8-B953-3F7B50B2E167}" srcOrd="1" destOrd="0" presId="urn:microsoft.com/office/officeart/2005/8/layout/orgChart1"/>
-    <dgm:cxn modelId="{8C61E3C2-D875-4ABC-8202-FDBEE008E008}" type="presParOf" srcId="{8AAA61B7-8DCE-4947-9C50-33F1434856AE}" destId="{8A36827F-0993-4C5C-AEFC-3B1FFFFF5647}" srcOrd="1" destOrd="0" presId="urn:microsoft.com/office/officeart/2005/8/layout/orgChart1"/>
-    <dgm:cxn modelId="{504DDC9F-2E8E-4432-8343-FA22862724EC}" type="presParOf" srcId="{8AAA61B7-8DCE-4947-9C50-33F1434856AE}" destId="{230201B0-2FB7-4BF3-A177-B0DD6B50B506}" srcOrd="2" destOrd="0" presId="urn:microsoft.com/office/officeart/2005/8/layout/orgChart1"/>
-    <dgm:cxn modelId="{92441229-9566-4F6F-A213-315D0B783FF7}" type="presParOf" srcId="{BB1811DE-E45C-4220-A860-B13580067F50}" destId="{ACFD9061-FD58-4FCB-B44D-3946FD0DAF2C}" srcOrd="4" destOrd="0" presId="urn:microsoft.com/office/officeart/2005/8/layout/orgChart1"/>
-    <dgm:cxn modelId="{9739EF9A-0D8A-43DA-8C50-7B58FF254DEF}" type="presParOf" srcId="{BB1811DE-E45C-4220-A860-B13580067F50}" destId="{B3980BC8-725E-4540-8319-562D23418832}" srcOrd="5" destOrd="0" presId="urn:microsoft.com/office/officeart/2005/8/layout/orgChart1"/>
-    <dgm:cxn modelId="{C6451737-E9AE-43A2-BB8D-E706938481A4}" type="presParOf" srcId="{B3980BC8-725E-4540-8319-562D23418832}" destId="{71DBA55F-3F5D-4F4A-9419-1D70E10DE44A}" srcOrd="0" destOrd="0" presId="urn:microsoft.com/office/officeart/2005/8/layout/orgChart1"/>
-    <dgm:cxn modelId="{912004FB-298D-4E7F-8524-CC108F19F538}" type="presParOf" srcId="{71DBA55F-3F5D-4F4A-9419-1D70E10DE44A}" destId="{6BC94D10-D420-48C2-9CB3-2C1EE70C40A8}" srcOrd="0" destOrd="0" presId="urn:microsoft.com/office/officeart/2005/8/layout/orgChart1"/>
-    <dgm:cxn modelId="{A8943BC3-FCD8-45E9-A1C0-AC04EE04AC2E}" type="presParOf" srcId="{71DBA55F-3F5D-4F4A-9419-1D70E10DE44A}" destId="{64C38B9D-9489-4C0B-9EAF-E9FB355C32E6}" srcOrd="1" destOrd="0" presId="urn:microsoft.com/office/officeart/2005/8/layout/orgChart1"/>
-    <dgm:cxn modelId="{E72C5185-47AE-4763-B5B8-B4C6288F1768}" type="presParOf" srcId="{B3980BC8-725E-4540-8319-562D23418832}" destId="{09F59A8A-EA58-46A4-8242-3069C81192AE}" srcOrd="1" destOrd="0" presId="urn:microsoft.com/office/officeart/2005/8/layout/orgChart1"/>
-    <dgm:cxn modelId="{F482BBA3-62EB-45C7-B698-CB65257467EE}" type="presParOf" srcId="{B3980BC8-725E-4540-8319-562D23418832}" destId="{0ECA4ABE-BEA5-4B86-99EB-BFA776C1C15C}" srcOrd="2" destOrd="0" presId="urn:microsoft.com/office/officeart/2005/8/layout/orgChart1"/>
-    <dgm:cxn modelId="{97E5949B-B35D-4311-8A82-06495EBD970D}" type="presParOf" srcId="{AEDA5AD4-405E-40E5-A92E-E16B9DA28991}" destId="{A4C07808-CDDC-4AE1-843E-95697C5D19F6}" srcOrd="2" destOrd="0" presId="urn:microsoft.com/office/officeart/2005/8/layout/orgChart1"/>
-    <dgm:cxn modelId="{792404BD-CD58-488E-B050-E421071C93C3}" type="presParOf" srcId="{A4C07808-CDDC-4AE1-843E-95697C5D19F6}" destId="{457FFBAA-21CA-453C-9DFD-C125BFD33E8E}" srcOrd="0" destOrd="0" presId="urn:microsoft.com/office/officeart/2005/8/layout/orgChart1"/>
-    <dgm:cxn modelId="{77754309-D12D-45AD-8B31-3F9B32CCEB33}" type="presParOf" srcId="{A4C07808-CDDC-4AE1-843E-95697C5D19F6}" destId="{F53F69D2-1B2F-4DA6-9F8B-9AAE6F0DB778}" srcOrd="1" destOrd="0" presId="urn:microsoft.com/office/officeart/2005/8/layout/orgChart1"/>
-    <dgm:cxn modelId="{3CD2322B-1D48-400F-AFAC-3F05A26FDC99}" type="presParOf" srcId="{F53F69D2-1B2F-4DA6-9F8B-9AAE6F0DB778}" destId="{B8937A4C-1E99-42A3-B340-ECD9797AC0C1}" srcOrd="0" destOrd="0" presId="urn:microsoft.com/office/officeart/2005/8/layout/orgChart1"/>
-    <dgm:cxn modelId="{A9C451BA-B20F-4671-8430-8A4562394330}" type="presParOf" srcId="{B8937A4C-1E99-42A3-B340-ECD9797AC0C1}" destId="{F4922B72-B3D2-46B3-AAD4-FF0057CA8FDC}" srcOrd="0" destOrd="0" presId="urn:microsoft.com/office/officeart/2005/8/layout/orgChart1"/>
-    <dgm:cxn modelId="{F1F414D6-2625-49AF-BD5E-B4BD3B7F7430}" type="presParOf" srcId="{B8937A4C-1E99-42A3-B340-ECD9797AC0C1}" destId="{5D17E0B9-6131-4CD8-9BE4-BA3CD2681D80}" srcOrd="1" destOrd="0" presId="urn:microsoft.com/office/officeart/2005/8/layout/orgChart1"/>
-    <dgm:cxn modelId="{FAA2D403-365C-417E-A2FE-8D31BA6C7A65}" type="presParOf" srcId="{F53F69D2-1B2F-4DA6-9F8B-9AAE6F0DB778}" destId="{F62D168C-9384-4EF9-9C52-724286343939}" srcOrd="1" destOrd="0" presId="urn:microsoft.com/office/officeart/2005/8/layout/orgChart1"/>
-    <dgm:cxn modelId="{B4885FE9-759F-44D3-90E3-29796F2F6FB5}" type="presParOf" srcId="{F53F69D2-1B2F-4DA6-9F8B-9AAE6F0DB778}" destId="{9713CA8E-0761-44A0-BB4C-E1F45F048AF7}" srcOrd="2" destOrd="0" presId="urn:microsoft.com/office/officeart/2005/8/layout/orgChart1"/>
-  </dgm:cxnLst>
-  <dgm:bg/>
-  <dgm:whole/>
-  <dgm:extLst>
-    <a:ext uri="http://schemas.microsoft.com/office/drawing/2008/diagram">
-      <dsp:dataModelExt xmlns:dsp="http://schemas.microsoft.com/office/drawing/2008/diagram" relId="rId6" minVer="http://schemas.openxmlformats.org/drawingml/2006/diagram"/>
-    </a:ext>
-  </dgm:extLst>
-</dgm:dataModel>
-</file>
-
-<file path=ppt/diagrams/data2.xml><?xml version="1.0" encoding="utf-8"?>
 <dgm:dataModel xmlns:dgm="http://schemas.openxmlformats.org/drawingml/2006/diagram" xmlns:a="http://schemas.openxmlformats.org/drawingml/2006/main">
   <dgm:ptLst>
     <dgm:pt modelId="{A3948582-E41B-4E64-96CC-A7B8352B50FD}" type="doc">
@@ -2064,8 +881,8 @@
         <a:lstStyle/>
         <a:p>
           <a:r>
-            <a:rPr lang="en-US" dirty="0" smtClean="0"/>
-            <a:t>Client App</a:t>
+            <a:rPr lang="ro-RO" dirty="0" smtClean="0"/>
+            <a:t>Aplicație Client</a:t>
           </a:r>
           <a:endParaRPr lang="en-US" dirty="0"/>
         </a:p>
@@ -2101,8 +918,8 @@
         <a:lstStyle/>
         <a:p>
           <a:r>
-            <a:rPr lang="en-US" dirty="0" smtClean="0"/>
-            <a:t>Server App &amp; Device Manager</a:t>
+            <a:rPr lang="ro-RO" dirty="0" smtClean="0"/>
+            <a:t>Aplicație Server</a:t>
           </a:r>
           <a:endParaRPr lang="en-US" dirty="0"/>
         </a:p>
@@ -2138,8 +955,12 @@
         <a:lstStyle/>
         <a:p>
           <a:r>
+            <a:rPr lang="ro-RO" dirty="0" smtClean="0"/>
+            <a:t>Dispozitiv </a:t>
+          </a:r>
+          <a:r>
             <a:rPr lang="en-US" dirty="0" smtClean="0"/>
-            <a:t>Device 1</a:t>
+            <a:t>1</a:t>
           </a:r>
           <a:endParaRPr lang="en-US" dirty="0"/>
         </a:p>
@@ -2175,8 +996,12 @@
         <a:lstStyle/>
         <a:p>
           <a:r>
+            <a:rPr lang="ro-RO" dirty="0" smtClean="0"/>
+            <a:t>Dispozitiv </a:t>
+          </a:r>
+          <a:r>
             <a:rPr lang="en-US" dirty="0" smtClean="0"/>
-            <a:t>Device …</a:t>
+            <a:t>…</a:t>
           </a:r>
           <a:endParaRPr lang="en-US" dirty="0"/>
         </a:p>
@@ -2212,8 +1037,16 @@
         <a:lstStyle/>
         <a:p>
           <a:r>
+            <a:rPr lang="ro-RO" dirty="0" smtClean="0"/>
+            <a:t>Dispozitiv</a:t>
+          </a:r>
+          <a:r>
             <a:rPr lang="en-US" dirty="0" smtClean="0"/>
-            <a:t>Device n</a:t>
+            <a:t> </a:t>
+          </a:r>
+          <a:r>
+            <a:rPr lang="ro-RO" dirty="0" smtClean="0"/>
+            <a:t>2</a:t>
           </a:r>
           <a:endParaRPr lang="en-US" dirty="0"/>
         </a:p>
@@ -2253,6 +1086,13 @@
         </dgm:presLayoutVars>
       </dgm:prSet>
       <dgm:spPr/>
+      <dgm:t>
+        <a:bodyPr/>
+        <a:lstStyle/>
+        <a:p>
+          <a:endParaRPr lang="en-US"/>
+        </a:p>
+      </dgm:t>
     </dgm:pt>
     <dgm:pt modelId="{D7FECC07-8DC2-4680-A1A4-E596B0EEC824}" type="pres">
       <dgm:prSet presAssocID="{CE3A7A2B-0120-4596-8CB3-B686980D22EA}" presName="hierRoot1" presStyleCnt="0">
@@ -2284,6 +1124,13 @@
     <dgm:pt modelId="{1D394366-FF6E-441C-BFAA-9688D8336BE9}" type="pres">
       <dgm:prSet presAssocID="{CE3A7A2B-0120-4596-8CB3-B686980D22EA}" presName="rootConnector1" presStyleLbl="node1" presStyleIdx="0" presStyleCnt="0"/>
       <dgm:spPr/>
+      <dgm:t>
+        <a:bodyPr/>
+        <a:lstStyle/>
+        <a:p>
+          <a:endParaRPr lang="en-US"/>
+        </a:p>
+      </dgm:t>
     </dgm:pt>
     <dgm:pt modelId="{D6E6E70E-BCD1-46B9-93E8-D25B4727A969}" type="pres">
       <dgm:prSet presAssocID="{CE3A7A2B-0120-4596-8CB3-B686980D22EA}" presName="hierChild2" presStyleCnt="0"/>
@@ -2296,6 +1143,13 @@
     <dgm:pt modelId="{08DDCF76-1062-46CB-B301-71F194ADA367}" type="pres">
       <dgm:prSet presAssocID="{1512B27A-390D-4709-8629-FCA8BEDE4660}" presName="Name111" presStyleLbl="parChTrans1D2" presStyleIdx="0" presStyleCnt="1"/>
       <dgm:spPr/>
+      <dgm:t>
+        <a:bodyPr/>
+        <a:lstStyle/>
+        <a:p>
+          <a:endParaRPr lang="en-US"/>
+        </a:p>
+      </dgm:t>
     </dgm:pt>
     <dgm:pt modelId="{2E6A63EE-EB06-409A-BF02-9F71B9ED13BC}" type="pres">
       <dgm:prSet presAssocID="{2F5A44C0-791D-41F6-AE89-A8AF91720298}" presName="hierRoot3" presStyleCnt="0">
@@ -2327,6 +1181,13 @@
     <dgm:pt modelId="{E0B17CD6-A955-4AAC-B191-6D03D9DE8849}" type="pres">
       <dgm:prSet presAssocID="{2F5A44C0-791D-41F6-AE89-A8AF91720298}" presName="rootConnector3" presStyleLbl="asst1" presStyleIdx="0" presStyleCnt="1"/>
       <dgm:spPr/>
+      <dgm:t>
+        <a:bodyPr/>
+        <a:lstStyle/>
+        <a:p>
+          <a:endParaRPr lang="en-US"/>
+        </a:p>
+      </dgm:t>
     </dgm:pt>
     <dgm:pt modelId="{30EE7A90-9D5D-4AA1-BE6C-B04485C90CC4}" type="pres">
       <dgm:prSet presAssocID="{2F5A44C0-791D-41F6-AE89-A8AF91720298}" presName="hierChild6" presStyleCnt="0"/>
@@ -2335,6 +1196,13 @@
     <dgm:pt modelId="{049DB898-06D6-48A8-822D-57388DFB6131}" type="pres">
       <dgm:prSet presAssocID="{20707547-4CCB-4CCC-A7B6-76B2B1A97837}" presName="Name37" presStyleLbl="parChTrans1D3" presStyleIdx="0" presStyleCnt="3"/>
       <dgm:spPr/>
+      <dgm:t>
+        <a:bodyPr/>
+        <a:lstStyle/>
+        <a:p>
+          <a:endParaRPr lang="en-US"/>
+        </a:p>
+      </dgm:t>
     </dgm:pt>
     <dgm:pt modelId="{5DFAADE6-283F-4E17-AA19-4BF20AE7ED39}" type="pres">
       <dgm:prSet presAssocID="{BB8C4245-B896-463C-9F6D-6089A25906F7}" presName="hierRoot2" presStyleCnt="0">
@@ -2366,6 +1234,13 @@
     <dgm:pt modelId="{3420E453-7C38-43F3-BBD9-1B76AE744FFF}" type="pres">
       <dgm:prSet presAssocID="{BB8C4245-B896-463C-9F6D-6089A25906F7}" presName="rootConnector" presStyleLbl="node3" presStyleIdx="0" presStyleCnt="3"/>
       <dgm:spPr/>
+      <dgm:t>
+        <a:bodyPr/>
+        <a:lstStyle/>
+        <a:p>
+          <a:endParaRPr lang="en-US"/>
+        </a:p>
+      </dgm:t>
     </dgm:pt>
     <dgm:pt modelId="{C02AE2DF-E93E-41BA-AE78-F4FDA3D98F75}" type="pres">
       <dgm:prSet presAssocID="{BB8C4245-B896-463C-9F6D-6089A25906F7}" presName="hierChild4" presStyleCnt="0"/>
@@ -2378,6 +1253,13 @@
     <dgm:pt modelId="{AD99C808-836A-4C8A-85A7-DE42BD5075F9}" type="pres">
       <dgm:prSet presAssocID="{02CFAFD5-A585-4FF0-AD27-9E6537265522}" presName="Name37" presStyleLbl="parChTrans1D3" presStyleIdx="1" presStyleCnt="3"/>
       <dgm:spPr/>
+      <dgm:t>
+        <a:bodyPr/>
+        <a:lstStyle/>
+        <a:p>
+          <a:endParaRPr lang="en-US"/>
+        </a:p>
+      </dgm:t>
     </dgm:pt>
     <dgm:pt modelId="{9A8D8933-BD7D-4887-BB04-EEE24614140F}" type="pres">
       <dgm:prSet presAssocID="{8B05A671-0DE7-4C81-B7BE-EFEF4D8B285A}" presName="hierRoot2" presStyleCnt="0">
@@ -2409,6 +1291,13 @@
     <dgm:pt modelId="{FCCCF09A-0005-46B8-9622-46DCB60796F7}" type="pres">
       <dgm:prSet presAssocID="{8B05A671-0DE7-4C81-B7BE-EFEF4D8B285A}" presName="rootConnector" presStyleLbl="node3" presStyleIdx="1" presStyleCnt="3"/>
       <dgm:spPr/>
+      <dgm:t>
+        <a:bodyPr/>
+        <a:lstStyle/>
+        <a:p>
+          <a:endParaRPr lang="en-US"/>
+        </a:p>
+      </dgm:t>
     </dgm:pt>
     <dgm:pt modelId="{91EBE47D-D68E-4FC4-8414-1AA33EAE65D1}" type="pres">
       <dgm:prSet presAssocID="{8B05A671-0DE7-4C81-B7BE-EFEF4D8B285A}" presName="hierChild4" presStyleCnt="0"/>
@@ -2421,6 +1310,13 @@
     <dgm:pt modelId="{3AC0C96A-BECF-42BC-8FF2-1E88E39CDD61}" type="pres">
       <dgm:prSet presAssocID="{ED55D2DB-BE73-4F1D-90F6-D0461196D166}" presName="Name37" presStyleLbl="parChTrans1D3" presStyleIdx="2" presStyleCnt="3"/>
       <dgm:spPr/>
+      <dgm:t>
+        <a:bodyPr/>
+        <a:lstStyle/>
+        <a:p>
+          <a:endParaRPr lang="en-US"/>
+        </a:p>
+      </dgm:t>
     </dgm:pt>
     <dgm:pt modelId="{FB8FF47F-7D86-4B81-91A1-E8B80C02DC85}" type="pres">
       <dgm:prSet presAssocID="{5C4DE19C-A716-4E24-865A-871D15A6106C}" presName="hierRoot2" presStyleCnt="0">
@@ -2452,6 +1348,13 @@
     <dgm:pt modelId="{8B8967B4-31C9-46DD-BE67-3A6C23850C59}" type="pres">
       <dgm:prSet presAssocID="{5C4DE19C-A716-4E24-865A-871D15A6106C}" presName="rootConnector" presStyleLbl="node3" presStyleIdx="2" presStyleCnt="3"/>
       <dgm:spPr/>
+      <dgm:t>
+        <a:bodyPr/>
+        <a:lstStyle/>
+        <a:p>
+          <a:endParaRPr lang="en-US"/>
+        </a:p>
+      </dgm:t>
     </dgm:pt>
     <dgm:pt modelId="{69B8665D-F960-4747-A647-64B3624EDA02}" type="pres">
       <dgm:prSet presAssocID="{5C4DE19C-A716-4E24-865A-871D15A6106C}" presName="hierChild4" presStyleCnt="0"/>
@@ -2467,60 +1370,60 @@
     </dgm:pt>
   </dgm:ptLst>
   <dgm:cxnLst>
-    <dgm:cxn modelId="{B9E2848D-520F-4B5C-AA45-37001F3321D6}" type="presOf" srcId="{CE3A7A2B-0120-4596-8CB3-B686980D22EA}" destId="{1D394366-FF6E-441C-BFAA-9688D8336BE9}" srcOrd="1" destOrd="0" presId="urn:microsoft.com/office/officeart/2005/8/layout/orgChart1"/>
+    <dgm:cxn modelId="{9FC108E5-589B-4D33-BE4E-9E562824F9AC}" srcId="{A3948582-E41B-4E64-96CC-A7B8352B50FD}" destId="{CE3A7A2B-0120-4596-8CB3-B686980D22EA}" srcOrd="0" destOrd="0" parTransId="{325C2410-EEE4-475F-8DC3-556367C17848}" sibTransId="{DCCB8526-D7E7-41F0-B75B-247A63F7E4F2}"/>
     <dgm:cxn modelId="{118EEE52-5EF9-489B-961A-2CA4C78AC153}" srcId="{2F5A44C0-791D-41F6-AE89-A8AF91720298}" destId="{BB8C4245-B896-463C-9F6D-6089A25906F7}" srcOrd="0" destOrd="0" parTransId="{20707547-4CCB-4CCC-A7B6-76B2B1A97837}" sibTransId="{339F42B9-B5A2-493A-8ACA-FF560690E9EC}"/>
-    <dgm:cxn modelId="{CBD363D8-F14B-4B59-BBA9-33C986092652}" type="presOf" srcId="{A3948582-E41B-4E64-96CC-A7B8352B50FD}" destId="{535FC5FB-8BA4-45B0-89E4-EB70B054278E}" srcOrd="0" destOrd="0" presId="urn:microsoft.com/office/officeart/2005/8/layout/orgChart1"/>
+    <dgm:cxn modelId="{636D9AF8-2F85-4855-ADAD-09C1BED3AF82}" type="presOf" srcId="{20707547-4CCB-4CCC-A7B6-76B2B1A97837}" destId="{049DB898-06D6-48A8-822D-57388DFB6131}" srcOrd="0" destOrd="0" presId="urn:microsoft.com/office/officeart/2005/8/layout/orgChart1"/>
+    <dgm:cxn modelId="{22217368-E820-4554-9BFD-EFDA0FC64FC6}" type="presOf" srcId="{5C4DE19C-A716-4E24-865A-871D15A6106C}" destId="{8B8967B4-31C9-46DD-BE67-3A6C23850C59}" srcOrd="1" destOrd="0" presId="urn:microsoft.com/office/officeart/2005/8/layout/orgChart1"/>
+    <dgm:cxn modelId="{B3524D48-E949-4820-8014-4F11DA4926D0}" type="presOf" srcId="{2F5A44C0-791D-41F6-AE89-A8AF91720298}" destId="{9051C5BE-352D-4657-A22D-E3B1D7DB7B34}" srcOrd="0" destOrd="0" presId="urn:microsoft.com/office/officeart/2005/8/layout/orgChart1"/>
+    <dgm:cxn modelId="{989E81F7-6EF4-498C-93E5-DD704CCA6BDA}" type="presOf" srcId="{BB8C4245-B896-463C-9F6D-6089A25906F7}" destId="{3420E453-7C38-43F3-BBD9-1B76AE744FFF}" srcOrd="1" destOrd="0" presId="urn:microsoft.com/office/officeart/2005/8/layout/orgChart1"/>
+    <dgm:cxn modelId="{D2ACCFE9-0A19-4B7D-AFBC-55097DDB5493}" type="presOf" srcId="{02CFAFD5-A585-4FF0-AD27-9E6537265522}" destId="{AD99C808-836A-4C8A-85A7-DE42BD5075F9}" srcOrd="0" destOrd="0" presId="urn:microsoft.com/office/officeart/2005/8/layout/orgChart1"/>
+    <dgm:cxn modelId="{EBA93C94-4BB1-42D5-B05C-72ECA51366E9}" type="presOf" srcId="{ED55D2DB-BE73-4F1D-90F6-D0461196D166}" destId="{3AC0C96A-BECF-42BC-8FF2-1E88E39CDD61}" srcOrd="0" destOrd="0" presId="urn:microsoft.com/office/officeart/2005/8/layout/orgChart1"/>
+    <dgm:cxn modelId="{3DC6AE90-9A40-4E5F-BCD9-8F529DF40055}" type="presOf" srcId="{8B05A671-0DE7-4C81-B7BE-EFEF4D8B285A}" destId="{1E761C78-7C43-41C4-847F-CB9FECCAE800}" srcOrd="0" destOrd="0" presId="urn:microsoft.com/office/officeart/2005/8/layout/orgChart1"/>
+    <dgm:cxn modelId="{622C0F72-43D5-48CF-BFD8-6E415F89C3AD}" type="presOf" srcId="{1512B27A-390D-4709-8629-FCA8BEDE4660}" destId="{08DDCF76-1062-46CB-B301-71F194ADA367}" srcOrd="0" destOrd="0" presId="urn:microsoft.com/office/officeart/2005/8/layout/orgChart1"/>
     <dgm:cxn modelId="{7E254444-F2AB-4E1F-B2A0-F03155BFBFF5}" srcId="{CE3A7A2B-0120-4596-8CB3-B686980D22EA}" destId="{2F5A44C0-791D-41F6-AE89-A8AF91720298}" srcOrd="0" destOrd="0" parTransId="{1512B27A-390D-4709-8629-FCA8BEDE4660}" sibTransId="{27C39707-0CBF-4DAD-967E-14A0F8212F79}"/>
-    <dgm:cxn modelId="{19B2B4EF-D038-4856-965A-90A7C2289B2C}" type="presOf" srcId="{2F5A44C0-791D-41F6-AE89-A8AF91720298}" destId="{9051C5BE-352D-4657-A22D-E3B1D7DB7B34}" srcOrd="0" destOrd="0" presId="urn:microsoft.com/office/officeart/2005/8/layout/orgChart1"/>
-    <dgm:cxn modelId="{9FC108E5-589B-4D33-BE4E-9E562824F9AC}" srcId="{A3948582-E41B-4E64-96CC-A7B8352B50FD}" destId="{CE3A7A2B-0120-4596-8CB3-B686980D22EA}" srcOrd="0" destOrd="0" parTransId="{325C2410-EEE4-475F-8DC3-556367C17848}" sibTransId="{DCCB8526-D7E7-41F0-B75B-247A63F7E4F2}"/>
+    <dgm:cxn modelId="{466EAACD-FEB0-407D-98EB-C67C4904C4D9}" srcId="{2F5A44C0-791D-41F6-AE89-A8AF91720298}" destId="{8B05A671-0DE7-4C81-B7BE-EFEF4D8B285A}" srcOrd="1" destOrd="0" parTransId="{02CFAFD5-A585-4FF0-AD27-9E6537265522}" sibTransId="{EB08C90F-DB27-43A1-986B-3F70646A2D51}"/>
+    <dgm:cxn modelId="{371F2BAA-9B97-4789-B384-00CCE99BC8F7}" type="presOf" srcId="{A3948582-E41B-4E64-96CC-A7B8352B50FD}" destId="{535FC5FB-8BA4-45B0-89E4-EB70B054278E}" srcOrd="0" destOrd="0" presId="urn:microsoft.com/office/officeart/2005/8/layout/orgChart1"/>
+    <dgm:cxn modelId="{C9F93730-55AF-4A92-BC6B-C9696668632E}" type="presOf" srcId="{2F5A44C0-791D-41F6-AE89-A8AF91720298}" destId="{E0B17CD6-A955-4AAC-B191-6D03D9DE8849}" srcOrd="1" destOrd="0" presId="urn:microsoft.com/office/officeart/2005/8/layout/orgChart1"/>
+    <dgm:cxn modelId="{B07B746A-DD31-49FB-944B-295840C2AF54}" type="presOf" srcId="{5C4DE19C-A716-4E24-865A-871D15A6106C}" destId="{0D5DF36B-661D-424D-9626-28873FD9FA74}" srcOrd="0" destOrd="0" presId="urn:microsoft.com/office/officeart/2005/8/layout/orgChart1"/>
+    <dgm:cxn modelId="{3903E3BC-32F5-4FBF-95C0-D4CF45F746FA}" type="presOf" srcId="{CE3A7A2B-0120-4596-8CB3-B686980D22EA}" destId="{1D394366-FF6E-441C-BFAA-9688D8336BE9}" srcOrd="1" destOrd="0" presId="urn:microsoft.com/office/officeart/2005/8/layout/orgChart1"/>
+    <dgm:cxn modelId="{E021C7D0-DE05-4789-B2C9-092039C5EF85}" type="presOf" srcId="{8B05A671-0DE7-4C81-B7BE-EFEF4D8B285A}" destId="{FCCCF09A-0005-46B8-9622-46DCB60796F7}" srcOrd="1" destOrd="0" presId="urn:microsoft.com/office/officeart/2005/8/layout/orgChart1"/>
     <dgm:cxn modelId="{F91052DF-FAD6-4169-A99B-BB91E6FE48CD}" srcId="{2F5A44C0-791D-41F6-AE89-A8AF91720298}" destId="{5C4DE19C-A716-4E24-865A-871D15A6106C}" srcOrd="2" destOrd="0" parTransId="{ED55D2DB-BE73-4F1D-90F6-D0461196D166}" sibTransId="{B842B66A-0CB8-48E1-B230-01504D47AD13}"/>
-    <dgm:cxn modelId="{466EAACD-FEB0-407D-98EB-C67C4904C4D9}" srcId="{2F5A44C0-791D-41F6-AE89-A8AF91720298}" destId="{8B05A671-0DE7-4C81-B7BE-EFEF4D8B285A}" srcOrd="1" destOrd="0" parTransId="{02CFAFD5-A585-4FF0-AD27-9E6537265522}" sibTransId="{EB08C90F-DB27-43A1-986B-3F70646A2D51}"/>
-    <dgm:cxn modelId="{6EEAFEB7-9909-4010-A851-B69EB24ACD77}" type="presOf" srcId="{1512B27A-390D-4709-8629-FCA8BEDE4660}" destId="{08DDCF76-1062-46CB-B301-71F194ADA367}" srcOrd="0" destOrd="0" presId="urn:microsoft.com/office/officeart/2005/8/layout/orgChart1"/>
-    <dgm:cxn modelId="{72A462A3-8989-482B-AC30-40C27E4313AF}" type="presOf" srcId="{20707547-4CCB-4CCC-A7B6-76B2B1A97837}" destId="{049DB898-06D6-48A8-822D-57388DFB6131}" srcOrd="0" destOrd="0" presId="urn:microsoft.com/office/officeart/2005/8/layout/orgChart1"/>
-    <dgm:cxn modelId="{47A44670-31DA-4F98-BED5-D1407EDC260D}" type="presOf" srcId="{02CFAFD5-A585-4FF0-AD27-9E6537265522}" destId="{AD99C808-836A-4C8A-85A7-DE42BD5075F9}" srcOrd="0" destOrd="0" presId="urn:microsoft.com/office/officeart/2005/8/layout/orgChart1"/>
-    <dgm:cxn modelId="{F5A1D772-D89E-4AF2-92DF-F81A15641566}" type="presOf" srcId="{BB8C4245-B896-463C-9F6D-6089A25906F7}" destId="{F7D7C0DF-F2C8-47E7-BBB9-137B91F435B6}" srcOrd="0" destOrd="0" presId="urn:microsoft.com/office/officeart/2005/8/layout/orgChart1"/>
-    <dgm:cxn modelId="{9B2AC233-09DE-43E2-96C5-F2764B340668}" type="presOf" srcId="{CE3A7A2B-0120-4596-8CB3-B686980D22EA}" destId="{CF4B8774-C764-4EEA-966F-C6835E2F7AF1}" srcOrd="0" destOrd="0" presId="urn:microsoft.com/office/officeart/2005/8/layout/orgChart1"/>
-    <dgm:cxn modelId="{01766846-3601-406B-9789-C2C30F4126E7}" type="presOf" srcId="{8B05A671-0DE7-4C81-B7BE-EFEF4D8B285A}" destId="{1E761C78-7C43-41C4-847F-CB9FECCAE800}" srcOrd="0" destOrd="0" presId="urn:microsoft.com/office/officeart/2005/8/layout/orgChart1"/>
-    <dgm:cxn modelId="{5DB4CC4E-3B99-4EA7-A6DB-60867E8172E4}" type="presOf" srcId="{BB8C4245-B896-463C-9F6D-6089A25906F7}" destId="{3420E453-7C38-43F3-BBD9-1B76AE744FFF}" srcOrd="1" destOrd="0" presId="urn:microsoft.com/office/officeart/2005/8/layout/orgChart1"/>
-    <dgm:cxn modelId="{76823F4D-C8F1-470F-AB79-3972672F17C7}" type="presOf" srcId="{8B05A671-0DE7-4C81-B7BE-EFEF4D8B285A}" destId="{FCCCF09A-0005-46B8-9622-46DCB60796F7}" srcOrd="1" destOrd="0" presId="urn:microsoft.com/office/officeart/2005/8/layout/orgChart1"/>
-    <dgm:cxn modelId="{90DE3548-DA38-49AC-A5AC-6F5FD333647C}" type="presOf" srcId="{ED55D2DB-BE73-4F1D-90F6-D0461196D166}" destId="{3AC0C96A-BECF-42BC-8FF2-1E88E39CDD61}" srcOrd="0" destOrd="0" presId="urn:microsoft.com/office/officeart/2005/8/layout/orgChart1"/>
-    <dgm:cxn modelId="{CB8AE11C-6DEA-4DBF-A03D-F8267ED243EF}" type="presOf" srcId="{5C4DE19C-A716-4E24-865A-871D15A6106C}" destId="{0D5DF36B-661D-424D-9626-28873FD9FA74}" srcOrd="0" destOrd="0" presId="urn:microsoft.com/office/officeart/2005/8/layout/orgChart1"/>
-    <dgm:cxn modelId="{D02F34DC-3315-437C-BBA7-B167A645C03C}" type="presOf" srcId="{2F5A44C0-791D-41F6-AE89-A8AF91720298}" destId="{E0B17CD6-A955-4AAC-B191-6D03D9DE8849}" srcOrd="1" destOrd="0" presId="urn:microsoft.com/office/officeart/2005/8/layout/orgChart1"/>
-    <dgm:cxn modelId="{322E2C87-0EA9-45CA-B1B4-66AFCD239E9E}" type="presOf" srcId="{5C4DE19C-A716-4E24-865A-871D15A6106C}" destId="{8B8967B4-31C9-46DD-BE67-3A6C23850C59}" srcOrd="1" destOrd="0" presId="urn:microsoft.com/office/officeart/2005/8/layout/orgChart1"/>
-    <dgm:cxn modelId="{56D62E6C-F168-4681-94BB-23105AA229CD}" type="presParOf" srcId="{535FC5FB-8BA4-45B0-89E4-EB70B054278E}" destId="{D7FECC07-8DC2-4680-A1A4-E596B0EEC824}" srcOrd="0" destOrd="0" presId="urn:microsoft.com/office/officeart/2005/8/layout/orgChart1"/>
-    <dgm:cxn modelId="{4AA77B9B-3807-4C8C-8562-5D01B1DB3635}" type="presParOf" srcId="{D7FECC07-8DC2-4680-A1A4-E596B0EEC824}" destId="{9AC9AF78-BF15-44AD-99E2-A3BB22517442}" srcOrd="0" destOrd="0" presId="urn:microsoft.com/office/officeart/2005/8/layout/orgChart1"/>
-    <dgm:cxn modelId="{6AD62EF7-C5A2-4D89-A238-3BF487B2BC9F}" type="presParOf" srcId="{9AC9AF78-BF15-44AD-99E2-A3BB22517442}" destId="{CF4B8774-C764-4EEA-966F-C6835E2F7AF1}" srcOrd="0" destOrd="0" presId="urn:microsoft.com/office/officeart/2005/8/layout/orgChart1"/>
-    <dgm:cxn modelId="{6FE672CF-AFB2-4071-9DF8-31DE98F9FB47}" type="presParOf" srcId="{9AC9AF78-BF15-44AD-99E2-A3BB22517442}" destId="{1D394366-FF6E-441C-BFAA-9688D8336BE9}" srcOrd="1" destOrd="0" presId="urn:microsoft.com/office/officeart/2005/8/layout/orgChart1"/>
-    <dgm:cxn modelId="{6DA559DB-4DCF-4A4E-B2BD-A78551FEFBEC}" type="presParOf" srcId="{D7FECC07-8DC2-4680-A1A4-E596B0EEC824}" destId="{D6E6E70E-BCD1-46B9-93E8-D25B4727A969}" srcOrd="1" destOrd="0" presId="urn:microsoft.com/office/officeart/2005/8/layout/orgChart1"/>
-    <dgm:cxn modelId="{AEBF5E92-5036-4AAB-AE3A-52ED181A478B}" type="presParOf" srcId="{D7FECC07-8DC2-4680-A1A4-E596B0EEC824}" destId="{ECC6D552-1F3C-47EB-BF12-2EEF88EAC7EF}" srcOrd="2" destOrd="0" presId="urn:microsoft.com/office/officeart/2005/8/layout/orgChart1"/>
-    <dgm:cxn modelId="{6CDF95A9-9FC4-460B-A03F-8096466337D0}" type="presParOf" srcId="{ECC6D552-1F3C-47EB-BF12-2EEF88EAC7EF}" destId="{08DDCF76-1062-46CB-B301-71F194ADA367}" srcOrd="0" destOrd="0" presId="urn:microsoft.com/office/officeart/2005/8/layout/orgChart1"/>
-    <dgm:cxn modelId="{4247F803-DFBF-4123-9785-DB0469812E5C}" type="presParOf" srcId="{ECC6D552-1F3C-47EB-BF12-2EEF88EAC7EF}" destId="{2E6A63EE-EB06-409A-BF02-9F71B9ED13BC}" srcOrd="1" destOrd="0" presId="urn:microsoft.com/office/officeart/2005/8/layout/orgChart1"/>
-    <dgm:cxn modelId="{EAE81552-B6EA-40E5-987C-6C3FB008BFDD}" type="presParOf" srcId="{2E6A63EE-EB06-409A-BF02-9F71B9ED13BC}" destId="{6F5B9832-6467-4879-82A2-BDEFE98B890C}" srcOrd="0" destOrd="0" presId="urn:microsoft.com/office/officeart/2005/8/layout/orgChart1"/>
-    <dgm:cxn modelId="{9E545A0E-2C37-4C34-A869-C07DEDAD49D1}" type="presParOf" srcId="{6F5B9832-6467-4879-82A2-BDEFE98B890C}" destId="{9051C5BE-352D-4657-A22D-E3B1D7DB7B34}" srcOrd="0" destOrd="0" presId="urn:microsoft.com/office/officeart/2005/8/layout/orgChart1"/>
-    <dgm:cxn modelId="{129D8090-8E73-4007-95CE-3BDE54239075}" type="presParOf" srcId="{6F5B9832-6467-4879-82A2-BDEFE98B890C}" destId="{E0B17CD6-A955-4AAC-B191-6D03D9DE8849}" srcOrd="1" destOrd="0" presId="urn:microsoft.com/office/officeart/2005/8/layout/orgChart1"/>
-    <dgm:cxn modelId="{0CF55880-B3AD-474E-A959-63E98F3E4956}" type="presParOf" srcId="{2E6A63EE-EB06-409A-BF02-9F71B9ED13BC}" destId="{30EE7A90-9D5D-4AA1-BE6C-B04485C90CC4}" srcOrd="1" destOrd="0" presId="urn:microsoft.com/office/officeart/2005/8/layout/orgChart1"/>
-    <dgm:cxn modelId="{6B594550-32C6-4428-B95E-5960FE67F71C}" type="presParOf" srcId="{30EE7A90-9D5D-4AA1-BE6C-B04485C90CC4}" destId="{049DB898-06D6-48A8-822D-57388DFB6131}" srcOrd="0" destOrd="0" presId="urn:microsoft.com/office/officeart/2005/8/layout/orgChart1"/>
-    <dgm:cxn modelId="{5C7647CD-C984-43B7-A1C9-3D82A333BDD4}" type="presParOf" srcId="{30EE7A90-9D5D-4AA1-BE6C-B04485C90CC4}" destId="{5DFAADE6-283F-4E17-AA19-4BF20AE7ED39}" srcOrd="1" destOrd="0" presId="urn:microsoft.com/office/officeart/2005/8/layout/orgChart1"/>
-    <dgm:cxn modelId="{170DB7F8-65E2-4F8B-B005-52ED1225C4F6}" type="presParOf" srcId="{5DFAADE6-283F-4E17-AA19-4BF20AE7ED39}" destId="{349E658F-80C9-4E31-8904-201BAB5AAD9A}" srcOrd="0" destOrd="0" presId="urn:microsoft.com/office/officeart/2005/8/layout/orgChart1"/>
-    <dgm:cxn modelId="{94CD1C95-A315-4317-A8FC-AA8037773ABF}" type="presParOf" srcId="{349E658F-80C9-4E31-8904-201BAB5AAD9A}" destId="{F7D7C0DF-F2C8-47E7-BBB9-137B91F435B6}" srcOrd="0" destOrd="0" presId="urn:microsoft.com/office/officeart/2005/8/layout/orgChart1"/>
-    <dgm:cxn modelId="{A51059E2-E5DA-4B14-A73B-C98665866BC4}" type="presParOf" srcId="{349E658F-80C9-4E31-8904-201BAB5AAD9A}" destId="{3420E453-7C38-43F3-BBD9-1B76AE744FFF}" srcOrd="1" destOrd="0" presId="urn:microsoft.com/office/officeart/2005/8/layout/orgChart1"/>
-    <dgm:cxn modelId="{C4EE37B4-9E91-4B14-BC56-A18B2950E447}" type="presParOf" srcId="{5DFAADE6-283F-4E17-AA19-4BF20AE7ED39}" destId="{C02AE2DF-E93E-41BA-AE78-F4FDA3D98F75}" srcOrd="1" destOrd="0" presId="urn:microsoft.com/office/officeart/2005/8/layout/orgChart1"/>
-    <dgm:cxn modelId="{CC5CB299-FE5D-422C-8FE3-16BE40459CC9}" type="presParOf" srcId="{5DFAADE6-283F-4E17-AA19-4BF20AE7ED39}" destId="{1674EF52-47DD-4A69-866D-73172994F123}" srcOrd="2" destOrd="0" presId="urn:microsoft.com/office/officeart/2005/8/layout/orgChart1"/>
-    <dgm:cxn modelId="{685D8837-5B14-45C6-BE9B-E231225E248B}" type="presParOf" srcId="{30EE7A90-9D5D-4AA1-BE6C-B04485C90CC4}" destId="{AD99C808-836A-4C8A-85A7-DE42BD5075F9}" srcOrd="2" destOrd="0" presId="urn:microsoft.com/office/officeart/2005/8/layout/orgChart1"/>
-    <dgm:cxn modelId="{94F6A8ED-4CAB-4C10-84B4-D0106E7FE936}" type="presParOf" srcId="{30EE7A90-9D5D-4AA1-BE6C-B04485C90CC4}" destId="{9A8D8933-BD7D-4887-BB04-EEE24614140F}" srcOrd="3" destOrd="0" presId="urn:microsoft.com/office/officeart/2005/8/layout/orgChart1"/>
-    <dgm:cxn modelId="{A3780E88-0D2E-46E1-9952-ACAE2BD5D1B0}" type="presParOf" srcId="{9A8D8933-BD7D-4887-BB04-EEE24614140F}" destId="{B40BFF77-52FE-4789-95DF-EAF968C23045}" srcOrd="0" destOrd="0" presId="urn:microsoft.com/office/officeart/2005/8/layout/orgChart1"/>
-    <dgm:cxn modelId="{13430FF5-3FC3-4560-9364-6AC4FE225B5B}" type="presParOf" srcId="{B40BFF77-52FE-4789-95DF-EAF968C23045}" destId="{1E761C78-7C43-41C4-847F-CB9FECCAE800}" srcOrd="0" destOrd="0" presId="urn:microsoft.com/office/officeart/2005/8/layout/orgChart1"/>
-    <dgm:cxn modelId="{A44F91E8-A9A5-41E1-8237-CD5EB9B8D1F5}" type="presParOf" srcId="{B40BFF77-52FE-4789-95DF-EAF968C23045}" destId="{FCCCF09A-0005-46B8-9622-46DCB60796F7}" srcOrd="1" destOrd="0" presId="urn:microsoft.com/office/officeart/2005/8/layout/orgChart1"/>
-    <dgm:cxn modelId="{6E42CB0A-A3E9-47BA-8884-E62A4E22EA61}" type="presParOf" srcId="{9A8D8933-BD7D-4887-BB04-EEE24614140F}" destId="{91EBE47D-D68E-4FC4-8414-1AA33EAE65D1}" srcOrd="1" destOrd="0" presId="urn:microsoft.com/office/officeart/2005/8/layout/orgChart1"/>
-    <dgm:cxn modelId="{157AEC08-FF7B-471A-B5ED-A8CB0F404955}" type="presParOf" srcId="{9A8D8933-BD7D-4887-BB04-EEE24614140F}" destId="{1B289AC4-F7BA-4C1D-9599-05589AA2F63F}" srcOrd="2" destOrd="0" presId="urn:microsoft.com/office/officeart/2005/8/layout/orgChart1"/>
-    <dgm:cxn modelId="{C3D392E5-985A-4E44-8B2D-C447D9483545}" type="presParOf" srcId="{30EE7A90-9D5D-4AA1-BE6C-B04485C90CC4}" destId="{3AC0C96A-BECF-42BC-8FF2-1E88E39CDD61}" srcOrd="4" destOrd="0" presId="urn:microsoft.com/office/officeart/2005/8/layout/orgChart1"/>
-    <dgm:cxn modelId="{437D9E8A-10BD-4944-8CB1-BD7CA3865216}" type="presParOf" srcId="{30EE7A90-9D5D-4AA1-BE6C-B04485C90CC4}" destId="{FB8FF47F-7D86-4B81-91A1-E8B80C02DC85}" srcOrd="5" destOrd="0" presId="urn:microsoft.com/office/officeart/2005/8/layout/orgChart1"/>
-    <dgm:cxn modelId="{1628849E-5F01-4F46-B071-F4514E1C607E}" type="presParOf" srcId="{FB8FF47F-7D86-4B81-91A1-E8B80C02DC85}" destId="{AFA93E06-ADAC-42D0-91D5-5B869C5F3537}" srcOrd="0" destOrd="0" presId="urn:microsoft.com/office/officeart/2005/8/layout/orgChart1"/>
-    <dgm:cxn modelId="{73D4AD2B-317C-4970-B37A-C6225253FFBB}" type="presParOf" srcId="{AFA93E06-ADAC-42D0-91D5-5B869C5F3537}" destId="{0D5DF36B-661D-424D-9626-28873FD9FA74}" srcOrd="0" destOrd="0" presId="urn:microsoft.com/office/officeart/2005/8/layout/orgChart1"/>
-    <dgm:cxn modelId="{7C4F669A-3ABB-4A45-A00E-80DA72C4873B}" type="presParOf" srcId="{AFA93E06-ADAC-42D0-91D5-5B869C5F3537}" destId="{8B8967B4-31C9-46DD-BE67-3A6C23850C59}" srcOrd="1" destOrd="0" presId="urn:microsoft.com/office/officeart/2005/8/layout/orgChart1"/>
-    <dgm:cxn modelId="{ACB1EB14-E380-448F-AF8E-E80CE2417992}" type="presParOf" srcId="{FB8FF47F-7D86-4B81-91A1-E8B80C02DC85}" destId="{69B8665D-F960-4747-A647-64B3624EDA02}" srcOrd="1" destOrd="0" presId="urn:microsoft.com/office/officeart/2005/8/layout/orgChart1"/>
-    <dgm:cxn modelId="{BC0AA7A6-56B3-4930-86A7-92827509709A}" type="presParOf" srcId="{FB8FF47F-7D86-4B81-91A1-E8B80C02DC85}" destId="{A8879D7F-E1E2-4D65-86B7-F2602BBC2AFE}" srcOrd="2" destOrd="0" presId="urn:microsoft.com/office/officeart/2005/8/layout/orgChart1"/>
-    <dgm:cxn modelId="{CDB984EA-BE63-4EBB-AA9F-D3D4B5BB3F81}" type="presParOf" srcId="{2E6A63EE-EB06-409A-BF02-9F71B9ED13BC}" destId="{B74D29EE-0E40-45B1-B261-7F1CA20C5B77}" srcOrd="2" destOrd="0" presId="urn:microsoft.com/office/officeart/2005/8/layout/orgChart1"/>
+    <dgm:cxn modelId="{16E6DA9B-5E37-4F60-9D74-9647FD9CD162}" type="presOf" srcId="{CE3A7A2B-0120-4596-8CB3-B686980D22EA}" destId="{CF4B8774-C764-4EEA-966F-C6835E2F7AF1}" srcOrd="0" destOrd="0" presId="urn:microsoft.com/office/officeart/2005/8/layout/orgChart1"/>
+    <dgm:cxn modelId="{9F63A84F-48D4-43FC-9CE9-5DAFBCFF3435}" type="presOf" srcId="{BB8C4245-B896-463C-9F6D-6089A25906F7}" destId="{F7D7C0DF-F2C8-47E7-BBB9-137B91F435B6}" srcOrd="0" destOrd="0" presId="urn:microsoft.com/office/officeart/2005/8/layout/orgChart1"/>
+    <dgm:cxn modelId="{DACA6023-3F14-46E1-B4C2-72EB96C3EB9E}" type="presParOf" srcId="{535FC5FB-8BA4-45B0-89E4-EB70B054278E}" destId="{D7FECC07-8DC2-4680-A1A4-E596B0EEC824}" srcOrd="0" destOrd="0" presId="urn:microsoft.com/office/officeart/2005/8/layout/orgChart1"/>
+    <dgm:cxn modelId="{17C360E9-9087-4848-81B3-87D669B5050C}" type="presParOf" srcId="{D7FECC07-8DC2-4680-A1A4-E596B0EEC824}" destId="{9AC9AF78-BF15-44AD-99E2-A3BB22517442}" srcOrd="0" destOrd="0" presId="urn:microsoft.com/office/officeart/2005/8/layout/orgChart1"/>
+    <dgm:cxn modelId="{716872E5-3293-4676-9132-3B20F96CA9F5}" type="presParOf" srcId="{9AC9AF78-BF15-44AD-99E2-A3BB22517442}" destId="{CF4B8774-C764-4EEA-966F-C6835E2F7AF1}" srcOrd="0" destOrd="0" presId="urn:microsoft.com/office/officeart/2005/8/layout/orgChart1"/>
+    <dgm:cxn modelId="{936A8A52-555B-40DA-98AF-F8AE6BEE127F}" type="presParOf" srcId="{9AC9AF78-BF15-44AD-99E2-A3BB22517442}" destId="{1D394366-FF6E-441C-BFAA-9688D8336BE9}" srcOrd="1" destOrd="0" presId="urn:microsoft.com/office/officeart/2005/8/layout/orgChart1"/>
+    <dgm:cxn modelId="{E14ECA81-4EF4-4BFD-8A33-B8DAC95B917B}" type="presParOf" srcId="{D7FECC07-8DC2-4680-A1A4-E596B0EEC824}" destId="{D6E6E70E-BCD1-46B9-93E8-D25B4727A969}" srcOrd="1" destOrd="0" presId="urn:microsoft.com/office/officeart/2005/8/layout/orgChart1"/>
+    <dgm:cxn modelId="{E3624483-DD2C-4ED1-98F2-87D85DC049C8}" type="presParOf" srcId="{D7FECC07-8DC2-4680-A1A4-E596B0EEC824}" destId="{ECC6D552-1F3C-47EB-BF12-2EEF88EAC7EF}" srcOrd="2" destOrd="0" presId="urn:microsoft.com/office/officeart/2005/8/layout/orgChart1"/>
+    <dgm:cxn modelId="{E09C1A9A-3F59-4682-B960-D80164A5FACC}" type="presParOf" srcId="{ECC6D552-1F3C-47EB-BF12-2EEF88EAC7EF}" destId="{08DDCF76-1062-46CB-B301-71F194ADA367}" srcOrd="0" destOrd="0" presId="urn:microsoft.com/office/officeart/2005/8/layout/orgChart1"/>
+    <dgm:cxn modelId="{DB61CF4D-2117-4C2C-8BED-C162DE5727E8}" type="presParOf" srcId="{ECC6D552-1F3C-47EB-BF12-2EEF88EAC7EF}" destId="{2E6A63EE-EB06-409A-BF02-9F71B9ED13BC}" srcOrd="1" destOrd="0" presId="urn:microsoft.com/office/officeart/2005/8/layout/orgChart1"/>
+    <dgm:cxn modelId="{3DB55DB9-448E-41A1-B301-FD185B550D41}" type="presParOf" srcId="{2E6A63EE-EB06-409A-BF02-9F71B9ED13BC}" destId="{6F5B9832-6467-4879-82A2-BDEFE98B890C}" srcOrd="0" destOrd="0" presId="urn:microsoft.com/office/officeart/2005/8/layout/orgChart1"/>
+    <dgm:cxn modelId="{918CF45A-F164-44B5-AB69-D108E506E75C}" type="presParOf" srcId="{6F5B9832-6467-4879-82A2-BDEFE98B890C}" destId="{9051C5BE-352D-4657-A22D-E3B1D7DB7B34}" srcOrd="0" destOrd="0" presId="urn:microsoft.com/office/officeart/2005/8/layout/orgChart1"/>
+    <dgm:cxn modelId="{2EA571E7-D003-4B73-9B96-BDFB8A62FD4B}" type="presParOf" srcId="{6F5B9832-6467-4879-82A2-BDEFE98B890C}" destId="{E0B17CD6-A955-4AAC-B191-6D03D9DE8849}" srcOrd="1" destOrd="0" presId="urn:microsoft.com/office/officeart/2005/8/layout/orgChart1"/>
+    <dgm:cxn modelId="{3CADFBEB-D372-4F85-A92D-1AB4AC79DE97}" type="presParOf" srcId="{2E6A63EE-EB06-409A-BF02-9F71B9ED13BC}" destId="{30EE7A90-9D5D-4AA1-BE6C-B04485C90CC4}" srcOrd="1" destOrd="0" presId="urn:microsoft.com/office/officeart/2005/8/layout/orgChart1"/>
+    <dgm:cxn modelId="{08ACEA5A-073D-4AE8-9FF2-79464EF9550B}" type="presParOf" srcId="{30EE7A90-9D5D-4AA1-BE6C-B04485C90CC4}" destId="{049DB898-06D6-48A8-822D-57388DFB6131}" srcOrd="0" destOrd="0" presId="urn:microsoft.com/office/officeart/2005/8/layout/orgChart1"/>
+    <dgm:cxn modelId="{05A15A02-6D27-42E6-BB35-0B1991511CC5}" type="presParOf" srcId="{30EE7A90-9D5D-4AA1-BE6C-B04485C90CC4}" destId="{5DFAADE6-283F-4E17-AA19-4BF20AE7ED39}" srcOrd="1" destOrd="0" presId="urn:microsoft.com/office/officeart/2005/8/layout/orgChart1"/>
+    <dgm:cxn modelId="{B6FE4DFE-403A-4211-9E01-A401655B9422}" type="presParOf" srcId="{5DFAADE6-283F-4E17-AA19-4BF20AE7ED39}" destId="{349E658F-80C9-4E31-8904-201BAB5AAD9A}" srcOrd="0" destOrd="0" presId="urn:microsoft.com/office/officeart/2005/8/layout/orgChart1"/>
+    <dgm:cxn modelId="{50C3D130-4763-4D3D-84A7-2519095FBE0A}" type="presParOf" srcId="{349E658F-80C9-4E31-8904-201BAB5AAD9A}" destId="{F7D7C0DF-F2C8-47E7-BBB9-137B91F435B6}" srcOrd="0" destOrd="0" presId="urn:microsoft.com/office/officeart/2005/8/layout/orgChart1"/>
+    <dgm:cxn modelId="{A2FEAB80-C0BE-4AD2-822A-9BDF2531BE2C}" type="presParOf" srcId="{349E658F-80C9-4E31-8904-201BAB5AAD9A}" destId="{3420E453-7C38-43F3-BBD9-1B76AE744FFF}" srcOrd="1" destOrd="0" presId="urn:microsoft.com/office/officeart/2005/8/layout/orgChart1"/>
+    <dgm:cxn modelId="{373B6499-3AFE-4DDA-929A-9104B3171986}" type="presParOf" srcId="{5DFAADE6-283F-4E17-AA19-4BF20AE7ED39}" destId="{C02AE2DF-E93E-41BA-AE78-F4FDA3D98F75}" srcOrd="1" destOrd="0" presId="urn:microsoft.com/office/officeart/2005/8/layout/orgChart1"/>
+    <dgm:cxn modelId="{4329E447-820B-4311-90DD-BD62B1ECFABC}" type="presParOf" srcId="{5DFAADE6-283F-4E17-AA19-4BF20AE7ED39}" destId="{1674EF52-47DD-4A69-866D-73172994F123}" srcOrd="2" destOrd="0" presId="urn:microsoft.com/office/officeart/2005/8/layout/orgChart1"/>
+    <dgm:cxn modelId="{8AC899F4-B808-49BC-957B-8A2C8BB4CE52}" type="presParOf" srcId="{30EE7A90-9D5D-4AA1-BE6C-B04485C90CC4}" destId="{AD99C808-836A-4C8A-85A7-DE42BD5075F9}" srcOrd="2" destOrd="0" presId="urn:microsoft.com/office/officeart/2005/8/layout/orgChart1"/>
+    <dgm:cxn modelId="{C1DC646A-B2E4-44EE-AF53-A55406849AD2}" type="presParOf" srcId="{30EE7A90-9D5D-4AA1-BE6C-B04485C90CC4}" destId="{9A8D8933-BD7D-4887-BB04-EEE24614140F}" srcOrd="3" destOrd="0" presId="urn:microsoft.com/office/officeart/2005/8/layout/orgChart1"/>
+    <dgm:cxn modelId="{282C231C-A0EC-4551-85C6-327754B41EE5}" type="presParOf" srcId="{9A8D8933-BD7D-4887-BB04-EEE24614140F}" destId="{B40BFF77-52FE-4789-95DF-EAF968C23045}" srcOrd="0" destOrd="0" presId="urn:microsoft.com/office/officeart/2005/8/layout/orgChart1"/>
+    <dgm:cxn modelId="{F7FBDFB4-421A-4E4D-932F-EC56C6AC4D03}" type="presParOf" srcId="{B40BFF77-52FE-4789-95DF-EAF968C23045}" destId="{1E761C78-7C43-41C4-847F-CB9FECCAE800}" srcOrd="0" destOrd="0" presId="urn:microsoft.com/office/officeart/2005/8/layout/orgChart1"/>
+    <dgm:cxn modelId="{0A2ADB28-AB9D-49D6-845E-469EC855E468}" type="presParOf" srcId="{B40BFF77-52FE-4789-95DF-EAF968C23045}" destId="{FCCCF09A-0005-46B8-9622-46DCB60796F7}" srcOrd="1" destOrd="0" presId="urn:microsoft.com/office/officeart/2005/8/layout/orgChart1"/>
+    <dgm:cxn modelId="{ED1B9DA9-FF34-4F79-80ED-961D152958D9}" type="presParOf" srcId="{9A8D8933-BD7D-4887-BB04-EEE24614140F}" destId="{91EBE47D-D68E-4FC4-8414-1AA33EAE65D1}" srcOrd="1" destOrd="0" presId="urn:microsoft.com/office/officeart/2005/8/layout/orgChart1"/>
+    <dgm:cxn modelId="{3BFFD9C4-6512-4919-B8B0-8CA15B091704}" type="presParOf" srcId="{9A8D8933-BD7D-4887-BB04-EEE24614140F}" destId="{1B289AC4-F7BA-4C1D-9599-05589AA2F63F}" srcOrd="2" destOrd="0" presId="urn:microsoft.com/office/officeart/2005/8/layout/orgChart1"/>
+    <dgm:cxn modelId="{839C34A3-931B-4C26-984F-3CAA5BC6CF77}" type="presParOf" srcId="{30EE7A90-9D5D-4AA1-BE6C-B04485C90CC4}" destId="{3AC0C96A-BECF-42BC-8FF2-1E88E39CDD61}" srcOrd="4" destOrd="0" presId="urn:microsoft.com/office/officeart/2005/8/layout/orgChart1"/>
+    <dgm:cxn modelId="{4A4C6E83-F170-4839-8F0C-F802CD408AE5}" type="presParOf" srcId="{30EE7A90-9D5D-4AA1-BE6C-B04485C90CC4}" destId="{FB8FF47F-7D86-4B81-91A1-E8B80C02DC85}" srcOrd="5" destOrd="0" presId="urn:microsoft.com/office/officeart/2005/8/layout/orgChart1"/>
+    <dgm:cxn modelId="{65FE8CF2-B56D-41B6-8233-90A5C7EC9E04}" type="presParOf" srcId="{FB8FF47F-7D86-4B81-91A1-E8B80C02DC85}" destId="{AFA93E06-ADAC-42D0-91D5-5B869C5F3537}" srcOrd="0" destOrd="0" presId="urn:microsoft.com/office/officeart/2005/8/layout/orgChart1"/>
+    <dgm:cxn modelId="{680A834F-992D-4E62-9C70-414A104CC4CC}" type="presParOf" srcId="{AFA93E06-ADAC-42D0-91D5-5B869C5F3537}" destId="{0D5DF36B-661D-424D-9626-28873FD9FA74}" srcOrd="0" destOrd="0" presId="urn:microsoft.com/office/officeart/2005/8/layout/orgChart1"/>
+    <dgm:cxn modelId="{14D8E1F1-294D-4654-839E-B53551B89475}" type="presParOf" srcId="{AFA93E06-ADAC-42D0-91D5-5B869C5F3537}" destId="{8B8967B4-31C9-46DD-BE67-3A6C23850C59}" srcOrd="1" destOrd="0" presId="urn:microsoft.com/office/officeart/2005/8/layout/orgChart1"/>
+    <dgm:cxn modelId="{99A6DB47-50D2-4A92-BEB5-F3D2D17190D4}" type="presParOf" srcId="{FB8FF47F-7D86-4B81-91A1-E8B80C02DC85}" destId="{69B8665D-F960-4747-A647-64B3624EDA02}" srcOrd="1" destOrd="0" presId="urn:microsoft.com/office/officeart/2005/8/layout/orgChart1"/>
+    <dgm:cxn modelId="{1D44E492-600E-4882-90EF-792AE6865CCB}" type="presParOf" srcId="{FB8FF47F-7D86-4B81-91A1-E8B80C02DC85}" destId="{A8879D7F-E1E2-4D65-86B7-F2602BBC2AFE}" srcOrd="2" destOrd="0" presId="urn:microsoft.com/office/officeart/2005/8/layout/orgChart1"/>
+    <dgm:cxn modelId="{E6BC683D-A370-47EC-857F-D609AD4D74B1}" type="presParOf" srcId="{2E6A63EE-EB06-409A-BF02-9F71B9ED13BC}" destId="{B74D29EE-0E40-45B1-B261-7F1CA20C5B77}" srcOrd="2" destOrd="0" presId="urn:microsoft.com/office/officeart/2005/8/layout/orgChart1"/>
   </dgm:cxnLst>
   <dgm:bg/>
   <dgm:whole/>
@@ -2533,627 +1436,6 @@
 </file>
 
 <file path=ppt/diagrams/drawing1.xml><?xml version="1.0" encoding="utf-8"?>
-<dsp:drawing xmlns:dgm="http://schemas.openxmlformats.org/drawingml/2006/diagram" xmlns:dsp="http://schemas.microsoft.com/office/drawing/2008/diagram" xmlns:a="http://schemas.openxmlformats.org/drawingml/2006/main">
-  <dsp:spTree>
-    <dsp:nvGrpSpPr>
-      <dsp:cNvPr id="0" name=""/>
-      <dsp:cNvGrpSpPr/>
-    </dsp:nvGrpSpPr>
-    <dsp:grpSpPr/>
-    <dsp:sp modelId="{457FFBAA-21CA-453C-9DFD-C125BFD33E8E}">
-      <dsp:nvSpPr>
-        <dsp:cNvPr id="0" name=""/>
-        <dsp:cNvSpPr/>
-      </dsp:nvSpPr>
-      <dsp:spPr>
-        <a:xfrm>
-          <a:off x="3814489" y="1616240"/>
-          <a:ext cx="249510" cy="1093092"/>
-        </a:xfrm>
-        <a:custGeom>
-          <a:avLst/>
-          <a:gdLst/>
-          <a:ahLst/>
-          <a:cxnLst/>
-          <a:rect l="0" t="0" r="0" b="0"/>
-          <a:pathLst>
-            <a:path>
-              <a:moveTo>
-                <a:pt x="249510" y="0"/>
-              </a:moveTo>
-              <a:lnTo>
-                <a:pt x="249510" y="1093092"/>
-              </a:lnTo>
-              <a:lnTo>
-                <a:pt x="0" y="1093092"/>
-              </a:lnTo>
-            </a:path>
-          </a:pathLst>
-        </a:custGeom>
-        <a:noFill/>
-        <a:ln w="12700" cap="flat" cmpd="sng" algn="ctr">
-          <a:solidFill>
-            <a:schemeClr val="accent1">
-              <a:shade val="60000"/>
-              <a:hueOff val="0"/>
-              <a:satOff val="0"/>
-              <a:lumOff val="0"/>
-              <a:alphaOff val="0"/>
-            </a:schemeClr>
-          </a:solidFill>
-          <a:prstDash val="solid"/>
-          <a:miter lim="800000"/>
-        </a:ln>
-        <a:effectLst/>
-      </dsp:spPr>
-      <dsp:style>
-        <a:lnRef idx="2">
-          <a:scrgbClr r="0" g="0" b="0"/>
-        </a:lnRef>
-        <a:fillRef idx="0">
-          <a:scrgbClr r="0" g="0" b="0"/>
-        </a:fillRef>
-        <a:effectRef idx="0">
-          <a:scrgbClr r="0" g="0" b="0"/>
-        </a:effectRef>
-        <a:fontRef idx="minor"/>
-      </dsp:style>
-    </dsp:sp>
-    <dsp:sp modelId="{ACFD9061-FD58-4FCB-B44D-3946FD0DAF2C}">
-      <dsp:nvSpPr>
-        <dsp:cNvPr id="0" name=""/>
-        <dsp:cNvSpPr/>
-      </dsp:nvSpPr>
-      <dsp:spPr>
-        <a:xfrm>
-          <a:off x="4064000" y="1616240"/>
-          <a:ext cx="2875309" cy="2186185"/>
-        </a:xfrm>
-        <a:custGeom>
-          <a:avLst/>
-          <a:gdLst/>
-          <a:ahLst/>
-          <a:cxnLst/>
-          <a:rect l="0" t="0" r="0" b="0"/>
-          <a:pathLst>
-            <a:path>
-              <a:moveTo>
-                <a:pt x="0" y="0"/>
-              </a:moveTo>
-              <a:lnTo>
-                <a:pt x="0" y="1936675"/>
-              </a:lnTo>
-              <a:lnTo>
-                <a:pt x="2875309" y="1936675"/>
-              </a:lnTo>
-              <a:lnTo>
-                <a:pt x="2875309" y="2186185"/>
-              </a:lnTo>
-            </a:path>
-          </a:pathLst>
-        </a:custGeom>
-        <a:noFill/>
-        <a:ln w="12700" cap="flat" cmpd="sng" algn="ctr">
-          <a:solidFill>
-            <a:schemeClr val="accent1">
-              <a:shade val="60000"/>
-              <a:hueOff val="0"/>
-              <a:satOff val="0"/>
-              <a:lumOff val="0"/>
-              <a:alphaOff val="0"/>
-            </a:schemeClr>
-          </a:solidFill>
-          <a:prstDash val="solid"/>
-          <a:miter lim="800000"/>
-        </a:ln>
-        <a:effectLst/>
-      </dsp:spPr>
-      <dsp:style>
-        <a:lnRef idx="2">
-          <a:scrgbClr r="0" g="0" b="0"/>
-        </a:lnRef>
-        <a:fillRef idx="0">
-          <a:scrgbClr r="0" g="0" b="0"/>
-        </a:fillRef>
-        <a:effectRef idx="0">
-          <a:scrgbClr r="0" g="0" b="0"/>
-        </a:effectRef>
-        <a:fontRef idx="minor"/>
-      </dsp:style>
-    </dsp:sp>
-    <dsp:sp modelId="{44CC50D7-5D82-45D4-9698-F558F9D479EC}">
-      <dsp:nvSpPr>
-        <dsp:cNvPr id="0" name=""/>
-        <dsp:cNvSpPr/>
-      </dsp:nvSpPr>
-      <dsp:spPr>
-        <a:xfrm>
-          <a:off x="4018280" y="1616240"/>
-          <a:ext cx="91440" cy="2186185"/>
-        </a:xfrm>
-        <a:custGeom>
-          <a:avLst/>
-          <a:gdLst/>
-          <a:ahLst/>
-          <a:cxnLst/>
-          <a:rect l="0" t="0" r="0" b="0"/>
-          <a:pathLst>
-            <a:path>
-              <a:moveTo>
-                <a:pt x="45720" y="0"/>
-              </a:moveTo>
-              <a:lnTo>
-                <a:pt x="45720" y="2186185"/>
-              </a:lnTo>
-            </a:path>
-          </a:pathLst>
-        </a:custGeom>
-        <a:noFill/>
-        <a:ln w="12700" cap="flat" cmpd="sng" algn="ctr">
-          <a:solidFill>
-            <a:schemeClr val="accent1">
-              <a:shade val="60000"/>
-              <a:hueOff val="0"/>
-              <a:satOff val="0"/>
-              <a:lumOff val="0"/>
-              <a:alphaOff val="0"/>
-            </a:schemeClr>
-          </a:solidFill>
-          <a:prstDash val="solid"/>
-          <a:miter lim="800000"/>
-        </a:ln>
-        <a:effectLst/>
-      </dsp:spPr>
-      <dsp:style>
-        <a:lnRef idx="2">
-          <a:scrgbClr r="0" g="0" b="0"/>
-        </a:lnRef>
-        <a:fillRef idx="0">
-          <a:scrgbClr r="0" g="0" b="0"/>
-        </a:fillRef>
-        <a:effectRef idx="0">
-          <a:scrgbClr r="0" g="0" b="0"/>
-        </a:effectRef>
-        <a:fontRef idx="minor"/>
-      </dsp:style>
-    </dsp:sp>
-    <dsp:sp modelId="{36B4E92A-0ECB-4B41-845F-6CC6662AAE56}">
-      <dsp:nvSpPr>
-        <dsp:cNvPr id="0" name=""/>
-        <dsp:cNvSpPr/>
-      </dsp:nvSpPr>
-      <dsp:spPr>
-        <a:xfrm>
-          <a:off x="1188690" y="1616240"/>
-          <a:ext cx="2875309" cy="2186185"/>
-        </a:xfrm>
-        <a:custGeom>
-          <a:avLst/>
-          <a:gdLst/>
-          <a:ahLst/>
-          <a:cxnLst/>
-          <a:rect l="0" t="0" r="0" b="0"/>
-          <a:pathLst>
-            <a:path>
-              <a:moveTo>
-                <a:pt x="2875309" y="0"/>
-              </a:moveTo>
-              <a:lnTo>
-                <a:pt x="2875309" y="1936675"/>
-              </a:lnTo>
-              <a:lnTo>
-                <a:pt x="0" y="1936675"/>
-              </a:lnTo>
-              <a:lnTo>
-                <a:pt x="0" y="2186185"/>
-              </a:lnTo>
-            </a:path>
-          </a:pathLst>
-        </a:custGeom>
-        <a:noFill/>
-        <a:ln w="12700" cap="flat" cmpd="sng" algn="ctr">
-          <a:solidFill>
-            <a:schemeClr val="accent1">
-              <a:shade val="60000"/>
-              <a:hueOff val="0"/>
-              <a:satOff val="0"/>
-              <a:lumOff val="0"/>
-              <a:alphaOff val="0"/>
-            </a:schemeClr>
-          </a:solidFill>
-          <a:prstDash val="solid"/>
-          <a:miter lim="800000"/>
-        </a:ln>
-        <a:effectLst/>
-      </dsp:spPr>
-      <dsp:style>
-        <a:lnRef idx="2">
-          <a:scrgbClr r="0" g="0" b="0"/>
-        </a:lnRef>
-        <a:fillRef idx="0">
-          <a:scrgbClr r="0" g="0" b="0"/>
-        </a:fillRef>
-        <a:effectRef idx="0">
-          <a:scrgbClr r="0" g="0" b="0"/>
-        </a:effectRef>
-        <a:fontRef idx="minor"/>
-      </dsp:style>
-    </dsp:sp>
-    <dsp:sp modelId="{7B558CF0-D52E-4023-A791-0640E0D038C7}">
-      <dsp:nvSpPr>
-        <dsp:cNvPr id="0" name=""/>
-        <dsp:cNvSpPr/>
-      </dsp:nvSpPr>
-      <dsp:spPr>
-        <a:xfrm>
-          <a:off x="2875855" y="428096"/>
-          <a:ext cx="2376289" cy="1188144"/>
-        </a:xfrm>
-        <a:prstGeom prst="rect">
-          <a:avLst/>
-        </a:prstGeom>
-        <a:solidFill>
-          <a:schemeClr val="accent1">
-            <a:hueOff val="0"/>
-            <a:satOff val="0"/>
-            <a:lumOff val="0"/>
-            <a:alphaOff val="0"/>
-          </a:schemeClr>
-        </a:solidFill>
-        <a:ln w="12700" cap="flat" cmpd="sng" algn="ctr">
-          <a:solidFill>
-            <a:schemeClr val="lt1">
-              <a:hueOff val="0"/>
-              <a:satOff val="0"/>
-              <a:lumOff val="0"/>
-              <a:alphaOff val="0"/>
-            </a:schemeClr>
-          </a:solidFill>
-          <a:prstDash val="solid"/>
-          <a:miter lim="800000"/>
-        </a:ln>
-        <a:effectLst/>
-      </dsp:spPr>
-      <dsp:style>
-        <a:lnRef idx="2">
-          <a:scrgbClr r="0" g="0" b="0"/>
-        </a:lnRef>
-        <a:fillRef idx="1">
-          <a:scrgbClr r="0" g="0" b="0"/>
-        </a:fillRef>
-        <a:effectRef idx="0">
-          <a:scrgbClr r="0" g="0" b="0"/>
-        </a:effectRef>
-        <a:fontRef idx="minor">
-          <a:schemeClr val="lt1"/>
-        </a:fontRef>
-      </dsp:style>
-      <dsp:txBody>
-        <a:bodyPr spcFirstLastPara="0" vert="horz" wrap="square" lIns="41275" tIns="41275" rIns="41275" bIns="41275" numCol="1" spcCol="1270" anchor="ctr" anchorCtr="0">
-          <a:noAutofit/>
-        </a:bodyPr>
-        <a:lstStyle/>
-        <a:p>
-          <a:pPr lvl="0" algn="ctr" defTabSz="2889250">
-            <a:lnSpc>
-              <a:spcPct val="90000"/>
-            </a:lnSpc>
-            <a:spcBef>
-              <a:spcPct val="0"/>
-            </a:spcBef>
-            <a:spcAft>
-              <a:spcPct val="35000"/>
-            </a:spcAft>
-          </a:pPr>
-          <a:endParaRPr lang="en-US" sz="6500" kern="1200"/>
-        </a:p>
-      </dsp:txBody>
-      <dsp:txXfrm>
-        <a:off x="2875855" y="428096"/>
-        <a:ext cx="2376289" cy="1188144"/>
-      </dsp:txXfrm>
-    </dsp:sp>
-    <dsp:sp modelId="{19B9FE15-69F2-4B81-9DF3-2D5347BD89C9}">
-      <dsp:nvSpPr>
-        <dsp:cNvPr id="0" name=""/>
-        <dsp:cNvSpPr/>
-      </dsp:nvSpPr>
-      <dsp:spPr>
-        <a:xfrm>
-          <a:off x="545" y="3802426"/>
-          <a:ext cx="2376289" cy="1188144"/>
-        </a:xfrm>
-        <a:prstGeom prst="rect">
-          <a:avLst/>
-        </a:prstGeom>
-        <a:solidFill>
-          <a:schemeClr val="accent1">
-            <a:hueOff val="0"/>
-            <a:satOff val="0"/>
-            <a:lumOff val="0"/>
-            <a:alphaOff val="0"/>
-          </a:schemeClr>
-        </a:solidFill>
-        <a:ln w="12700" cap="flat" cmpd="sng" algn="ctr">
-          <a:solidFill>
-            <a:schemeClr val="lt1">
-              <a:hueOff val="0"/>
-              <a:satOff val="0"/>
-              <a:lumOff val="0"/>
-              <a:alphaOff val="0"/>
-            </a:schemeClr>
-          </a:solidFill>
-          <a:prstDash val="solid"/>
-          <a:miter lim="800000"/>
-        </a:ln>
-        <a:effectLst/>
-      </dsp:spPr>
-      <dsp:style>
-        <a:lnRef idx="2">
-          <a:scrgbClr r="0" g="0" b="0"/>
-        </a:lnRef>
-        <a:fillRef idx="1">
-          <a:scrgbClr r="0" g="0" b="0"/>
-        </a:fillRef>
-        <a:effectRef idx="0">
-          <a:scrgbClr r="0" g="0" b="0"/>
-        </a:effectRef>
-        <a:fontRef idx="minor">
-          <a:schemeClr val="lt1"/>
-        </a:fontRef>
-      </dsp:style>
-      <dsp:txBody>
-        <a:bodyPr spcFirstLastPara="0" vert="horz" wrap="square" lIns="41275" tIns="41275" rIns="41275" bIns="41275" numCol="1" spcCol="1270" anchor="ctr" anchorCtr="0">
-          <a:noAutofit/>
-        </a:bodyPr>
-        <a:lstStyle/>
-        <a:p>
-          <a:pPr lvl="0" algn="ctr" defTabSz="2889250">
-            <a:lnSpc>
-              <a:spcPct val="90000"/>
-            </a:lnSpc>
-            <a:spcBef>
-              <a:spcPct val="0"/>
-            </a:spcBef>
-            <a:spcAft>
-              <a:spcPct val="35000"/>
-            </a:spcAft>
-          </a:pPr>
-          <a:endParaRPr lang="en-US" sz="6500" kern="1200"/>
-        </a:p>
-      </dsp:txBody>
-      <dsp:txXfrm>
-        <a:off x="545" y="3802426"/>
-        <a:ext cx="2376289" cy="1188144"/>
-      </dsp:txXfrm>
-    </dsp:sp>
-    <dsp:sp modelId="{90B54140-C053-4BBA-8C21-0B742DD26115}">
-      <dsp:nvSpPr>
-        <dsp:cNvPr id="0" name=""/>
-        <dsp:cNvSpPr/>
-      </dsp:nvSpPr>
-      <dsp:spPr>
-        <a:xfrm>
-          <a:off x="2875855" y="3802426"/>
-          <a:ext cx="2376289" cy="1188144"/>
-        </a:xfrm>
-        <a:prstGeom prst="rect">
-          <a:avLst/>
-        </a:prstGeom>
-        <a:solidFill>
-          <a:schemeClr val="accent1">
-            <a:hueOff val="0"/>
-            <a:satOff val="0"/>
-            <a:lumOff val="0"/>
-            <a:alphaOff val="0"/>
-          </a:schemeClr>
-        </a:solidFill>
-        <a:ln w="12700" cap="flat" cmpd="sng" algn="ctr">
-          <a:solidFill>
-            <a:schemeClr val="lt1">
-              <a:hueOff val="0"/>
-              <a:satOff val="0"/>
-              <a:lumOff val="0"/>
-              <a:alphaOff val="0"/>
-            </a:schemeClr>
-          </a:solidFill>
-          <a:prstDash val="solid"/>
-          <a:miter lim="800000"/>
-        </a:ln>
-        <a:effectLst/>
-      </dsp:spPr>
-      <dsp:style>
-        <a:lnRef idx="2">
-          <a:scrgbClr r="0" g="0" b="0"/>
-        </a:lnRef>
-        <a:fillRef idx="1">
-          <a:scrgbClr r="0" g="0" b="0"/>
-        </a:fillRef>
-        <a:effectRef idx="0">
-          <a:scrgbClr r="0" g="0" b="0"/>
-        </a:effectRef>
-        <a:fontRef idx="minor">
-          <a:schemeClr val="lt1"/>
-        </a:fontRef>
-      </dsp:style>
-      <dsp:txBody>
-        <a:bodyPr spcFirstLastPara="0" vert="horz" wrap="square" lIns="41275" tIns="41275" rIns="41275" bIns="41275" numCol="1" spcCol="1270" anchor="ctr" anchorCtr="0">
-          <a:noAutofit/>
-        </a:bodyPr>
-        <a:lstStyle/>
-        <a:p>
-          <a:pPr lvl="0" algn="ctr" defTabSz="2889250">
-            <a:lnSpc>
-              <a:spcPct val="90000"/>
-            </a:lnSpc>
-            <a:spcBef>
-              <a:spcPct val="0"/>
-            </a:spcBef>
-            <a:spcAft>
-              <a:spcPct val="35000"/>
-            </a:spcAft>
-          </a:pPr>
-          <a:endParaRPr lang="en-US" sz="6500" kern="1200"/>
-        </a:p>
-      </dsp:txBody>
-      <dsp:txXfrm>
-        <a:off x="2875855" y="3802426"/>
-        <a:ext cx="2376289" cy="1188144"/>
-      </dsp:txXfrm>
-    </dsp:sp>
-    <dsp:sp modelId="{6BC94D10-D420-48C2-9CB3-2C1EE70C40A8}">
-      <dsp:nvSpPr>
-        <dsp:cNvPr id="0" name=""/>
-        <dsp:cNvSpPr/>
-      </dsp:nvSpPr>
-      <dsp:spPr>
-        <a:xfrm>
-          <a:off x="5751165" y="3802426"/>
-          <a:ext cx="2376289" cy="1188144"/>
-        </a:xfrm>
-        <a:prstGeom prst="rect">
-          <a:avLst/>
-        </a:prstGeom>
-        <a:solidFill>
-          <a:schemeClr val="accent1">
-            <a:hueOff val="0"/>
-            <a:satOff val="0"/>
-            <a:lumOff val="0"/>
-            <a:alphaOff val="0"/>
-          </a:schemeClr>
-        </a:solidFill>
-        <a:ln w="12700" cap="flat" cmpd="sng" algn="ctr">
-          <a:solidFill>
-            <a:schemeClr val="lt1">
-              <a:hueOff val="0"/>
-              <a:satOff val="0"/>
-              <a:lumOff val="0"/>
-              <a:alphaOff val="0"/>
-            </a:schemeClr>
-          </a:solidFill>
-          <a:prstDash val="solid"/>
-          <a:miter lim="800000"/>
-        </a:ln>
-        <a:effectLst/>
-      </dsp:spPr>
-      <dsp:style>
-        <a:lnRef idx="2">
-          <a:scrgbClr r="0" g="0" b="0"/>
-        </a:lnRef>
-        <a:fillRef idx="1">
-          <a:scrgbClr r="0" g="0" b="0"/>
-        </a:fillRef>
-        <a:effectRef idx="0">
-          <a:scrgbClr r="0" g="0" b="0"/>
-        </a:effectRef>
-        <a:fontRef idx="minor">
-          <a:schemeClr val="lt1"/>
-        </a:fontRef>
-      </dsp:style>
-      <dsp:txBody>
-        <a:bodyPr spcFirstLastPara="0" vert="horz" wrap="square" lIns="41275" tIns="41275" rIns="41275" bIns="41275" numCol="1" spcCol="1270" anchor="ctr" anchorCtr="0">
-          <a:noAutofit/>
-        </a:bodyPr>
-        <a:lstStyle/>
-        <a:p>
-          <a:pPr lvl="0" algn="ctr" defTabSz="2889250">
-            <a:lnSpc>
-              <a:spcPct val="90000"/>
-            </a:lnSpc>
-            <a:spcBef>
-              <a:spcPct val="0"/>
-            </a:spcBef>
-            <a:spcAft>
-              <a:spcPct val="35000"/>
-            </a:spcAft>
-          </a:pPr>
-          <a:endParaRPr lang="en-US" sz="6500" kern="1200"/>
-        </a:p>
-      </dsp:txBody>
-      <dsp:txXfrm>
-        <a:off x="5751165" y="3802426"/>
-        <a:ext cx="2376289" cy="1188144"/>
-      </dsp:txXfrm>
-    </dsp:sp>
-    <dsp:sp modelId="{F4922B72-B3D2-46B3-AAD4-FF0057CA8FDC}">
-      <dsp:nvSpPr>
-        <dsp:cNvPr id="0" name=""/>
-        <dsp:cNvSpPr/>
-      </dsp:nvSpPr>
-      <dsp:spPr>
-        <a:xfrm>
-          <a:off x="1438200" y="2115261"/>
-          <a:ext cx="2376289" cy="1188144"/>
-        </a:xfrm>
-        <a:prstGeom prst="rect">
-          <a:avLst/>
-        </a:prstGeom>
-        <a:solidFill>
-          <a:schemeClr val="accent1">
-            <a:hueOff val="0"/>
-            <a:satOff val="0"/>
-            <a:lumOff val="0"/>
-            <a:alphaOff val="0"/>
-          </a:schemeClr>
-        </a:solidFill>
-        <a:ln w="12700" cap="flat" cmpd="sng" algn="ctr">
-          <a:solidFill>
-            <a:schemeClr val="lt1">
-              <a:hueOff val="0"/>
-              <a:satOff val="0"/>
-              <a:lumOff val="0"/>
-              <a:alphaOff val="0"/>
-            </a:schemeClr>
-          </a:solidFill>
-          <a:prstDash val="solid"/>
-          <a:miter lim="800000"/>
-        </a:ln>
-        <a:effectLst/>
-      </dsp:spPr>
-      <dsp:style>
-        <a:lnRef idx="2">
-          <a:scrgbClr r="0" g="0" b="0"/>
-        </a:lnRef>
-        <a:fillRef idx="1">
-          <a:scrgbClr r="0" g="0" b="0"/>
-        </a:fillRef>
-        <a:effectRef idx="0">
-          <a:scrgbClr r="0" g="0" b="0"/>
-        </a:effectRef>
-        <a:fontRef idx="minor">
-          <a:schemeClr val="lt1"/>
-        </a:fontRef>
-      </dsp:style>
-      <dsp:txBody>
-        <a:bodyPr spcFirstLastPara="0" vert="horz" wrap="square" lIns="41275" tIns="41275" rIns="41275" bIns="41275" numCol="1" spcCol="1270" anchor="ctr" anchorCtr="0">
-          <a:noAutofit/>
-        </a:bodyPr>
-        <a:lstStyle/>
-        <a:p>
-          <a:pPr lvl="0" algn="ctr" defTabSz="2889250">
-            <a:lnSpc>
-              <a:spcPct val="90000"/>
-            </a:lnSpc>
-            <a:spcBef>
-              <a:spcPct val="0"/>
-            </a:spcBef>
-            <a:spcAft>
-              <a:spcPct val="35000"/>
-            </a:spcAft>
-          </a:pPr>
-          <a:endParaRPr lang="en-US" sz="6500" kern="1200"/>
-        </a:p>
-      </dsp:txBody>
-      <dsp:txXfrm>
-        <a:off x="1438200" y="2115261"/>
-        <a:ext cx="2376289" cy="1188144"/>
-      </dsp:txXfrm>
-    </dsp:sp>
-  </dsp:spTree>
-</dsp:drawing>
-</file>
-
-<file path=ppt/diagrams/drawing2.xml><?xml version="1.0" encoding="utf-8"?>
 <dsp:drawing xmlns:dgm="http://schemas.openxmlformats.org/drawingml/2006/diagram" xmlns:dsp="http://schemas.microsoft.com/office/drawing/2008/diagram" xmlns:a="http://schemas.openxmlformats.org/drawingml/2006/main">
   <dsp:spTree>
     <dsp:nvGrpSpPr>
@@ -3444,12 +1726,12 @@
         </a:fontRef>
       </dsp:style>
       <dsp:txBody>
-        <a:bodyPr spcFirstLastPara="0" vert="horz" wrap="square" lIns="11430" tIns="11430" rIns="11430" bIns="11430" numCol="1" spcCol="1270" anchor="ctr" anchorCtr="0">
+        <a:bodyPr spcFirstLastPara="0" vert="horz" wrap="square" lIns="16510" tIns="16510" rIns="16510" bIns="16510" numCol="1" spcCol="1270" anchor="ctr" anchorCtr="0">
           <a:noAutofit/>
         </a:bodyPr>
         <a:lstStyle/>
         <a:p>
-          <a:pPr lvl="0" algn="ctr" defTabSz="800100">
+          <a:pPr lvl="0" algn="ctr" defTabSz="1155700">
             <a:lnSpc>
               <a:spcPct val="90000"/>
             </a:lnSpc>
@@ -3461,10 +1743,10 @@
             </a:spcAft>
           </a:pPr>
           <a:r>
-            <a:rPr lang="en-US" sz="1800" kern="1200" dirty="0" smtClean="0"/>
-            <a:t>Client App</a:t>
+            <a:rPr lang="ro-RO" sz="2600" kern="1200" dirty="0" smtClean="0"/>
+            <a:t>Aplicație Client</a:t>
           </a:r>
-          <a:endParaRPr lang="en-US" sz="1800" kern="1200" dirty="0"/>
+          <a:endParaRPr lang="en-US" sz="2600" kern="1200" dirty="0"/>
         </a:p>
       </dsp:txBody>
       <dsp:txXfrm>
@@ -3522,12 +1804,12 @@
         </a:fontRef>
       </dsp:style>
       <dsp:txBody>
-        <a:bodyPr spcFirstLastPara="0" vert="horz" wrap="square" lIns="11430" tIns="11430" rIns="11430" bIns="11430" numCol="1" spcCol="1270" anchor="ctr" anchorCtr="0">
+        <a:bodyPr spcFirstLastPara="0" vert="horz" wrap="square" lIns="16510" tIns="16510" rIns="16510" bIns="16510" numCol="1" spcCol="1270" anchor="ctr" anchorCtr="0">
           <a:noAutofit/>
         </a:bodyPr>
         <a:lstStyle/>
         <a:p>
-          <a:pPr lvl="0" algn="ctr" defTabSz="800100">
+          <a:pPr lvl="0" algn="ctr" defTabSz="1155700">
             <a:lnSpc>
               <a:spcPct val="90000"/>
             </a:lnSpc>
@@ -3539,10 +1821,10 @@
             </a:spcAft>
           </a:pPr>
           <a:r>
-            <a:rPr lang="en-US" sz="1800" kern="1200" dirty="0" smtClean="0"/>
-            <a:t>Server App &amp; Device Manager</a:t>
+            <a:rPr lang="ro-RO" sz="2600" kern="1200" dirty="0" smtClean="0"/>
+            <a:t>Aplicație Server</a:t>
           </a:r>
-          <a:endParaRPr lang="en-US" sz="1800" kern="1200" dirty="0"/>
+          <a:endParaRPr lang="en-US" sz="2600" kern="1200" dirty="0"/>
         </a:p>
       </dsp:txBody>
       <dsp:txXfrm>
@@ -3600,12 +1882,12 @@
         </a:fontRef>
       </dsp:style>
       <dsp:txBody>
-        <a:bodyPr spcFirstLastPara="0" vert="horz" wrap="square" lIns="11430" tIns="11430" rIns="11430" bIns="11430" numCol="1" spcCol="1270" anchor="ctr" anchorCtr="0">
+        <a:bodyPr spcFirstLastPara="0" vert="horz" wrap="square" lIns="16510" tIns="16510" rIns="16510" bIns="16510" numCol="1" spcCol="1270" anchor="ctr" anchorCtr="0">
           <a:noAutofit/>
         </a:bodyPr>
         <a:lstStyle/>
         <a:p>
-          <a:pPr lvl="0" algn="ctr" defTabSz="800100">
+          <a:pPr lvl="0" algn="ctr" defTabSz="1155700">
             <a:lnSpc>
               <a:spcPct val="90000"/>
             </a:lnSpc>
@@ -3617,10 +1899,14 @@
             </a:spcAft>
           </a:pPr>
           <a:r>
-            <a:rPr lang="en-US" sz="1800" kern="1200" dirty="0" smtClean="0"/>
-            <a:t>Device 1</a:t>
+            <a:rPr lang="ro-RO" sz="2600" kern="1200" dirty="0" smtClean="0"/>
+            <a:t>Dispozitiv </a:t>
           </a:r>
-          <a:endParaRPr lang="en-US" sz="1800" kern="1200" dirty="0"/>
+          <a:r>
+            <a:rPr lang="en-US" sz="2600" kern="1200" dirty="0" smtClean="0"/>
+            <a:t>1</a:t>
+          </a:r>
+          <a:endParaRPr lang="en-US" sz="2600" kern="1200" dirty="0"/>
         </a:p>
       </dsp:txBody>
       <dsp:txXfrm>
@@ -3678,12 +1964,12 @@
         </a:fontRef>
       </dsp:style>
       <dsp:txBody>
-        <a:bodyPr spcFirstLastPara="0" vert="horz" wrap="square" lIns="11430" tIns="11430" rIns="11430" bIns="11430" numCol="1" spcCol="1270" anchor="ctr" anchorCtr="0">
+        <a:bodyPr spcFirstLastPara="0" vert="horz" wrap="square" lIns="16510" tIns="16510" rIns="16510" bIns="16510" numCol="1" spcCol="1270" anchor="ctr" anchorCtr="0">
           <a:noAutofit/>
         </a:bodyPr>
         <a:lstStyle/>
         <a:p>
-          <a:pPr lvl="0" algn="ctr" defTabSz="800100">
+          <a:pPr lvl="0" algn="ctr" defTabSz="1155700">
             <a:lnSpc>
               <a:spcPct val="90000"/>
             </a:lnSpc>
@@ -3695,10 +1981,14 @@
             </a:spcAft>
           </a:pPr>
           <a:r>
-            <a:rPr lang="en-US" sz="1800" kern="1200" dirty="0" smtClean="0"/>
-            <a:t>Device …</a:t>
+            <a:rPr lang="ro-RO" sz="2600" kern="1200" dirty="0" smtClean="0"/>
+            <a:t>Dispozitiv </a:t>
           </a:r>
-          <a:endParaRPr lang="en-US" sz="1800" kern="1200" dirty="0"/>
+          <a:r>
+            <a:rPr lang="en-US" sz="2600" kern="1200" dirty="0" smtClean="0"/>
+            <a:t>…</a:t>
+          </a:r>
+          <a:endParaRPr lang="en-US" sz="2600" kern="1200" dirty="0"/>
         </a:p>
       </dsp:txBody>
       <dsp:txXfrm>
@@ -3756,12 +2046,12 @@
         </a:fontRef>
       </dsp:style>
       <dsp:txBody>
-        <a:bodyPr spcFirstLastPara="0" vert="horz" wrap="square" lIns="11430" tIns="11430" rIns="11430" bIns="11430" numCol="1" spcCol="1270" anchor="ctr" anchorCtr="0">
+        <a:bodyPr spcFirstLastPara="0" vert="horz" wrap="square" lIns="16510" tIns="16510" rIns="16510" bIns="16510" numCol="1" spcCol="1270" anchor="ctr" anchorCtr="0">
           <a:noAutofit/>
         </a:bodyPr>
         <a:lstStyle/>
         <a:p>
-          <a:pPr lvl="0" algn="ctr" defTabSz="800100">
+          <a:pPr lvl="0" algn="ctr" defTabSz="1155700">
             <a:lnSpc>
               <a:spcPct val="90000"/>
             </a:lnSpc>
@@ -3773,10 +2063,18 @@
             </a:spcAft>
           </a:pPr>
           <a:r>
-            <a:rPr lang="en-US" sz="1800" kern="1200" dirty="0" smtClean="0"/>
-            <a:t>Device n</a:t>
+            <a:rPr lang="ro-RO" sz="2600" kern="1200" dirty="0" smtClean="0"/>
+            <a:t>Dispozitiv</a:t>
           </a:r>
-          <a:endParaRPr lang="en-US" sz="1800" kern="1200" dirty="0"/>
+          <a:r>
+            <a:rPr lang="en-US" sz="2600" kern="1200" dirty="0" smtClean="0"/>
+            <a:t> </a:t>
+          </a:r>
+          <a:r>
+            <a:rPr lang="ro-RO" sz="2600" kern="1200" dirty="0" smtClean="0"/>
+            <a:t>2</a:t>
+          </a:r>
+          <a:endParaRPr lang="en-US" sz="2600" kern="1200" dirty="0"/>
         </a:p>
       </dsp:txBody>
       <dsp:txXfrm>
@@ -3789,1152 +2087,6 @@
 </file>
 
 <file path=ppt/diagrams/layout1.xml><?xml version="1.0" encoding="utf-8"?>
-<dgm:layoutDef xmlns:dgm="http://schemas.openxmlformats.org/drawingml/2006/diagram" xmlns:a="http://schemas.openxmlformats.org/drawingml/2006/main" uniqueId="urn:microsoft.com/office/officeart/2005/8/layout/orgChart1">
-  <dgm:title val=""/>
-  <dgm:desc val=""/>
-  <dgm:catLst>
-    <dgm:cat type="hierarchy" pri="1000"/>
-    <dgm:cat type="convert" pri="6000"/>
-  </dgm:catLst>
-  <dgm:sampData>
-    <dgm:dataModel>
-      <dgm:ptLst>
-        <dgm:pt modelId="0" type="doc"/>
-        <dgm:pt modelId="1">
-          <dgm:prSet phldr="1"/>
-        </dgm:pt>
-        <dgm:pt modelId="2" type="asst">
-          <dgm:prSet phldr="1"/>
-        </dgm:pt>
-        <dgm:pt modelId="3">
-          <dgm:prSet phldr="1"/>
-        </dgm:pt>
-        <dgm:pt modelId="4">
-          <dgm:prSet phldr="1"/>
-        </dgm:pt>
-        <dgm:pt modelId="5">
-          <dgm:prSet phldr="1"/>
-        </dgm:pt>
-      </dgm:ptLst>
-      <dgm:cxnLst>
-        <dgm:cxn modelId="5" srcId="0" destId="1" srcOrd="0" destOrd="0"/>
-        <dgm:cxn modelId="6" srcId="1" destId="2" srcOrd="0" destOrd="0"/>
-        <dgm:cxn modelId="7" srcId="1" destId="3" srcOrd="1" destOrd="0"/>
-        <dgm:cxn modelId="8" srcId="1" destId="4" srcOrd="2" destOrd="0"/>
-        <dgm:cxn modelId="9" srcId="1" destId="5" srcOrd="3" destOrd="0"/>
-      </dgm:cxnLst>
-      <dgm:bg/>
-      <dgm:whole/>
-    </dgm:dataModel>
-  </dgm:sampData>
-  <dgm:styleData>
-    <dgm:dataModel>
-      <dgm:ptLst>
-        <dgm:pt modelId="0" type="doc"/>
-        <dgm:pt modelId="1"/>
-        <dgm:pt modelId="12"/>
-        <dgm:pt modelId="13"/>
-      </dgm:ptLst>
-      <dgm:cxnLst>
-        <dgm:cxn modelId="2" srcId="0" destId="1" srcOrd="0" destOrd="0"/>
-        <dgm:cxn modelId="16" srcId="1" destId="12" srcOrd="1" destOrd="0"/>
-        <dgm:cxn modelId="17" srcId="1" destId="13" srcOrd="2" destOrd="0"/>
-      </dgm:cxnLst>
-      <dgm:bg/>
-      <dgm:whole/>
-    </dgm:dataModel>
-  </dgm:styleData>
-  <dgm:clrData>
-    <dgm:dataModel>
-      <dgm:ptLst>
-        <dgm:pt modelId="0" type="doc"/>
-        <dgm:pt modelId="1"/>
-        <dgm:pt modelId="11" type="asst"/>
-        <dgm:pt modelId="12"/>
-        <dgm:pt modelId="13"/>
-        <dgm:pt modelId="14"/>
-      </dgm:ptLst>
-      <dgm:cxnLst>
-        <dgm:cxn modelId="2" srcId="0" destId="1" srcOrd="0" destOrd="0"/>
-        <dgm:cxn modelId="15" srcId="1" destId="11" srcOrd="0" destOrd="0"/>
-        <dgm:cxn modelId="16" srcId="1" destId="12" srcOrd="1" destOrd="0"/>
-        <dgm:cxn modelId="17" srcId="1" destId="13" srcOrd="2" destOrd="0"/>
-        <dgm:cxn modelId="18" srcId="1" destId="14" srcOrd="2" destOrd="0"/>
-      </dgm:cxnLst>
-      <dgm:bg/>
-      <dgm:whole/>
-    </dgm:dataModel>
-  </dgm:clrData>
-  <dgm:layoutNode name="hierChild1">
-    <dgm:varLst>
-      <dgm:orgChart val="1"/>
-      <dgm:chPref val="1"/>
-      <dgm:dir/>
-      <dgm:animOne val="branch"/>
-      <dgm:animLvl val="lvl"/>
-      <dgm:resizeHandles/>
-    </dgm:varLst>
-    <dgm:choose name="Name0">
-      <dgm:if name="Name1" func="var" arg="dir" op="equ" val="norm">
-        <dgm:alg type="hierChild">
-          <dgm:param type="linDir" val="fromL"/>
-        </dgm:alg>
-      </dgm:if>
-      <dgm:else name="Name2">
-        <dgm:alg type="hierChild">
-          <dgm:param type="linDir" val="fromR"/>
-        </dgm:alg>
-      </dgm:else>
-    </dgm:choose>
-    <dgm:shape xmlns:r="http://schemas.openxmlformats.org/officeDocument/2006/relationships" r:blip="">
-      <dgm:adjLst/>
-    </dgm:shape>
-    <dgm:presOf/>
-    <dgm:constrLst>
-      <dgm:constr type="w" for="des" forName="rootComposite1" refType="w" fact="10"/>
-      <dgm:constr type="h" for="des" forName="rootComposite1" refType="w" refFor="des" refForName="rootComposite1" fact="0.5"/>
-      <dgm:constr type="w" for="des" forName="rootComposite" refType="w" fact="10"/>
-      <dgm:constr type="h" for="des" forName="rootComposite" refType="w" refFor="des" refForName="rootComposite1" fact="0.5"/>
-      <dgm:constr type="w" for="des" forName="rootComposite3" refType="w" fact="10"/>
-      <dgm:constr type="h" for="des" forName="rootComposite3" refType="w" refFor="des" refForName="rootComposite1" fact="0.5"/>
-      <dgm:constr type="primFontSz" for="des" ptType="node" op="equ"/>
-      <dgm:constr type="sp" for="des" op="equ"/>
-      <dgm:constr type="sp" for="des" forName="hierRoot1" refType="w" refFor="des" refForName="rootComposite1" fact="0.21"/>
-      <dgm:constr type="sp" for="des" forName="hierRoot2" refType="sp" refFor="des" refForName="hierRoot1"/>
-      <dgm:constr type="sp" for="des" forName="hierRoot3" refType="sp" refFor="des" refForName="hierRoot1"/>
-      <dgm:constr type="sibSp" refType="w" refFor="des" refForName="rootComposite1" fact="0.21"/>
-      <dgm:constr type="sibSp" for="des" forName="hierChild2" refType="sibSp"/>
-      <dgm:constr type="sibSp" for="des" forName="hierChild3" refType="sibSp"/>
-      <dgm:constr type="sibSp" for="des" forName="hierChild4" refType="sibSp"/>
-      <dgm:constr type="sibSp" for="des" forName="hierChild5" refType="sibSp"/>
-      <dgm:constr type="sibSp" for="des" forName="hierChild6" refType="sibSp"/>
-      <dgm:constr type="sibSp" for="des" forName="hierChild7" refType="sibSp"/>
-      <dgm:constr type="secSibSp" refType="w" refFor="des" refForName="rootComposite1" fact="0.21"/>
-      <dgm:constr type="secSibSp" for="des" forName="hierChild2" refType="secSibSp"/>
-      <dgm:constr type="secSibSp" for="des" forName="hierChild3" refType="secSibSp"/>
-      <dgm:constr type="secSibSp" for="des" forName="hierChild4" refType="secSibSp"/>
-      <dgm:constr type="secSibSp" for="des" forName="hierChild5" refType="secSibSp"/>
-      <dgm:constr type="secSibSp" for="des" forName="hierChild6" refType="secSibSp"/>
-      <dgm:constr type="secSibSp" for="des" forName="hierChild7" refType="secSibSp"/>
-    </dgm:constrLst>
-    <dgm:ruleLst/>
-    <dgm:forEach name="Name3" axis="ch">
-      <dgm:forEach name="Name4" axis="self" ptType="node">
-        <dgm:layoutNode name="hierRoot1">
-          <dgm:varLst>
-            <dgm:hierBranch val="init"/>
-          </dgm:varLst>
-          <dgm:choose name="Name5">
-            <dgm:if name="Name6" func="var" arg="hierBranch" op="equ" val="l">
-              <dgm:choose name="Name7">
-                <dgm:if name="Name8" axis="ch" ptType="asst" func="cnt" op="gte" val="1">
-                  <dgm:alg type="hierRoot">
-                    <dgm:param type="hierAlign" val="tR"/>
-                  </dgm:alg>
-                  <dgm:constrLst>
-                    <dgm:constr type="alignOff" val="0.65"/>
-                  </dgm:constrLst>
-                </dgm:if>
-                <dgm:else name="Name9">
-                  <dgm:alg type="hierRoot">
-                    <dgm:param type="hierAlign" val="tR"/>
-                  </dgm:alg>
-                  <dgm:constrLst>
-                    <dgm:constr type="alignOff" val="0.25"/>
-                  </dgm:constrLst>
-                </dgm:else>
-              </dgm:choose>
-            </dgm:if>
-            <dgm:if name="Name10" func="var" arg="hierBranch" op="equ" val="r">
-              <dgm:choose name="Name11">
-                <dgm:if name="Name12" axis="ch" ptType="asst" func="cnt" op="gte" val="1">
-                  <dgm:alg type="hierRoot">
-                    <dgm:param type="hierAlign" val="tL"/>
-                  </dgm:alg>
-                  <dgm:constrLst>
-                    <dgm:constr type="alignOff" val="0.65"/>
-                  </dgm:constrLst>
-                </dgm:if>
-                <dgm:else name="Name13">
-                  <dgm:alg type="hierRoot">
-                    <dgm:param type="hierAlign" val="tL"/>
-                  </dgm:alg>
-                  <dgm:constrLst>
-                    <dgm:constr type="alignOff" val="0.25"/>
-                  </dgm:constrLst>
-                </dgm:else>
-              </dgm:choose>
-            </dgm:if>
-            <dgm:if name="Name14" func="var" arg="hierBranch" op="equ" val="hang">
-              <dgm:alg type="hierRoot"/>
-              <dgm:constrLst>
-                <dgm:constr type="alignOff" val="0.65"/>
-              </dgm:constrLst>
-            </dgm:if>
-            <dgm:else name="Name15">
-              <dgm:alg type="hierRoot"/>
-              <dgm:constrLst>
-                <dgm:constr type="alignOff"/>
-                <dgm:constr type="bendDist" for="des" ptType="parTrans" refType="sp" fact="0.5"/>
-              </dgm:constrLst>
-            </dgm:else>
-          </dgm:choose>
-          <dgm:shape xmlns:r="http://schemas.openxmlformats.org/officeDocument/2006/relationships" r:blip="">
-            <dgm:adjLst/>
-          </dgm:shape>
-          <dgm:presOf/>
-          <dgm:ruleLst/>
-          <dgm:layoutNode name="rootComposite1">
-            <dgm:alg type="composite"/>
-            <dgm:shape xmlns:r="http://schemas.openxmlformats.org/officeDocument/2006/relationships" r:blip="">
-              <dgm:adjLst/>
-            </dgm:shape>
-            <dgm:presOf axis="self" ptType="node" cnt="1"/>
-            <dgm:choose name="Name16">
-              <dgm:if name="Name17" func="var" arg="hierBranch" op="equ" val="init">
-                <dgm:constrLst>
-                  <dgm:constr type="l" for="ch" forName="rootText1"/>
-                  <dgm:constr type="t" for="ch" forName="rootText1"/>
-                  <dgm:constr type="w" for="ch" forName="rootText1" refType="w"/>
-                  <dgm:constr type="h" for="ch" forName="rootText1" refType="h"/>
-                  <dgm:constr type="l" for="ch" forName="rootConnector1"/>
-                  <dgm:constr type="t" for="ch" forName="rootConnector1"/>
-                  <dgm:constr type="w" for="ch" forName="rootConnector1" refType="w" refFor="ch" refForName="rootText1" fact="0.2"/>
-                  <dgm:constr type="h" for="ch" forName="rootConnector1" refType="h" refFor="ch" refForName="rootText1"/>
-                </dgm:constrLst>
-              </dgm:if>
-              <dgm:if name="Name18" func="var" arg="hierBranch" op="equ" val="l">
-                <dgm:constrLst>
-                  <dgm:constr type="l" for="ch" forName="rootText1"/>
-                  <dgm:constr type="t" for="ch" forName="rootText1"/>
-                  <dgm:constr type="w" for="ch" forName="rootText1" refType="w"/>
-                  <dgm:constr type="h" for="ch" forName="rootText1" refType="h"/>
-                  <dgm:constr type="r" for="ch" forName="rootConnector1" refType="w"/>
-                  <dgm:constr type="t" for="ch" forName="rootConnector1"/>
-                  <dgm:constr type="w" for="ch" forName="rootConnector1" refType="w" refFor="ch" refForName="rootText1" fact="0.2"/>
-                  <dgm:constr type="h" for="ch" forName="rootConnector1" refType="h" refFor="ch" refForName="rootText1"/>
-                </dgm:constrLst>
-              </dgm:if>
-              <dgm:if name="Name19" func="var" arg="hierBranch" op="equ" val="r">
-                <dgm:constrLst>
-                  <dgm:constr type="l" for="ch" forName="rootText1"/>
-                  <dgm:constr type="t" for="ch" forName="rootText1"/>
-                  <dgm:constr type="w" for="ch" forName="rootText1" refType="w"/>
-                  <dgm:constr type="h" for="ch" forName="rootText1" refType="h"/>
-                  <dgm:constr type="l" for="ch" forName="rootConnector1"/>
-                  <dgm:constr type="t" for="ch" forName="rootConnector1"/>
-                  <dgm:constr type="w" for="ch" forName="rootConnector1" refType="w" refFor="ch" refForName="rootText1" fact="0.2"/>
-                  <dgm:constr type="h" for="ch" forName="rootConnector1" refType="h" refFor="ch" refForName="rootText1"/>
-                </dgm:constrLst>
-              </dgm:if>
-              <dgm:else name="Name20">
-                <dgm:constrLst>
-                  <dgm:constr type="l" for="ch" forName="rootText1"/>
-                  <dgm:constr type="t" for="ch" forName="rootText1"/>
-                  <dgm:constr type="w" for="ch" forName="rootText1" refType="w"/>
-                  <dgm:constr type="h" for="ch" forName="rootText1" refType="h"/>
-                  <dgm:constr type="r" for="ch" forName="rootConnector1" refType="w"/>
-                  <dgm:constr type="t" for="ch" forName="rootConnector1"/>
-                  <dgm:constr type="w" for="ch" forName="rootConnector1" refType="w" refFor="ch" refForName="rootText1" fact="0.2"/>
-                  <dgm:constr type="h" for="ch" forName="rootConnector1" refType="h" refFor="ch" refForName="rootText1"/>
-                </dgm:constrLst>
-              </dgm:else>
-            </dgm:choose>
-            <dgm:ruleLst/>
-            <dgm:layoutNode name="rootText1" styleLbl="node0">
-              <dgm:varLst>
-                <dgm:chPref val="3"/>
-              </dgm:varLst>
-              <dgm:alg type="tx"/>
-              <dgm:shape xmlns:r="http://schemas.openxmlformats.org/officeDocument/2006/relationships" type="rect" r:blip="">
-                <dgm:adjLst/>
-              </dgm:shape>
-              <dgm:presOf axis="self" ptType="node" cnt="1"/>
-              <dgm:constrLst>
-                <dgm:constr type="primFontSz" val="65"/>
-                <dgm:constr type="lMarg" refType="primFontSz" fact="0.05"/>
-                <dgm:constr type="rMarg" refType="primFontSz" fact="0.05"/>
-                <dgm:constr type="tMarg" refType="primFontSz" fact="0.05"/>
-                <dgm:constr type="bMarg" refType="primFontSz" fact="0.05"/>
-              </dgm:constrLst>
-              <dgm:ruleLst>
-                <dgm:rule type="primFontSz" val="5" fact="NaN" max="NaN"/>
-              </dgm:ruleLst>
-            </dgm:layoutNode>
-            <dgm:layoutNode name="rootConnector1" moveWith="rootText1">
-              <dgm:alg type="sp"/>
-              <dgm:shape xmlns:r="http://schemas.openxmlformats.org/officeDocument/2006/relationships" type="rect" r:blip="" hideGeom="1">
-                <dgm:adjLst/>
-              </dgm:shape>
-              <dgm:presOf axis="self" ptType="node" cnt="1"/>
-              <dgm:constrLst/>
-              <dgm:ruleLst/>
-            </dgm:layoutNode>
-          </dgm:layoutNode>
-          <dgm:layoutNode name="hierChild2">
-            <dgm:choose name="Name21">
-              <dgm:if name="Name22" func="var" arg="hierBranch" op="equ" val="l">
-                <dgm:alg type="hierChild">
-                  <dgm:param type="chAlign" val="r"/>
-                  <dgm:param type="linDir" val="fromT"/>
-                </dgm:alg>
-              </dgm:if>
-              <dgm:if name="Name23" func="var" arg="hierBranch" op="equ" val="r">
-                <dgm:alg type="hierChild">
-                  <dgm:param type="chAlign" val="l"/>
-                  <dgm:param type="linDir" val="fromT"/>
-                </dgm:alg>
-              </dgm:if>
-              <dgm:if name="Name24" func="var" arg="hierBranch" op="equ" val="hang">
-                <dgm:choose name="Name25">
-                  <dgm:if name="Name26" func="var" arg="dir" op="equ" val="norm">
-                    <dgm:alg type="hierChild">
-                      <dgm:param type="chAlign" val="l"/>
-                      <dgm:param type="linDir" val="fromL"/>
-                      <dgm:param type="secChAlign" val="t"/>
-                      <dgm:param type="secLinDir" val="fromT"/>
-                    </dgm:alg>
-                  </dgm:if>
-                  <dgm:else name="Name27">
-                    <dgm:alg type="hierChild">
-                      <dgm:param type="chAlign" val="l"/>
-                      <dgm:param type="linDir" val="fromR"/>
-                      <dgm:param type="secChAlign" val="t"/>
-                      <dgm:param type="secLinDir" val="fromT"/>
-                    </dgm:alg>
-                  </dgm:else>
-                </dgm:choose>
-              </dgm:if>
-              <dgm:else name="Name28">
-                <dgm:choose name="Name29">
-                  <dgm:if name="Name30" func="var" arg="dir" op="equ" val="norm">
-                    <dgm:alg type="hierChild"/>
-                  </dgm:if>
-                  <dgm:else name="Name31">
-                    <dgm:alg type="hierChild">
-                      <dgm:param type="linDir" val="fromR"/>
-                    </dgm:alg>
-                  </dgm:else>
-                </dgm:choose>
-              </dgm:else>
-            </dgm:choose>
-            <dgm:shape xmlns:r="http://schemas.openxmlformats.org/officeDocument/2006/relationships" r:blip="">
-              <dgm:adjLst/>
-            </dgm:shape>
-            <dgm:presOf/>
-            <dgm:constrLst/>
-            <dgm:ruleLst/>
-            <dgm:forEach name="rep2a" axis="ch" ptType="nonAsst">
-              <dgm:forEach name="Name32" axis="precedSib" ptType="parTrans" st="-1" cnt="1">
-                <dgm:choose name="Name33">
-                  <dgm:if name="Name34" func="var" arg="hierBranch" op="equ" val="std">
-                    <dgm:layoutNode name="Name35">
-                      <dgm:alg type="conn">
-                        <dgm:param type="connRout" val="bend"/>
-                        <dgm:param type="dim" val="1D"/>
-                        <dgm:param type="endSty" val="noArr"/>
-                        <dgm:param type="begPts" val="bCtr"/>
-                        <dgm:param type="endPts" val="tCtr"/>
-                        <dgm:param type="bendPt" val="end"/>
-                      </dgm:alg>
-                      <dgm:shape xmlns:r="http://schemas.openxmlformats.org/officeDocument/2006/relationships" type="conn" r:blip="" zOrderOff="-99999">
-                        <dgm:adjLst/>
-                      </dgm:shape>
-                      <dgm:presOf axis="self"/>
-                      <dgm:constrLst>
-                        <dgm:constr type="begPad"/>
-                        <dgm:constr type="endPad"/>
-                      </dgm:constrLst>
-                      <dgm:ruleLst/>
-                    </dgm:layoutNode>
-                  </dgm:if>
-                  <dgm:if name="Name36" func="var" arg="hierBranch" op="equ" val="init">
-                    <dgm:layoutNode name="Name37">
-                      <dgm:choose name="Name38">
-                        <dgm:if name="Name39" axis="self" func="depth" op="lte" val="2">
-                          <dgm:alg type="conn">
-                            <dgm:param type="connRout" val="bend"/>
-                            <dgm:param type="dim" val="1D"/>
-                            <dgm:param type="endSty" val="noArr"/>
-                            <dgm:param type="begPts" val="bCtr"/>
-                            <dgm:param type="endPts" val="tCtr"/>
-                            <dgm:param type="bendPt" val="end"/>
-                          </dgm:alg>
-                        </dgm:if>
-                        <dgm:else name="Name40">
-                          <dgm:choose name="Name41">
-                            <dgm:if name="Name42" axis="par des" func="maxDepth" op="lte" val="1">
-                              <dgm:choose name="Name43">
-                                <dgm:if name="Name44" axis="par ch" ptType="node asst" func="cnt" op="gte" val="1">
-                                  <dgm:alg type="conn">
-                                    <dgm:param type="connRout" val="bend"/>
-                                    <dgm:param type="dim" val="1D"/>
-                                    <dgm:param type="endSty" val="noArr"/>
-                                    <dgm:param type="begPts" val="bCtr"/>
-                                    <dgm:param type="endPts" val="midL midR"/>
-                                  </dgm:alg>
-                                </dgm:if>
-                                <dgm:else name="Name45">
-                                  <dgm:alg type="conn">
-                                    <dgm:param type="connRout" val="bend"/>
-                                    <dgm:param type="dim" val="1D"/>
-                                    <dgm:param type="endSty" val="noArr"/>
-                                    <dgm:param type="begPts" val="bCtr"/>
-                                    <dgm:param type="endPts" val="midL midR"/>
-                                    <dgm:param type="srcNode" val="rootConnector"/>
-                                  </dgm:alg>
-                                </dgm:else>
-                              </dgm:choose>
-                            </dgm:if>
-                            <dgm:else name="Name46">
-                              <dgm:alg type="conn">
-                                <dgm:param type="connRout" val="bend"/>
-                                <dgm:param type="dim" val="1D"/>
-                                <dgm:param type="endSty" val="noArr"/>
-                                <dgm:param type="begPts" val="bCtr"/>
-                                <dgm:param type="endPts" val="tCtr"/>
-                                <dgm:param type="bendPt" val="end"/>
-                              </dgm:alg>
-                            </dgm:else>
-                          </dgm:choose>
-                        </dgm:else>
-                      </dgm:choose>
-                      <dgm:shape xmlns:r="http://schemas.openxmlformats.org/officeDocument/2006/relationships" type="conn" r:blip="" zOrderOff="-99999">
-                        <dgm:adjLst/>
-                      </dgm:shape>
-                      <dgm:presOf axis="self"/>
-                      <dgm:constrLst>
-                        <dgm:constr type="begPad"/>
-                        <dgm:constr type="endPad"/>
-                      </dgm:constrLst>
-                      <dgm:ruleLst/>
-                    </dgm:layoutNode>
-                  </dgm:if>
-                  <dgm:if name="Name47" func="var" arg="hierBranch" op="equ" val="hang">
-                    <dgm:layoutNode name="Name48">
-                      <dgm:alg type="conn">
-                        <dgm:param type="connRout" val="bend"/>
-                        <dgm:param type="dim" val="1D"/>
-                        <dgm:param type="endSty" val="noArr"/>
-                        <dgm:param type="begPts" val="bCtr"/>
-                        <dgm:param type="endPts" val="midL midR"/>
-                      </dgm:alg>
-                      <dgm:shape xmlns:r="http://schemas.openxmlformats.org/officeDocument/2006/relationships" type="conn" r:blip="" zOrderOff="-99999">
-                        <dgm:adjLst/>
-                      </dgm:shape>
-                      <dgm:presOf axis="self"/>
-                      <dgm:constrLst>
-                        <dgm:constr type="begPad"/>
-                        <dgm:constr type="endPad"/>
-                      </dgm:constrLst>
-                      <dgm:ruleLst/>
-                    </dgm:layoutNode>
-                  </dgm:if>
-                  <dgm:else name="Name49">
-                    <dgm:layoutNode name="Name50">
-                      <dgm:choose name="Name51">
-                        <dgm:if name="Name52" axis="self" func="depth" op="lte" val="2">
-                          <dgm:choose name="Name53">
-                            <dgm:if name="Name54" axis="par ch" ptType="node asst" func="cnt" op="gte" val="1">
-                              <dgm:alg type="conn">
-                                <dgm:param type="connRout" val="bend"/>
-                                <dgm:param type="dim" val="1D"/>
-                                <dgm:param type="endSty" val="noArr"/>
-                                <dgm:param type="begPts" val="bCtr"/>
-                                <dgm:param type="endPts" val="midL midR"/>
-                              </dgm:alg>
-                            </dgm:if>
-                            <dgm:else name="Name55">
-                              <dgm:alg type="conn">
-                                <dgm:param type="connRout" val="bend"/>
-                                <dgm:param type="dim" val="1D"/>
-                                <dgm:param type="endSty" val="noArr"/>
-                                <dgm:param type="begPts" val="bCtr"/>
-                                <dgm:param type="endPts" val="midL midR"/>
-                                <dgm:param type="srcNode" val="rootConnector1"/>
-                              </dgm:alg>
-                            </dgm:else>
-                          </dgm:choose>
-                        </dgm:if>
-                        <dgm:else name="Name56">
-                          <dgm:choose name="Name57">
-                            <dgm:if name="Name58" axis="par ch" ptType="node asst" func="cnt" op="gte" val="1">
-                              <dgm:alg type="conn">
-                                <dgm:param type="connRout" val="bend"/>
-                                <dgm:param type="dim" val="1D"/>
-                                <dgm:param type="endSty" val="noArr"/>
-                                <dgm:param type="begPts" val="bCtr"/>
-                                <dgm:param type="endPts" val="midL midR"/>
-                              </dgm:alg>
-                            </dgm:if>
-                            <dgm:else name="Name59">
-                              <dgm:alg type="conn">
-                                <dgm:param type="connRout" val="bend"/>
-                                <dgm:param type="dim" val="1D"/>
-                                <dgm:param type="endSty" val="noArr"/>
-                                <dgm:param type="begPts" val="bCtr"/>
-                                <dgm:param type="endPts" val="midL midR"/>
-                                <dgm:param type="srcNode" val="rootConnector"/>
-                              </dgm:alg>
-                            </dgm:else>
-                          </dgm:choose>
-                        </dgm:else>
-                      </dgm:choose>
-                      <dgm:shape xmlns:r="http://schemas.openxmlformats.org/officeDocument/2006/relationships" type="conn" r:blip="" zOrderOff="-99999">
-                        <dgm:adjLst/>
-                      </dgm:shape>
-                      <dgm:presOf axis="self"/>
-                      <dgm:constrLst>
-                        <dgm:constr type="begPad"/>
-                        <dgm:constr type="endPad"/>
-                      </dgm:constrLst>
-                      <dgm:ruleLst/>
-                    </dgm:layoutNode>
-                  </dgm:else>
-                </dgm:choose>
-              </dgm:forEach>
-              <dgm:layoutNode name="hierRoot2">
-                <dgm:varLst>
-                  <dgm:hierBranch val="init"/>
-                </dgm:varLst>
-                <dgm:choose name="Name60">
-                  <dgm:if name="Name61" func="var" arg="hierBranch" op="equ" val="l">
-                    <dgm:choose name="Name62">
-                      <dgm:if name="Name63" axis="ch" ptType="asst" func="cnt" op="gte" val="1">
-                        <dgm:alg type="hierRoot">
-                          <dgm:param type="hierAlign" val="tR"/>
-                        </dgm:alg>
-                        <dgm:shape xmlns:r="http://schemas.openxmlformats.org/officeDocument/2006/relationships" r:blip="">
-                          <dgm:adjLst/>
-                        </dgm:shape>
-                        <dgm:presOf/>
-                        <dgm:constrLst>
-                          <dgm:constr type="alignOff" val="0.65"/>
-                        </dgm:constrLst>
-                      </dgm:if>
-                      <dgm:else name="Name64">
-                        <dgm:alg type="hierRoot">
-                          <dgm:param type="hierAlign" val="tR"/>
-                        </dgm:alg>
-                        <dgm:shape xmlns:r="http://schemas.openxmlformats.org/officeDocument/2006/relationships" r:blip="">
-                          <dgm:adjLst/>
-                        </dgm:shape>
-                        <dgm:presOf/>
-                        <dgm:constrLst>
-                          <dgm:constr type="alignOff" val="0.25"/>
-                        </dgm:constrLst>
-                      </dgm:else>
-                    </dgm:choose>
-                  </dgm:if>
-                  <dgm:if name="Name65" func="var" arg="hierBranch" op="equ" val="r">
-                    <dgm:choose name="Name66">
-                      <dgm:if name="Name67" axis="ch" ptType="asst" func="cnt" op="gte" val="1">
-                        <dgm:alg type="hierRoot">
-                          <dgm:param type="hierAlign" val="tL"/>
-                        </dgm:alg>
-                        <dgm:shape xmlns:r="http://schemas.openxmlformats.org/officeDocument/2006/relationships" r:blip="">
-                          <dgm:adjLst/>
-                        </dgm:shape>
-                        <dgm:presOf/>
-                        <dgm:constrLst>
-                          <dgm:constr type="alignOff" val="0.65"/>
-                        </dgm:constrLst>
-                      </dgm:if>
-                      <dgm:else name="Name68">
-                        <dgm:alg type="hierRoot">
-                          <dgm:param type="hierAlign" val="tL"/>
-                        </dgm:alg>
-                        <dgm:shape xmlns:r="http://schemas.openxmlformats.org/officeDocument/2006/relationships" r:blip="">
-                          <dgm:adjLst/>
-                        </dgm:shape>
-                        <dgm:presOf/>
-                        <dgm:constrLst>
-                          <dgm:constr type="alignOff" val="0.25"/>
-                        </dgm:constrLst>
-                      </dgm:else>
-                    </dgm:choose>
-                  </dgm:if>
-                  <dgm:if name="Name69" func="var" arg="hierBranch" op="equ" val="std">
-                    <dgm:alg type="hierRoot"/>
-                    <dgm:shape xmlns:r="http://schemas.openxmlformats.org/officeDocument/2006/relationships" r:blip="">
-                      <dgm:adjLst/>
-                    </dgm:shape>
-                    <dgm:presOf/>
-                    <dgm:constrLst>
-                      <dgm:constr type="alignOff"/>
-                      <dgm:constr type="bendDist" for="des" ptType="parTrans" refType="sp" fact="0.5"/>
-                    </dgm:constrLst>
-                  </dgm:if>
-                  <dgm:if name="Name70" func="var" arg="hierBranch" op="equ" val="init">
-                    <dgm:choose name="Name71">
-                      <dgm:if name="Name72" axis="des" func="maxDepth" op="lte" val="1">
-                        <dgm:choose name="Name73">
-                          <dgm:if name="Name74" axis="ch" ptType="asst" func="cnt" op="gte" val="1">
-                            <dgm:alg type="hierRoot">
-                              <dgm:param type="hierAlign" val="tL"/>
-                            </dgm:alg>
-                            <dgm:shape xmlns:r="http://schemas.openxmlformats.org/officeDocument/2006/relationships" r:blip="">
-                              <dgm:adjLst/>
-                            </dgm:shape>
-                            <dgm:presOf/>
-                            <dgm:constrLst>
-                              <dgm:constr type="alignOff" val="0.65"/>
-                            </dgm:constrLst>
-                          </dgm:if>
-                          <dgm:else name="Name75">
-                            <dgm:alg type="hierRoot">
-                              <dgm:param type="hierAlign" val="tL"/>
-                            </dgm:alg>
-                            <dgm:shape xmlns:r="http://schemas.openxmlformats.org/officeDocument/2006/relationships" r:blip="">
-                              <dgm:adjLst/>
-                            </dgm:shape>
-                            <dgm:presOf/>
-                            <dgm:constrLst>
-                              <dgm:constr type="alignOff" val="0.25"/>
-                            </dgm:constrLst>
-                          </dgm:else>
-                        </dgm:choose>
-                      </dgm:if>
-                      <dgm:else name="Name76">
-                        <dgm:alg type="hierRoot"/>
-                        <dgm:shape xmlns:r="http://schemas.openxmlformats.org/officeDocument/2006/relationships" r:blip="">
-                          <dgm:adjLst/>
-                        </dgm:shape>
-                        <dgm:presOf/>
-                        <dgm:constrLst>
-                          <dgm:constr type="alignOff"/>
-                          <dgm:constr type="bendDist" for="des" ptType="parTrans" refType="sp" fact="0.5"/>
-                        </dgm:constrLst>
-                      </dgm:else>
-                    </dgm:choose>
-                  </dgm:if>
-                  <dgm:else name="Name77">
-                    <dgm:alg type="hierRoot"/>
-                    <dgm:shape xmlns:r="http://schemas.openxmlformats.org/officeDocument/2006/relationships" r:blip="">
-                      <dgm:adjLst/>
-                    </dgm:shape>
-                    <dgm:presOf/>
-                    <dgm:constrLst>
-                      <dgm:constr type="alignOff" val="0.65"/>
-                    </dgm:constrLst>
-                  </dgm:else>
-                </dgm:choose>
-                <dgm:ruleLst/>
-                <dgm:layoutNode name="rootComposite">
-                  <dgm:alg type="composite"/>
-                  <dgm:shape xmlns:r="http://schemas.openxmlformats.org/officeDocument/2006/relationships" r:blip="">
-                    <dgm:adjLst/>
-                  </dgm:shape>
-                  <dgm:presOf axis="self" ptType="node" cnt="1"/>
-                  <dgm:choose name="Name78">
-                    <dgm:if name="Name79" func="var" arg="hierBranch" op="equ" val="init">
-                      <dgm:constrLst>
-                        <dgm:constr type="l" for="ch" forName="rootText"/>
-                        <dgm:constr type="t" for="ch" forName="rootText"/>
-                        <dgm:constr type="w" for="ch" forName="rootText" refType="w"/>
-                        <dgm:constr type="h" for="ch" forName="rootText" refType="h"/>
-                        <dgm:constr type="l" for="ch" forName="rootConnector"/>
-                        <dgm:constr type="t" for="ch" forName="rootConnector"/>
-                        <dgm:constr type="w" for="ch" forName="rootConnector" refType="w" refFor="ch" refForName="rootText" fact="0.2"/>
-                        <dgm:constr type="h" for="ch" forName="rootConnector" refType="h" refFor="ch" refForName="rootText"/>
-                      </dgm:constrLst>
-                    </dgm:if>
-                    <dgm:if name="Name80" func="var" arg="hierBranch" op="equ" val="l">
-                      <dgm:constrLst>
-                        <dgm:constr type="l" for="ch" forName="rootText"/>
-                        <dgm:constr type="t" for="ch" forName="rootText"/>
-                        <dgm:constr type="w" for="ch" forName="rootText" refType="w"/>
-                        <dgm:constr type="h" for="ch" forName="rootText" refType="h"/>
-                        <dgm:constr type="r" for="ch" forName="rootConnector" refType="w"/>
-                        <dgm:constr type="t" for="ch" forName="rootConnector"/>
-                        <dgm:constr type="w" for="ch" forName="rootConnector" refType="w" refFor="ch" refForName="rootText" fact="0.2"/>
-                        <dgm:constr type="h" for="ch" forName="rootConnector" refType="h" refFor="ch" refForName="rootText"/>
-                      </dgm:constrLst>
-                    </dgm:if>
-                    <dgm:if name="Name81" func="var" arg="hierBranch" op="equ" val="r">
-                      <dgm:constrLst>
-                        <dgm:constr type="l" for="ch" forName="rootText"/>
-                        <dgm:constr type="t" for="ch" forName="rootText"/>
-                        <dgm:constr type="w" for="ch" forName="rootText" refType="w"/>
-                        <dgm:constr type="h" for="ch" forName="rootText" refType="h"/>
-                        <dgm:constr type="l" for="ch" forName="rootConnector"/>
-                        <dgm:constr type="t" for="ch" forName="rootConnector"/>
-                        <dgm:constr type="w" for="ch" forName="rootConnector" refType="w" refFor="ch" refForName="rootText" fact="0.2"/>
-                        <dgm:constr type="h" for="ch" forName="rootConnector" refType="h" refFor="ch" refForName="rootText"/>
-                      </dgm:constrLst>
-                    </dgm:if>
-                    <dgm:else name="Name82">
-                      <dgm:constrLst>
-                        <dgm:constr type="l" for="ch" forName="rootText"/>
-                        <dgm:constr type="t" for="ch" forName="rootText"/>
-                        <dgm:constr type="w" for="ch" forName="rootText" refType="w"/>
-                        <dgm:constr type="h" for="ch" forName="rootText" refType="h"/>
-                        <dgm:constr type="r" for="ch" forName="rootConnector" refType="w"/>
-                        <dgm:constr type="t" for="ch" forName="rootConnector"/>
-                        <dgm:constr type="w" for="ch" forName="rootConnector" refType="w" refFor="ch" refForName="rootText" fact="0.2"/>
-                        <dgm:constr type="h" for="ch" forName="rootConnector" refType="h" refFor="ch" refForName="rootText"/>
-                      </dgm:constrLst>
-                    </dgm:else>
-                  </dgm:choose>
-                  <dgm:ruleLst/>
-                  <dgm:layoutNode name="rootText">
-                    <dgm:varLst>
-                      <dgm:chPref val="3"/>
-                    </dgm:varLst>
-                    <dgm:alg type="tx"/>
-                    <dgm:shape xmlns:r="http://schemas.openxmlformats.org/officeDocument/2006/relationships" type="rect" r:blip="">
-                      <dgm:adjLst/>
-                    </dgm:shape>
-                    <dgm:presOf axis="self" ptType="node" cnt="1"/>
-                    <dgm:constrLst>
-                      <dgm:constr type="primFontSz" val="65"/>
-                      <dgm:constr type="lMarg" refType="primFontSz" fact="0.05"/>
-                      <dgm:constr type="rMarg" refType="primFontSz" fact="0.05"/>
-                      <dgm:constr type="tMarg" refType="primFontSz" fact="0.05"/>
-                      <dgm:constr type="bMarg" refType="primFontSz" fact="0.05"/>
-                    </dgm:constrLst>
-                    <dgm:ruleLst>
-                      <dgm:rule type="primFontSz" val="5" fact="NaN" max="NaN"/>
-                    </dgm:ruleLst>
-                  </dgm:layoutNode>
-                  <dgm:layoutNode name="rootConnector" moveWith="rootText">
-                    <dgm:alg type="sp"/>
-                    <dgm:shape xmlns:r="http://schemas.openxmlformats.org/officeDocument/2006/relationships" type="rect" r:blip="" hideGeom="1">
-                      <dgm:adjLst/>
-                    </dgm:shape>
-                    <dgm:presOf axis="self" ptType="node" cnt="1"/>
-                    <dgm:constrLst/>
-                    <dgm:ruleLst/>
-                  </dgm:layoutNode>
-                </dgm:layoutNode>
-                <dgm:layoutNode name="hierChild4">
-                  <dgm:choose name="Name83">
-                    <dgm:if name="Name84" func="var" arg="hierBranch" op="equ" val="l">
-                      <dgm:alg type="hierChild">
-                        <dgm:param type="chAlign" val="r"/>
-                        <dgm:param type="linDir" val="fromT"/>
-                      </dgm:alg>
-                    </dgm:if>
-                    <dgm:if name="Name85" func="var" arg="hierBranch" op="equ" val="r">
-                      <dgm:alg type="hierChild">
-                        <dgm:param type="chAlign" val="l"/>
-                        <dgm:param type="linDir" val="fromT"/>
-                      </dgm:alg>
-                    </dgm:if>
-                    <dgm:if name="Name86" func="var" arg="hierBranch" op="equ" val="hang">
-                      <dgm:choose name="Name87">
-                        <dgm:if name="Name88" func="var" arg="dir" op="equ" val="norm">
-                          <dgm:alg type="hierChild">
-                            <dgm:param type="chAlign" val="l"/>
-                            <dgm:param type="linDir" val="fromL"/>
-                            <dgm:param type="secChAlign" val="t"/>
-                            <dgm:param type="secLinDir" val="fromT"/>
-                          </dgm:alg>
-                        </dgm:if>
-                        <dgm:else name="Name89">
-                          <dgm:alg type="hierChild">
-                            <dgm:param type="chAlign" val="l"/>
-                            <dgm:param type="linDir" val="fromR"/>
-                            <dgm:param type="secChAlign" val="t"/>
-                            <dgm:param type="secLinDir" val="fromT"/>
-                          </dgm:alg>
-                        </dgm:else>
-                      </dgm:choose>
-                    </dgm:if>
-                    <dgm:if name="Name90" func="var" arg="hierBranch" op="equ" val="std">
-                      <dgm:choose name="Name91">
-                        <dgm:if name="Name92" func="var" arg="dir" op="equ" val="norm">
-                          <dgm:alg type="hierChild"/>
-                        </dgm:if>
-                        <dgm:else name="Name93">
-                          <dgm:alg type="hierChild">
-                            <dgm:param type="linDir" val="fromR"/>
-                          </dgm:alg>
-                        </dgm:else>
-                      </dgm:choose>
-                    </dgm:if>
-                    <dgm:if name="Name94" func="var" arg="hierBranch" op="equ" val="init">
-                      <dgm:choose name="Name95">
-                        <dgm:if name="Name96" axis="des" func="maxDepth" op="lte" val="1">
-                          <dgm:alg type="hierChild">
-                            <dgm:param type="chAlign" val="l"/>
-                            <dgm:param type="linDir" val="fromT"/>
-                          </dgm:alg>
-                        </dgm:if>
-                        <dgm:else name="Name97">
-                          <dgm:choose name="Name98">
-                            <dgm:if name="Name99" func="var" arg="dir" op="equ" val="norm">
-                              <dgm:alg type="hierChild"/>
-                            </dgm:if>
-                            <dgm:else name="Name100">
-                              <dgm:alg type="hierChild">
-                                <dgm:param type="linDir" val="fromR"/>
-                              </dgm:alg>
-                            </dgm:else>
-                          </dgm:choose>
-                        </dgm:else>
-                      </dgm:choose>
-                    </dgm:if>
-                    <dgm:else name="Name101"/>
-                  </dgm:choose>
-                  <dgm:shape xmlns:r="http://schemas.openxmlformats.org/officeDocument/2006/relationships" r:blip="">
-                    <dgm:adjLst/>
-                  </dgm:shape>
-                  <dgm:presOf/>
-                  <dgm:constrLst/>
-                  <dgm:ruleLst/>
-                  <dgm:forEach name="Name102" ref="rep2a"/>
-                </dgm:layoutNode>
-                <dgm:layoutNode name="hierChild5">
-                  <dgm:choose name="Name103">
-                    <dgm:if name="Name104" func="var" arg="dir" op="equ" val="norm">
-                      <dgm:alg type="hierChild">
-                        <dgm:param type="chAlign" val="l"/>
-                        <dgm:param type="linDir" val="fromL"/>
-                        <dgm:param type="secChAlign" val="t"/>
-                        <dgm:param type="secLinDir" val="fromT"/>
-                      </dgm:alg>
-                    </dgm:if>
-                    <dgm:else name="Name105">
-                      <dgm:alg type="hierChild">
-                        <dgm:param type="chAlign" val="l"/>
-                        <dgm:param type="linDir" val="fromR"/>
-                        <dgm:param type="secChAlign" val="t"/>
-                        <dgm:param type="secLinDir" val="fromT"/>
-                      </dgm:alg>
-                    </dgm:else>
-                  </dgm:choose>
-                  <dgm:shape xmlns:r="http://schemas.openxmlformats.org/officeDocument/2006/relationships" r:blip="">
-                    <dgm:adjLst/>
-                  </dgm:shape>
-                  <dgm:presOf/>
-                  <dgm:constrLst/>
-                  <dgm:ruleLst/>
-                  <dgm:forEach name="Name106" ref="rep2b"/>
-                </dgm:layoutNode>
-              </dgm:layoutNode>
-            </dgm:forEach>
-          </dgm:layoutNode>
-          <dgm:layoutNode name="hierChild3">
-            <dgm:choose name="Name107">
-              <dgm:if name="Name108" func="var" arg="dir" op="equ" val="norm">
-                <dgm:alg type="hierChild">
-                  <dgm:param type="chAlign" val="l"/>
-                  <dgm:param type="linDir" val="fromL"/>
-                  <dgm:param type="secChAlign" val="t"/>
-                  <dgm:param type="secLinDir" val="fromT"/>
-                </dgm:alg>
-              </dgm:if>
-              <dgm:else name="Name109">
-                <dgm:alg type="hierChild">
-                  <dgm:param type="chAlign" val="l"/>
-                  <dgm:param type="linDir" val="fromR"/>
-                  <dgm:param type="secChAlign" val="t"/>
-                  <dgm:param type="secLinDir" val="fromT"/>
-                </dgm:alg>
-              </dgm:else>
-            </dgm:choose>
-            <dgm:shape xmlns:r="http://schemas.openxmlformats.org/officeDocument/2006/relationships" r:blip="">
-              <dgm:adjLst/>
-            </dgm:shape>
-            <dgm:presOf/>
-            <dgm:constrLst/>
-            <dgm:ruleLst/>
-            <dgm:forEach name="rep2b" axis="ch" ptType="asst">
-              <dgm:forEach name="Name110" axis="precedSib" ptType="parTrans" st="-1" cnt="1">
-                <dgm:layoutNode name="Name111">
-                  <dgm:alg type="conn">
-                    <dgm:param type="connRout" val="bend"/>
-                    <dgm:param type="dim" val="1D"/>
-                    <dgm:param type="endSty" val="noArr"/>
-                    <dgm:param type="begPts" val="bCtr"/>
-                    <dgm:param type="endPts" val="midL midR"/>
-                  </dgm:alg>
-                  <dgm:shape xmlns:r="http://schemas.openxmlformats.org/officeDocument/2006/relationships" type="conn" r:blip="" zOrderOff="-99999">
-                    <dgm:adjLst/>
-                  </dgm:shape>
-                  <dgm:presOf axis="self"/>
-                  <dgm:constrLst>
-                    <dgm:constr type="begPad"/>
-                    <dgm:constr type="endPad"/>
-                  </dgm:constrLst>
-                  <dgm:ruleLst/>
-                </dgm:layoutNode>
-              </dgm:forEach>
-              <dgm:layoutNode name="hierRoot3">
-                <dgm:varLst>
-                  <dgm:hierBranch val="init"/>
-                </dgm:varLst>
-                <dgm:choose name="Name112">
-                  <dgm:if name="Name113" func="var" arg="hierBranch" op="equ" val="l">
-                    <dgm:alg type="hierRoot">
-                      <dgm:param type="hierAlign" val="tR"/>
-                    </dgm:alg>
-                    <dgm:shape xmlns:r="http://schemas.openxmlformats.org/officeDocument/2006/relationships" r:blip="">
-                      <dgm:adjLst/>
-                    </dgm:shape>
-                    <dgm:presOf/>
-                    <dgm:constrLst>
-                      <dgm:constr type="alignOff" val="0.65"/>
-                    </dgm:constrLst>
-                  </dgm:if>
-                  <dgm:if name="Name114" func="var" arg="hierBranch" op="equ" val="r">
-                    <dgm:alg type="hierRoot">
-                      <dgm:param type="hierAlign" val="tL"/>
-                    </dgm:alg>
-                    <dgm:shape xmlns:r="http://schemas.openxmlformats.org/officeDocument/2006/relationships" r:blip="">
-                      <dgm:adjLst/>
-                    </dgm:shape>
-                    <dgm:presOf/>
-                    <dgm:constrLst>
-                      <dgm:constr type="alignOff" val="0.65"/>
-                    </dgm:constrLst>
-                  </dgm:if>
-                  <dgm:if name="Name115" func="var" arg="hierBranch" op="equ" val="hang">
-                    <dgm:alg type="hierRoot"/>
-                    <dgm:shape xmlns:r="http://schemas.openxmlformats.org/officeDocument/2006/relationships" r:blip="">
-                      <dgm:adjLst/>
-                    </dgm:shape>
-                    <dgm:presOf/>
-                    <dgm:constrLst>
-                      <dgm:constr type="alignOff" val="0.65"/>
-                    </dgm:constrLst>
-                  </dgm:if>
-                  <dgm:if name="Name116" func="var" arg="hierBranch" op="equ" val="std">
-                    <dgm:alg type="hierRoot"/>
-                    <dgm:shape xmlns:r="http://schemas.openxmlformats.org/officeDocument/2006/relationships" r:blip="">
-                      <dgm:adjLst/>
-                    </dgm:shape>
-                    <dgm:presOf/>
-                    <dgm:constrLst>
-                      <dgm:constr type="alignOff"/>
-                      <dgm:constr type="bendDist" for="des" ptType="parTrans" refType="sp" fact="0.5"/>
-                    </dgm:constrLst>
-                  </dgm:if>
-                  <dgm:if name="Name117" func="var" arg="hierBranch" op="equ" val="init">
-                    <dgm:choose name="Name118">
-                      <dgm:if name="Name119" axis="des" func="maxDepth" op="lte" val="1">
-                        <dgm:alg type="hierRoot">
-                          <dgm:param type="hierAlign" val="tL"/>
-                        </dgm:alg>
-                        <dgm:shape xmlns:r="http://schemas.openxmlformats.org/officeDocument/2006/relationships" r:blip="">
-                          <dgm:adjLst/>
-                        </dgm:shape>
-                        <dgm:presOf/>
-                        <dgm:constrLst>
-                          <dgm:constr type="alignOff" val="0.65"/>
-                        </dgm:constrLst>
-                      </dgm:if>
-                      <dgm:else name="Name120">
-                        <dgm:alg type="hierRoot"/>
-                        <dgm:shape xmlns:r="http://schemas.openxmlformats.org/officeDocument/2006/relationships" r:blip="">
-                          <dgm:adjLst/>
-                        </dgm:shape>
-                        <dgm:presOf/>
-                        <dgm:constrLst>
-                          <dgm:constr type="alignOff"/>
-                          <dgm:constr type="bendDist" for="des" ptType="parTrans" refType="sp" fact="0.5"/>
-                        </dgm:constrLst>
-                      </dgm:else>
-                    </dgm:choose>
-                  </dgm:if>
-                  <dgm:else name="Name121"/>
-                </dgm:choose>
-                <dgm:ruleLst/>
-                <dgm:layoutNode name="rootComposite3">
-                  <dgm:alg type="composite"/>
-                  <dgm:shape xmlns:r="http://schemas.openxmlformats.org/officeDocument/2006/relationships" r:blip="">
-                    <dgm:adjLst/>
-                  </dgm:shape>
-                  <dgm:presOf axis="self" ptType="node" cnt="1"/>
-                  <dgm:choose name="Name122">
-                    <dgm:if name="Name123" func="var" arg="hierBranch" op="equ" val="init">
-                      <dgm:constrLst>
-                        <dgm:constr type="l" for="ch" forName="rootText3"/>
-                        <dgm:constr type="t" for="ch" forName="rootText3"/>
-                        <dgm:constr type="w" for="ch" forName="rootText3" refType="w"/>
-                        <dgm:constr type="h" for="ch" forName="rootText3" refType="h"/>
-                        <dgm:constr type="l" for="ch" forName="rootConnector3"/>
-                        <dgm:constr type="t" for="ch" forName="rootConnector3"/>
-                        <dgm:constr type="w" for="ch" forName="rootConnector3" refType="w" refFor="ch" refForName="rootText3" fact="0.2"/>
-                        <dgm:constr type="h" for="ch" forName="rootConnector3" refType="h" refFor="ch" refForName="rootText3"/>
-                      </dgm:constrLst>
-                    </dgm:if>
-                    <dgm:if name="Name124" func="var" arg="hierBranch" op="equ" val="l">
-                      <dgm:constrLst>
-                        <dgm:constr type="l" for="ch" forName="rootText3"/>
-                        <dgm:constr type="t" for="ch" forName="rootText3"/>
-                        <dgm:constr type="w" for="ch" forName="rootText3" refType="w"/>
-                        <dgm:constr type="h" for="ch" forName="rootText3" refType="h"/>
-                        <dgm:constr type="r" for="ch" forName="rootConnector3" refType="w"/>
-                        <dgm:constr type="t" for="ch" forName="rootConnector3"/>
-                        <dgm:constr type="w" for="ch" forName="rootConnector3" refType="w" refFor="ch" refForName="rootText3" fact="0.2"/>
-                        <dgm:constr type="h" for="ch" forName="rootConnector3" refType="h" refFor="ch" refForName="rootText3"/>
-                      </dgm:constrLst>
-                    </dgm:if>
-                    <dgm:if name="Name125" func="var" arg="hierBranch" op="equ" val="r">
-                      <dgm:constrLst>
-                        <dgm:constr type="l" for="ch" forName="rootText3"/>
-                        <dgm:constr type="t" for="ch" forName="rootText3"/>
-                        <dgm:constr type="w" for="ch" forName="rootText3" refType="w"/>
-                        <dgm:constr type="h" for="ch" forName="rootText3" refType="h"/>
-                        <dgm:constr type="l" for="ch" forName="rootConnector3"/>
-                        <dgm:constr type="t" for="ch" forName="rootConnector3"/>
-                        <dgm:constr type="w" for="ch" forName="rootConnector3" refType="w" refFor="ch" refForName="rootText3" fact="0.2"/>
-                        <dgm:constr type="h" for="ch" forName="rootConnector3" refType="h" refFor="ch" refForName="rootText3"/>
-                      </dgm:constrLst>
-                    </dgm:if>
-                    <dgm:else name="Name126">
-                      <dgm:constrLst>
-                        <dgm:constr type="l" for="ch" forName="rootText3"/>
-                        <dgm:constr type="t" for="ch" forName="rootText3"/>
-                        <dgm:constr type="w" for="ch" forName="rootText3" refType="w"/>
-                        <dgm:constr type="h" for="ch" forName="rootText3" refType="h"/>
-                        <dgm:constr type="r" for="ch" forName="rootConnector3" refType="w"/>
-                        <dgm:constr type="t" for="ch" forName="rootConnector3"/>
-                        <dgm:constr type="w" for="ch" forName="rootConnector3" refType="w" refFor="ch" refForName="rootText3" fact="0.2"/>
-                        <dgm:constr type="h" for="ch" forName="rootConnector3" refType="h" refFor="ch" refForName="rootText3"/>
-                      </dgm:constrLst>
-                    </dgm:else>
-                  </dgm:choose>
-                  <dgm:ruleLst/>
-                  <dgm:layoutNode name="rootText3">
-                    <dgm:varLst>
-                      <dgm:chPref val="3"/>
-                    </dgm:varLst>
-                    <dgm:alg type="tx"/>
-                    <dgm:shape xmlns:r="http://schemas.openxmlformats.org/officeDocument/2006/relationships" type="rect" r:blip="">
-                      <dgm:adjLst/>
-                    </dgm:shape>
-                    <dgm:presOf axis="self" ptType="node" cnt="1"/>
-                    <dgm:constrLst>
-                      <dgm:constr type="primFontSz" val="65"/>
-                      <dgm:constr type="lMarg" refType="primFontSz" fact="0.05"/>
-                      <dgm:constr type="rMarg" refType="primFontSz" fact="0.05"/>
-                      <dgm:constr type="tMarg" refType="primFontSz" fact="0.05"/>
-                      <dgm:constr type="bMarg" refType="primFontSz" fact="0.05"/>
-                    </dgm:constrLst>
-                    <dgm:ruleLst>
-                      <dgm:rule type="primFontSz" val="5" fact="NaN" max="NaN"/>
-                    </dgm:ruleLst>
-                  </dgm:layoutNode>
-                  <dgm:layoutNode name="rootConnector3" moveWith="rootText1">
-                    <dgm:alg type="sp"/>
-                    <dgm:shape xmlns:r="http://schemas.openxmlformats.org/officeDocument/2006/relationships" type="rect" r:blip="" hideGeom="1">
-                      <dgm:adjLst/>
-                    </dgm:shape>
-                    <dgm:presOf axis="self" ptType="node" cnt="1"/>
-                    <dgm:constrLst/>
-                    <dgm:ruleLst/>
-                  </dgm:layoutNode>
-                </dgm:layoutNode>
-                <dgm:layoutNode name="hierChild6">
-                  <dgm:choose name="Name127">
-                    <dgm:if name="Name128" func="var" arg="hierBranch" op="equ" val="l">
-                      <dgm:alg type="hierChild">
-                        <dgm:param type="chAlign" val="r"/>
-                        <dgm:param type="linDir" val="fromT"/>
-                      </dgm:alg>
-                    </dgm:if>
-                    <dgm:if name="Name129" func="var" arg="hierBranch" op="equ" val="r">
-                      <dgm:alg type="hierChild">
-                        <dgm:param type="chAlign" val="l"/>
-                        <dgm:param type="linDir" val="fromT"/>
-                      </dgm:alg>
-                    </dgm:if>
-                    <dgm:if name="Name130" func="var" arg="hierBranch" op="equ" val="hang">
-                      <dgm:choose name="Name131">
-                        <dgm:if name="Name132" func="var" arg="dir" op="equ" val="norm">
-                          <dgm:alg type="hierChild">
-                            <dgm:param type="chAlign" val="l"/>
-                            <dgm:param type="linDir" val="fromL"/>
-                            <dgm:param type="secChAlign" val="t"/>
-                            <dgm:param type="secLinDir" val="fromT"/>
-                          </dgm:alg>
-                        </dgm:if>
-                        <dgm:else name="Name133">
-                          <dgm:alg type="hierChild">
-                            <dgm:param type="chAlign" val="l"/>
-                            <dgm:param type="linDir" val="fromR"/>
-                            <dgm:param type="secChAlign" val="t"/>
-                            <dgm:param type="secLinDir" val="fromT"/>
-                          </dgm:alg>
-                        </dgm:else>
-                      </dgm:choose>
-                    </dgm:if>
-                    <dgm:if name="Name134" func="var" arg="hierBranch" op="equ" val="std">
-                      <dgm:choose name="Name135">
-                        <dgm:if name="Name136" func="var" arg="dir" op="equ" val="norm">
-                          <dgm:alg type="hierChild"/>
-                        </dgm:if>
-                        <dgm:else name="Name137">
-                          <dgm:alg type="hierChild">
-                            <dgm:param type="linDir" val="fromR"/>
-                          </dgm:alg>
-                        </dgm:else>
-                      </dgm:choose>
-                    </dgm:if>
-                    <dgm:if name="Name138" func="var" arg="hierBranch" op="equ" val="init">
-                      <dgm:choose name="Name139">
-                        <dgm:if name="Name140" axis="des" func="maxDepth" op="lte" val="1">
-                          <dgm:alg type="hierChild">
-                            <dgm:param type="chAlign" val="l"/>
-                            <dgm:param type="linDir" val="fromT"/>
-                          </dgm:alg>
-                        </dgm:if>
-                        <dgm:else name="Name141">
-                          <dgm:alg type="hierChild"/>
-                        </dgm:else>
-                      </dgm:choose>
-                    </dgm:if>
-                    <dgm:else name="Name142"/>
-                  </dgm:choose>
-                  <dgm:shape xmlns:r="http://schemas.openxmlformats.org/officeDocument/2006/relationships" r:blip="">
-                    <dgm:adjLst/>
-                  </dgm:shape>
-                  <dgm:presOf/>
-                  <dgm:constrLst/>
-                  <dgm:ruleLst/>
-                  <dgm:forEach name="Name143" ref="rep2a"/>
-                </dgm:layoutNode>
-                <dgm:layoutNode name="hierChild7">
-                  <dgm:choose name="Name144">
-                    <dgm:if name="Name145" func="var" arg="dir" op="equ" val="norm">
-                      <dgm:alg type="hierChild">
-                        <dgm:param type="chAlign" val="l"/>
-                        <dgm:param type="linDir" val="fromL"/>
-                        <dgm:param type="secChAlign" val="t"/>
-                        <dgm:param type="secLinDir" val="fromT"/>
-                      </dgm:alg>
-                    </dgm:if>
-                    <dgm:else name="Name146">
-                      <dgm:alg type="hierChild">
-                        <dgm:param type="chAlign" val="l"/>
-                        <dgm:param type="linDir" val="fromR"/>
-                        <dgm:param type="secChAlign" val="t"/>
-                        <dgm:param type="secLinDir" val="fromT"/>
-                      </dgm:alg>
-                    </dgm:else>
-                  </dgm:choose>
-                  <dgm:shape xmlns:r="http://schemas.openxmlformats.org/officeDocument/2006/relationships" r:blip="">
-                    <dgm:adjLst/>
-                  </dgm:shape>
-                  <dgm:presOf/>
-                  <dgm:constrLst/>
-                  <dgm:ruleLst/>
-                  <dgm:forEach name="Name147" ref="rep2b"/>
-                </dgm:layoutNode>
-              </dgm:layoutNode>
-            </dgm:forEach>
-          </dgm:layoutNode>
-        </dgm:layoutNode>
-      </dgm:forEach>
-    </dgm:forEach>
-  </dgm:layoutNode>
-</dgm:layoutDef>
-</file>
-
-<file path=ppt/diagrams/layout2.xml><?xml version="1.0" encoding="utf-8"?>
 <dgm:layoutDef xmlns:dgm="http://schemas.openxmlformats.org/drawingml/2006/diagram" xmlns:a="http://schemas.openxmlformats.org/drawingml/2006/main" uniqueId="urn:microsoft.com/office/officeart/2005/8/layout/orgChart1">
   <dgm:title val=""/>
   <dgm:desc val=""/>
@@ -7114,1040 +4266,6 @@
 </dgm:styleDef>
 </file>
 
-<file path=ppt/diagrams/quickStyle2.xml><?xml version="1.0" encoding="utf-8"?>
-<dgm:styleDef xmlns:dgm="http://schemas.openxmlformats.org/drawingml/2006/diagram" xmlns:a="http://schemas.openxmlformats.org/drawingml/2006/main" uniqueId="urn:microsoft.com/office/officeart/2005/8/quickstyle/simple1">
-  <dgm:title val=""/>
-  <dgm:desc val=""/>
-  <dgm:catLst>
-    <dgm:cat type="simple" pri="10100"/>
-  </dgm:catLst>
-  <dgm:scene3d>
-    <a:camera prst="orthographicFront"/>
-    <a:lightRig rig="threePt" dir="t"/>
-  </dgm:scene3d>
-  <dgm:styleLbl name="node0">
-    <dgm:scene3d>
-      <a:camera prst="orthographicFront"/>
-      <a:lightRig rig="threePt" dir="t"/>
-    </dgm:scene3d>
-    <dgm:sp3d/>
-    <dgm:txPr/>
-    <dgm:style>
-      <a:lnRef idx="2">
-        <a:scrgbClr r="0" g="0" b="0"/>
-      </a:lnRef>
-      <a:fillRef idx="1">
-        <a:scrgbClr r="0" g="0" b="0"/>
-      </a:fillRef>
-      <a:effectRef idx="0">
-        <a:scrgbClr r="0" g="0" b="0"/>
-      </a:effectRef>
-      <a:fontRef idx="minor">
-        <a:schemeClr val="lt1"/>
-      </a:fontRef>
-    </dgm:style>
-  </dgm:styleLbl>
-  <dgm:styleLbl name="lnNode1">
-    <dgm:scene3d>
-      <a:camera prst="orthographicFront"/>
-      <a:lightRig rig="threePt" dir="t"/>
-    </dgm:scene3d>
-    <dgm:sp3d/>
-    <dgm:txPr/>
-    <dgm:style>
-      <a:lnRef idx="2">
-        <a:scrgbClr r="0" g="0" b="0"/>
-      </a:lnRef>
-      <a:fillRef idx="1">
-        <a:scrgbClr r="0" g="0" b="0"/>
-      </a:fillRef>
-      <a:effectRef idx="0">
-        <a:scrgbClr r="0" g="0" b="0"/>
-      </a:effectRef>
-      <a:fontRef idx="minor">
-        <a:schemeClr val="lt1"/>
-      </a:fontRef>
-    </dgm:style>
-  </dgm:styleLbl>
-  <dgm:styleLbl name="vennNode1">
-    <dgm:scene3d>
-      <a:camera prst="orthographicFront"/>
-      <a:lightRig rig="threePt" dir="t"/>
-    </dgm:scene3d>
-    <dgm:sp3d/>
-    <dgm:txPr/>
-    <dgm:style>
-      <a:lnRef idx="2">
-        <a:scrgbClr r="0" g="0" b="0"/>
-      </a:lnRef>
-      <a:fillRef idx="1">
-        <a:scrgbClr r="0" g="0" b="0"/>
-      </a:fillRef>
-      <a:effectRef idx="0">
-        <a:scrgbClr r="0" g="0" b="0"/>
-      </a:effectRef>
-      <a:fontRef idx="minor">
-        <a:schemeClr val="tx1"/>
-      </a:fontRef>
-    </dgm:style>
-  </dgm:styleLbl>
-  <dgm:styleLbl name="alignNode1">
-    <dgm:scene3d>
-      <a:camera prst="orthographicFront"/>
-      <a:lightRig rig="threePt" dir="t"/>
-    </dgm:scene3d>
-    <dgm:sp3d/>
-    <dgm:txPr/>
-    <dgm:style>
-      <a:lnRef idx="2">
-        <a:scrgbClr r="0" g="0" b="0"/>
-      </a:lnRef>
-      <a:fillRef idx="1">
-        <a:scrgbClr r="0" g="0" b="0"/>
-      </a:fillRef>
-      <a:effectRef idx="0">
-        <a:scrgbClr r="0" g="0" b="0"/>
-      </a:effectRef>
-      <a:fontRef idx="minor">
-        <a:schemeClr val="lt1"/>
-      </a:fontRef>
-    </dgm:style>
-  </dgm:styleLbl>
-  <dgm:styleLbl name="node1">
-    <dgm:scene3d>
-      <a:camera prst="orthographicFront"/>
-      <a:lightRig rig="threePt" dir="t"/>
-    </dgm:scene3d>
-    <dgm:sp3d/>
-    <dgm:txPr/>
-    <dgm:style>
-      <a:lnRef idx="2">
-        <a:scrgbClr r="0" g="0" b="0"/>
-      </a:lnRef>
-      <a:fillRef idx="1">
-        <a:scrgbClr r="0" g="0" b="0"/>
-      </a:fillRef>
-      <a:effectRef idx="0">
-        <a:scrgbClr r="0" g="0" b="0"/>
-      </a:effectRef>
-      <a:fontRef idx="minor">
-        <a:schemeClr val="lt1"/>
-      </a:fontRef>
-    </dgm:style>
-  </dgm:styleLbl>
-  <dgm:styleLbl name="node2">
-    <dgm:scene3d>
-      <a:camera prst="orthographicFront"/>
-      <a:lightRig rig="threePt" dir="t"/>
-    </dgm:scene3d>
-    <dgm:sp3d/>
-    <dgm:txPr/>
-    <dgm:style>
-      <a:lnRef idx="2">
-        <a:scrgbClr r="0" g="0" b="0"/>
-      </a:lnRef>
-      <a:fillRef idx="1">
-        <a:scrgbClr r="0" g="0" b="0"/>
-      </a:fillRef>
-      <a:effectRef idx="0">
-        <a:scrgbClr r="0" g="0" b="0"/>
-      </a:effectRef>
-      <a:fontRef idx="minor">
-        <a:schemeClr val="lt1"/>
-      </a:fontRef>
-    </dgm:style>
-  </dgm:styleLbl>
-  <dgm:styleLbl name="node3">
-    <dgm:scene3d>
-      <a:camera prst="orthographicFront"/>
-      <a:lightRig rig="threePt" dir="t"/>
-    </dgm:scene3d>
-    <dgm:sp3d/>
-    <dgm:txPr/>
-    <dgm:style>
-      <a:lnRef idx="2">
-        <a:scrgbClr r="0" g="0" b="0"/>
-      </a:lnRef>
-      <a:fillRef idx="1">
-        <a:scrgbClr r="0" g="0" b="0"/>
-      </a:fillRef>
-      <a:effectRef idx="0">
-        <a:scrgbClr r="0" g="0" b="0"/>
-      </a:effectRef>
-      <a:fontRef idx="minor">
-        <a:schemeClr val="lt1"/>
-      </a:fontRef>
-    </dgm:style>
-  </dgm:styleLbl>
-  <dgm:styleLbl name="node4">
-    <dgm:scene3d>
-      <a:camera prst="orthographicFront"/>
-      <a:lightRig rig="threePt" dir="t"/>
-    </dgm:scene3d>
-    <dgm:sp3d/>
-    <dgm:txPr/>
-    <dgm:style>
-      <a:lnRef idx="2">
-        <a:scrgbClr r="0" g="0" b="0"/>
-      </a:lnRef>
-      <a:fillRef idx="1">
-        <a:scrgbClr r="0" g="0" b="0"/>
-      </a:fillRef>
-      <a:effectRef idx="0">
-        <a:scrgbClr r="0" g="0" b="0"/>
-      </a:effectRef>
-      <a:fontRef idx="minor">
-        <a:schemeClr val="lt1"/>
-      </a:fontRef>
-    </dgm:style>
-  </dgm:styleLbl>
-  <dgm:styleLbl name="fgImgPlace1">
-    <dgm:scene3d>
-      <a:camera prst="orthographicFront"/>
-      <a:lightRig rig="threePt" dir="t"/>
-    </dgm:scene3d>
-    <dgm:sp3d/>
-    <dgm:txPr/>
-    <dgm:style>
-      <a:lnRef idx="2">
-        <a:scrgbClr r="0" g="0" b="0"/>
-      </a:lnRef>
-      <a:fillRef idx="1">
-        <a:scrgbClr r="0" g="0" b="0"/>
-      </a:fillRef>
-      <a:effectRef idx="0">
-        <a:scrgbClr r="0" g="0" b="0"/>
-      </a:effectRef>
-      <a:fontRef idx="minor"/>
-    </dgm:style>
-  </dgm:styleLbl>
-  <dgm:styleLbl name="alignImgPlace1">
-    <dgm:scene3d>
-      <a:camera prst="orthographicFront"/>
-      <a:lightRig rig="threePt" dir="t"/>
-    </dgm:scene3d>
-    <dgm:sp3d/>
-    <dgm:txPr/>
-    <dgm:style>
-      <a:lnRef idx="2">
-        <a:scrgbClr r="0" g="0" b="0"/>
-      </a:lnRef>
-      <a:fillRef idx="1">
-        <a:scrgbClr r="0" g="0" b="0"/>
-      </a:fillRef>
-      <a:effectRef idx="0">
-        <a:scrgbClr r="0" g="0" b="0"/>
-      </a:effectRef>
-      <a:fontRef idx="minor"/>
-    </dgm:style>
-  </dgm:styleLbl>
-  <dgm:styleLbl name="bgImgPlace1">
-    <dgm:scene3d>
-      <a:camera prst="orthographicFront"/>
-      <a:lightRig rig="threePt" dir="t"/>
-    </dgm:scene3d>
-    <dgm:sp3d/>
-    <dgm:txPr/>
-    <dgm:style>
-      <a:lnRef idx="2">
-        <a:scrgbClr r="0" g="0" b="0"/>
-      </a:lnRef>
-      <a:fillRef idx="1">
-        <a:scrgbClr r="0" g="0" b="0"/>
-      </a:fillRef>
-      <a:effectRef idx="0">
-        <a:scrgbClr r="0" g="0" b="0"/>
-      </a:effectRef>
-      <a:fontRef idx="minor"/>
-    </dgm:style>
-  </dgm:styleLbl>
-  <dgm:styleLbl name="sibTrans2D1">
-    <dgm:scene3d>
-      <a:camera prst="orthographicFront"/>
-      <a:lightRig rig="threePt" dir="t"/>
-    </dgm:scene3d>
-    <dgm:sp3d/>
-    <dgm:txPr/>
-    <dgm:style>
-      <a:lnRef idx="0">
-        <a:scrgbClr r="0" g="0" b="0"/>
-      </a:lnRef>
-      <a:fillRef idx="1">
-        <a:scrgbClr r="0" g="0" b="0"/>
-      </a:fillRef>
-      <a:effectRef idx="0">
-        <a:scrgbClr r="0" g="0" b="0"/>
-      </a:effectRef>
-      <a:fontRef idx="minor">
-        <a:schemeClr val="lt1"/>
-      </a:fontRef>
-    </dgm:style>
-  </dgm:styleLbl>
-  <dgm:styleLbl name="fgSibTrans2D1">
-    <dgm:scene3d>
-      <a:camera prst="orthographicFront"/>
-      <a:lightRig rig="threePt" dir="t"/>
-    </dgm:scene3d>
-    <dgm:sp3d/>
-    <dgm:txPr/>
-    <dgm:style>
-      <a:lnRef idx="0">
-        <a:scrgbClr r="0" g="0" b="0"/>
-      </a:lnRef>
-      <a:fillRef idx="1">
-        <a:scrgbClr r="0" g="0" b="0"/>
-      </a:fillRef>
-      <a:effectRef idx="0">
-        <a:scrgbClr r="0" g="0" b="0"/>
-      </a:effectRef>
-      <a:fontRef idx="minor">
-        <a:schemeClr val="lt1"/>
-      </a:fontRef>
-    </dgm:style>
-  </dgm:styleLbl>
-  <dgm:styleLbl name="bgSibTrans2D1">
-    <dgm:scene3d>
-      <a:camera prst="orthographicFront"/>
-      <a:lightRig rig="threePt" dir="t"/>
-    </dgm:scene3d>
-    <dgm:sp3d/>
-    <dgm:txPr/>
-    <dgm:style>
-      <a:lnRef idx="0">
-        <a:scrgbClr r="0" g="0" b="0"/>
-      </a:lnRef>
-      <a:fillRef idx="1">
-        <a:scrgbClr r="0" g="0" b="0"/>
-      </a:fillRef>
-      <a:effectRef idx="0">
-        <a:scrgbClr r="0" g="0" b="0"/>
-      </a:effectRef>
-      <a:fontRef idx="minor">
-        <a:schemeClr val="lt1"/>
-      </a:fontRef>
-    </dgm:style>
-  </dgm:styleLbl>
-  <dgm:styleLbl name="sibTrans1D1">
-    <dgm:scene3d>
-      <a:camera prst="orthographicFront"/>
-      <a:lightRig rig="threePt" dir="t"/>
-    </dgm:scene3d>
-    <dgm:sp3d/>
-    <dgm:txPr/>
-    <dgm:style>
-      <a:lnRef idx="1">
-        <a:scrgbClr r="0" g="0" b="0"/>
-      </a:lnRef>
-      <a:fillRef idx="0">
-        <a:scrgbClr r="0" g="0" b="0"/>
-      </a:fillRef>
-      <a:effectRef idx="0">
-        <a:scrgbClr r="0" g="0" b="0"/>
-      </a:effectRef>
-      <a:fontRef idx="minor"/>
-    </dgm:style>
-  </dgm:styleLbl>
-  <dgm:styleLbl name="callout">
-    <dgm:scene3d>
-      <a:camera prst="orthographicFront"/>
-      <a:lightRig rig="threePt" dir="t"/>
-    </dgm:scene3d>
-    <dgm:sp3d/>
-    <dgm:txPr/>
-    <dgm:style>
-      <a:lnRef idx="2">
-        <a:scrgbClr r="0" g="0" b="0"/>
-      </a:lnRef>
-      <a:fillRef idx="1">
-        <a:scrgbClr r="0" g="0" b="0"/>
-      </a:fillRef>
-      <a:effectRef idx="0">
-        <a:scrgbClr r="0" g="0" b="0"/>
-      </a:effectRef>
-      <a:fontRef idx="minor"/>
-    </dgm:style>
-  </dgm:styleLbl>
-  <dgm:styleLbl name="asst0">
-    <dgm:scene3d>
-      <a:camera prst="orthographicFront"/>
-      <a:lightRig rig="threePt" dir="t"/>
-    </dgm:scene3d>
-    <dgm:sp3d/>
-    <dgm:txPr/>
-    <dgm:style>
-      <a:lnRef idx="2">
-        <a:scrgbClr r="0" g="0" b="0"/>
-      </a:lnRef>
-      <a:fillRef idx="1">
-        <a:scrgbClr r="0" g="0" b="0"/>
-      </a:fillRef>
-      <a:effectRef idx="0">
-        <a:scrgbClr r="0" g="0" b="0"/>
-      </a:effectRef>
-      <a:fontRef idx="minor">
-        <a:schemeClr val="lt1"/>
-      </a:fontRef>
-    </dgm:style>
-  </dgm:styleLbl>
-  <dgm:styleLbl name="asst1">
-    <dgm:scene3d>
-      <a:camera prst="orthographicFront"/>
-      <a:lightRig rig="threePt" dir="t"/>
-    </dgm:scene3d>
-    <dgm:sp3d/>
-    <dgm:txPr/>
-    <dgm:style>
-      <a:lnRef idx="2">
-        <a:scrgbClr r="0" g="0" b="0"/>
-      </a:lnRef>
-      <a:fillRef idx="1">
-        <a:scrgbClr r="0" g="0" b="0"/>
-      </a:fillRef>
-      <a:effectRef idx="0">
-        <a:scrgbClr r="0" g="0" b="0"/>
-      </a:effectRef>
-      <a:fontRef idx="minor">
-        <a:schemeClr val="lt1"/>
-      </a:fontRef>
-    </dgm:style>
-  </dgm:styleLbl>
-  <dgm:styleLbl name="asst2">
-    <dgm:scene3d>
-      <a:camera prst="orthographicFront"/>
-      <a:lightRig rig="threePt" dir="t"/>
-    </dgm:scene3d>
-    <dgm:sp3d/>
-    <dgm:txPr/>
-    <dgm:style>
-      <a:lnRef idx="2">
-        <a:scrgbClr r="0" g="0" b="0"/>
-      </a:lnRef>
-      <a:fillRef idx="1">
-        <a:scrgbClr r="0" g="0" b="0"/>
-      </a:fillRef>
-      <a:effectRef idx="0">
-        <a:scrgbClr r="0" g="0" b="0"/>
-      </a:effectRef>
-      <a:fontRef idx="minor">
-        <a:schemeClr val="lt1"/>
-      </a:fontRef>
-    </dgm:style>
-  </dgm:styleLbl>
-  <dgm:styleLbl name="asst3">
-    <dgm:scene3d>
-      <a:camera prst="orthographicFront"/>
-      <a:lightRig rig="threePt" dir="t"/>
-    </dgm:scene3d>
-    <dgm:sp3d/>
-    <dgm:txPr/>
-    <dgm:style>
-      <a:lnRef idx="2">
-        <a:scrgbClr r="0" g="0" b="0"/>
-      </a:lnRef>
-      <a:fillRef idx="1">
-        <a:scrgbClr r="0" g="0" b="0"/>
-      </a:fillRef>
-      <a:effectRef idx="0">
-        <a:scrgbClr r="0" g="0" b="0"/>
-      </a:effectRef>
-      <a:fontRef idx="minor">
-        <a:schemeClr val="lt1"/>
-      </a:fontRef>
-    </dgm:style>
-  </dgm:styleLbl>
-  <dgm:styleLbl name="asst4">
-    <dgm:scene3d>
-      <a:camera prst="orthographicFront"/>
-      <a:lightRig rig="threePt" dir="t"/>
-    </dgm:scene3d>
-    <dgm:sp3d/>
-    <dgm:txPr/>
-    <dgm:style>
-      <a:lnRef idx="2">
-        <a:scrgbClr r="0" g="0" b="0"/>
-      </a:lnRef>
-      <a:fillRef idx="1">
-        <a:scrgbClr r="0" g="0" b="0"/>
-      </a:fillRef>
-      <a:effectRef idx="0">
-        <a:scrgbClr r="0" g="0" b="0"/>
-      </a:effectRef>
-      <a:fontRef idx="minor">
-        <a:schemeClr val="lt1"/>
-      </a:fontRef>
-    </dgm:style>
-  </dgm:styleLbl>
-  <dgm:styleLbl name="parChTrans2D1">
-    <dgm:scene3d>
-      <a:camera prst="orthographicFront"/>
-      <a:lightRig rig="threePt" dir="t"/>
-    </dgm:scene3d>
-    <dgm:sp3d/>
-    <dgm:txPr/>
-    <dgm:style>
-      <a:lnRef idx="2">
-        <a:scrgbClr r="0" g="0" b="0"/>
-      </a:lnRef>
-      <a:fillRef idx="1">
-        <a:scrgbClr r="0" g="0" b="0"/>
-      </a:fillRef>
-      <a:effectRef idx="0">
-        <a:scrgbClr r="0" g="0" b="0"/>
-      </a:effectRef>
-      <a:fontRef idx="minor">
-        <a:schemeClr val="lt1"/>
-      </a:fontRef>
-    </dgm:style>
-  </dgm:styleLbl>
-  <dgm:styleLbl name="parChTrans2D2">
-    <dgm:scene3d>
-      <a:camera prst="orthographicFront"/>
-      <a:lightRig rig="threePt" dir="t"/>
-    </dgm:scene3d>
-    <dgm:sp3d/>
-    <dgm:txPr/>
-    <dgm:style>
-      <a:lnRef idx="2">
-        <a:scrgbClr r="0" g="0" b="0"/>
-      </a:lnRef>
-      <a:fillRef idx="1">
-        <a:scrgbClr r="0" g="0" b="0"/>
-      </a:fillRef>
-      <a:effectRef idx="0">
-        <a:scrgbClr r="0" g="0" b="0"/>
-      </a:effectRef>
-      <a:fontRef idx="minor">
-        <a:schemeClr val="lt1"/>
-      </a:fontRef>
-    </dgm:style>
-  </dgm:styleLbl>
-  <dgm:styleLbl name="parChTrans2D3">
-    <dgm:scene3d>
-      <a:camera prst="orthographicFront"/>
-      <a:lightRig rig="threePt" dir="t"/>
-    </dgm:scene3d>
-    <dgm:sp3d/>
-    <dgm:txPr/>
-    <dgm:style>
-      <a:lnRef idx="2">
-        <a:scrgbClr r="0" g="0" b="0"/>
-      </a:lnRef>
-      <a:fillRef idx="1">
-        <a:scrgbClr r="0" g="0" b="0"/>
-      </a:fillRef>
-      <a:effectRef idx="0">
-        <a:scrgbClr r="0" g="0" b="0"/>
-      </a:effectRef>
-      <a:fontRef idx="minor">
-        <a:schemeClr val="lt1"/>
-      </a:fontRef>
-    </dgm:style>
-  </dgm:styleLbl>
-  <dgm:styleLbl name="parChTrans2D4">
-    <dgm:scene3d>
-      <a:camera prst="orthographicFront"/>
-      <a:lightRig rig="threePt" dir="t"/>
-    </dgm:scene3d>
-    <dgm:sp3d/>
-    <dgm:txPr/>
-    <dgm:style>
-      <a:lnRef idx="2">
-        <a:scrgbClr r="0" g="0" b="0"/>
-      </a:lnRef>
-      <a:fillRef idx="1">
-        <a:scrgbClr r="0" g="0" b="0"/>
-      </a:fillRef>
-      <a:effectRef idx="0">
-        <a:scrgbClr r="0" g="0" b="0"/>
-      </a:effectRef>
-      <a:fontRef idx="minor">
-        <a:schemeClr val="lt1"/>
-      </a:fontRef>
-    </dgm:style>
-  </dgm:styleLbl>
-  <dgm:styleLbl name="parChTrans1D1">
-    <dgm:scene3d>
-      <a:camera prst="orthographicFront"/>
-      <a:lightRig rig="threePt" dir="t"/>
-    </dgm:scene3d>
-    <dgm:sp3d/>
-    <dgm:txPr/>
-    <dgm:style>
-      <a:lnRef idx="2">
-        <a:scrgbClr r="0" g="0" b="0"/>
-      </a:lnRef>
-      <a:fillRef idx="0">
-        <a:scrgbClr r="0" g="0" b="0"/>
-      </a:fillRef>
-      <a:effectRef idx="0">
-        <a:scrgbClr r="0" g="0" b="0"/>
-      </a:effectRef>
-      <a:fontRef idx="minor"/>
-    </dgm:style>
-  </dgm:styleLbl>
-  <dgm:styleLbl name="parChTrans1D2">
-    <dgm:scene3d>
-      <a:camera prst="orthographicFront"/>
-      <a:lightRig rig="threePt" dir="t"/>
-    </dgm:scene3d>
-    <dgm:sp3d/>
-    <dgm:txPr/>
-    <dgm:style>
-      <a:lnRef idx="2">
-        <a:scrgbClr r="0" g="0" b="0"/>
-      </a:lnRef>
-      <a:fillRef idx="0">
-        <a:scrgbClr r="0" g="0" b="0"/>
-      </a:fillRef>
-      <a:effectRef idx="0">
-        <a:scrgbClr r="0" g="0" b="0"/>
-      </a:effectRef>
-      <a:fontRef idx="minor"/>
-    </dgm:style>
-  </dgm:styleLbl>
-  <dgm:styleLbl name="parChTrans1D3">
-    <dgm:scene3d>
-      <a:camera prst="orthographicFront"/>
-      <a:lightRig rig="threePt" dir="t"/>
-    </dgm:scene3d>
-    <dgm:sp3d/>
-    <dgm:txPr/>
-    <dgm:style>
-      <a:lnRef idx="2">
-        <a:scrgbClr r="0" g="0" b="0"/>
-      </a:lnRef>
-      <a:fillRef idx="0">
-        <a:scrgbClr r="0" g="0" b="0"/>
-      </a:fillRef>
-      <a:effectRef idx="0">
-        <a:scrgbClr r="0" g="0" b="0"/>
-      </a:effectRef>
-      <a:fontRef idx="minor"/>
-    </dgm:style>
-  </dgm:styleLbl>
-  <dgm:styleLbl name="parChTrans1D4">
-    <dgm:scene3d>
-      <a:camera prst="orthographicFront"/>
-      <a:lightRig rig="threePt" dir="t"/>
-    </dgm:scene3d>
-    <dgm:sp3d/>
-    <dgm:txPr/>
-    <dgm:style>
-      <a:lnRef idx="2">
-        <a:scrgbClr r="0" g="0" b="0"/>
-      </a:lnRef>
-      <a:fillRef idx="0">
-        <a:scrgbClr r="0" g="0" b="0"/>
-      </a:fillRef>
-      <a:effectRef idx="0">
-        <a:scrgbClr r="0" g="0" b="0"/>
-      </a:effectRef>
-      <a:fontRef idx="minor"/>
-    </dgm:style>
-  </dgm:styleLbl>
-  <dgm:styleLbl name="fgAcc1">
-    <dgm:scene3d>
-      <a:camera prst="orthographicFront"/>
-      <a:lightRig rig="threePt" dir="t"/>
-    </dgm:scene3d>
-    <dgm:sp3d/>
-    <dgm:txPr/>
-    <dgm:style>
-      <a:lnRef idx="2">
-        <a:scrgbClr r="0" g="0" b="0"/>
-      </a:lnRef>
-      <a:fillRef idx="1">
-        <a:scrgbClr r="0" g="0" b="0"/>
-      </a:fillRef>
-      <a:effectRef idx="0">
-        <a:scrgbClr r="0" g="0" b="0"/>
-      </a:effectRef>
-      <a:fontRef idx="minor"/>
-    </dgm:style>
-  </dgm:styleLbl>
-  <dgm:styleLbl name="conFgAcc1">
-    <dgm:scene3d>
-      <a:camera prst="orthographicFront"/>
-      <a:lightRig rig="threePt" dir="t"/>
-    </dgm:scene3d>
-    <dgm:sp3d/>
-    <dgm:txPr/>
-    <dgm:style>
-      <a:lnRef idx="2">
-        <a:scrgbClr r="0" g="0" b="0"/>
-      </a:lnRef>
-      <a:fillRef idx="1">
-        <a:scrgbClr r="0" g="0" b="0"/>
-      </a:fillRef>
-      <a:effectRef idx="0">
-        <a:scrgbClr r="0" g="0" b="0"/>
-      </a:effectRef>
-      <a:fontRef idx="minor"/>
-    </dgm:style>
-  </dgm:styleLbl>
-  <dgm:styleLbl name="alignAcc1">
-    <dgm:scene3d>
-      <a:camera prst="orthographicFront"/>
-      <a:lightRig rig="threePt" dir="t"/>
-    </dgm:scene3d>
-    <dgm:sp3d/>
-    <dgm:txPr/>
-    <dgm:style>
-      <a:lnRef idx="2">
-        <a:scrgbClr r="0" g="0" b="0"/>
-      </a:lnRef>
-      <a:fillRef idx="1">
-        <a:scrgbClr r="0" g="0" b="0"/>
-      </a:fillRef>
-      <a:effectRef idx="0">
-        <a:scrgbClr r="0" g="0" b="0"/>
-      </a:effectRef>
-      <a:fontRef idx="minor"/>
-    </dgm:style>
-  </dgm:styleLbl>
-  <dgm:styleLbl name="trAlignAcc1">
-    <dgm:scene3d>
-      <a:camera prst="orthographicFront"/>
-      <a:lightRig rig="threePt" dir="t"/>
-    </dgm:scene3d>
-    <dgm:sp3d/>
-    <dgm:txPr/>
-    <dgm:style>
-      <a:lnRef idx="1">
-        <a:scrgbClr r="0" g="0" b="0"/>
-      </a:lnRef>
-      <a:fillRef idx="1">
-        <a:scrgbClr r="0" g="0" b="0"/>
-      </a:fillRef>
-      <a:effectRef idx="0">
-        <a:scrgbClr r="0" g="0" b="0"/>
-      </a:effectRef>
-      <a:fontRef idx="minor"/>
-    </dgm:style>
-  </dgm:styleLbl>
-  <dgm:styleLbl name="bgAcc1">
-    <dgm:scene3d>
-      <a:camera prst="orthographicFront"/>
-      <a:lightRig rig="threePt" dir="t"/>
-    </dgm:scene3d>
-    <dgm:sp3d/>
-    <dgm:txPr/>
-    <dgm:style>
-      <a:lnRef idx="2">
-        <a:scrgbClr r="0" g="0" b="0"/>
-      </a:lnRef>
-      <a:fillRef idx="1">
-        <a:scrgbClr r="0" g="0" b="0"/>
-      </a:fillRef>
-      <a:effectRef idx="0">
-        <a:scrgbClr r="0" g="0" b="0"/>
-      </a:effectRef>
-      <a:fontRef idx="minor"/>
-    </dgm:style>
-  </dgm:styleLbl>
-  <dgm:styleLbl name="solidFgAcc1">
-    <dgm:scene3d>
-      <a:camera prst="orthographicFront"/>
-      <a:lightRig rig="threePt" dir="t"/>
-    </dgm:scene3d>
-    <dgm:sp3d/>
-    <dgm:txPr/>
-    <dgm:style>
-      <a:lnRef idx="2">
-        <a:scrgbClr r="0" g="0" b="0"/>
-      </a:lnRef>
-      <a:fillRef idx="1">
-        <a:scrgbClr r="0" g="0" b="0"/>
-      </a:fillRef>
-      <a:effectRef idx="0">
-        <a:scrgbClr r="0" g="0" b="0"/>
-      </a:effectRef>
-      <a:fontRef idx="minor"/>
-    </dgm:style>
-  </dgm:styleLbl>
-  <dgm:styleLbl name="solidAlignAcc1">
-    <dgm:scene3d>
-      <a:camera prst="orthographicFront"/>
-      <a:lightRig rig="threePt" dir="t"/>
-    </dgm:scene3d>
-    <dgm:sp3d/>
-    <dgm:txPr/>
-    <dgm:style>
-      <a:lnRef idx="2">
-        <a:scrgbClr r="0" g="0" b="0"/>
-      </a:lnRef>
-      <a:fillRef idx="1">
-        <a:scrgbClr r="0" g="0" b="0"/>
-      </a:fillRef>
-      <a:effectRef idx="0">
-        <a:scrgbClr r="0" g="0" b="0"/>
-      </a:effectRef>
-      <a:fontRef idx="minor"/>
-    </dgm:style>
-  </dgm:styleLbl>
-  <dgm:styleLbl name="solidBgAcc1">
-    <dgm:scene3d>
-      <a:camera prst="orthographicFront"/>
-      <a:lightRig rig="threePt" dir="t"/>
-    </dgm:scene3d>
-    <dgm:sp3d/>
-    <dgm:txPr/>
-    <dgm:style>
-      <a:lnRef idx="2">
-        <a:scrgbClr r="0" g="0" b="0"/>
-      </a:lnRef>
-      <a:fillRef idx="1">
-        <a:scrgbClr r="0" g="0" b="0"/>
-      </a:fillRef>
-      <a:effectRef idx="0">
-        <a:scrgbClr r="0" g="0" b="0"/>
-      </a:effectRef>
-      <a:fontRef idx="minor"/>
-    </dgm:style>
-  </dgm:styleLbl>
-  <dgm:styleLbl name="fgAccFollowNode1">
-    <dgm:scene3d>
-      <a:camera prst="orthographicFront"/>
-      <a:lightRig rig="threePt" dir="t"/>
-    </dgm:scene3d>
-    <dgm:sp3d/>
-    <dgm:txPr/>
-    <dgm:style>
-      <a:lnRef idx="2">
-        <a:scrgbClr r="0" g="0" b="0"/>
-      </a:lnRef>
-      <a:fillRef idx="1">
-        <a:scrgbClr r="0" g="0" b="0"/>
-      </a:fillRef>
-      <a:effectRef idx="0">
-        <a:scrgbClr r="0" g="0" b="0"/>
-      </a:effectRef>
-      <a:fontRef idx="minor"/>
-    </dgm:style>
-  </dgm:styleLbl>
-  <dgm:styleLbl name="alignAccFollowNode1">
-    <dgm:scene3d>
-      <a:camera prst="orthographicFront"/>
-      <a:lightRig rig="threePt" dir="t"/>
-    </dgm:scene3d>
-    <dgm:sp3d/>
-    <dgm:txPr/>
-    <dgm:style>
-      <a:lnRef idx="2">
-        <a:scrgbClr r="0" g="0" b="0"/>
-      </a:lnRef>
-      <a:fillRef idx="1">
-        <a:scrgbClr r="0" g="0" b="0"/>
-      </a:fillRef>
-      <a:effectRef idx="0">
-        <a:scrgbClr r="0" g="0" b="0"/>
-      </a:effectRef>
-      <a:fontRef idx="minor"/>
-    </dgm:style>
-  </dgm:styleLbl>
-  <dgm:styleLbl name="bgAccFollowNode1">
-    <dgm:scene3d>
-      <a:camera prst="orthographicFront"/>
-      <a:lightRig rig="threePt" dir="t"/>
-    </dgm:scene3d>
-    <dgm:sp3d/>
-    <dgm:txPr/>
-    <dgm:style>
-      <a:lnRef idx="2">
-        <a:scrgbClr r="0" g="0" b="0"/>
-      </a:lnRef>
-      <a:fillRef idx="1">
-        <a:scrgbClr r="0" g="0" b="0"/>
-      </a:fillRef>
-      <a:effectRef idx="0">
-        <a:scrgbClr r="0" g="0" b="0"/>
-      </a:effectRef>
-      <a:fontRef idx="minor"/>
-    </dgm:style>
-  </dgm:styleLbl>
-  <dgm:styleLbl name="fgAcc0">
-    <dgm:scene3d>
-      <a:camera prst="orthographicFront"/>
-      <a:lightRig rig="threePt" dir="t"/>
-    </dgm:scene3d>
-    <dgm:sp3d/>
-    <dgm:txPr/>
-    <dgm:style>
-      <a:lnRef idx="2">
-        <a:scrgbClr r="0" g="0" b="0"/>
-      </a:lnRef>
-      <a:fillRef idx="1">
-        <a:scrgbClr r="0" g="0" b="0"/>
-      </a:fillRef>
-      <a:effectRef idx="0">
-        <a:scrgbClr r="0" g="0" b="0"/>
-      </a:effectRef>
-      <a:fontRef idx="minor"/>
-    </dgm:style>
-  </dgm:styleLbl>
-  <dgm:styleLbl name="fgAcc2">
-    <dgm:scene3d>
-      <a:camera prst="orthographicFront"/>
-      <a:lightRig rig="threePt" dir="t"/>
-    </dgm:scene3d>
-    <dgm:sp3d/>
-    <dgm:txPr/>
-    <dgm:style>
-      <a:lnRef idx="2">
-        <a:scrgbClr r="0" g="0" b="0"/>
-      </a:lnRef>
-      <a:fillRef idx="1">
-        <a:scrgbClr r="0" g="0" b="0"/>
-      </a:fillRef>
-      <a:effectRef idx="0">
-        <a:scrgbClr r="0" g="0" b="0"/>
-      </a:effectRef>
-      <a:fontRef idx="minor"/>
-    </dgm:style>
-  </dgm:styleLbl>
-  <dgm:styleLbl name="fgAcc3">
-    <dgm:scene3d>
-      <a:camera prst="orthographicFront"/>
-      <a:lightRig rig="threePt" dir="t"/>
-    </dgm:scene3d>
-    <dgm:sp3d/>
-    <dgm:txPr/>
-    <dgm:style>
-      <a:lnRef idx="2">
-        <a:scrgbClr r="0" g="0" b="0"/>
-      </a:lnRef>
-      <a:fillRef idx="1">
-        <a:scrgbClr r="0" g="0" b="0"/>
-      </a:fillRef>
-      <a:effectRef idx="0">
-        <a:scrgbClr r="0" g="0" b="0"/>
-      </a:effectRef>
-      <a:fontRef idx="minor"/>
-    </dgm:style>
-  </dgm:styleLbl>
-  <dgm:styleLbl name="fgAcc4">
-    <dgm:scene3d>
-      <a:camera prst="orthographicFront"/>
-      <a:lightRig rig="threePt" dir="t"/>
-    </dgm:scene3d>
-    <dgm:sp3d/>
-    <dgm:txPr/>
-    <dgm:style>
-      <a:lnRef idx="2">
-        <a:scrgbClr r="0" g="0" b="0"/>
-      </a:lnRef>
-      <a:fillRef idx="1">
-        <a:scrgbClr r="0" g="0" b="0"/>
-      </a:fillRef>
-      <a:effectRef idx="0">
-        <a:scrgbClr r="0" g="0" b="0"/>
-      </a:effectRef>
-      <a:fontRef idx="minor"/>
-    </dgm:style>
-  </dgm:styleLbl>
-  <dgm:styleLbl name="bgShp">
-    <dgm:scene3d>
-      <a:camera prst="orthographicFront"/>
-      <a:lightRig rig="threePt" dir="t"/>
-    </dgm:scene3d>
-    <dgm:sp3d/>
-    <dgm:txPr/>
-    <dgm:style>
-      <a:lnRef idx="0">
-        <a:scrgbClr r="0" g="0" b="0"/>
-      </a:lnRef>
-      <a:fillRef idx="1">
-        <a:scrgbClr r="0" g="0" b="0"/>
-      </a:fillRef>
-      <a:effectRef idx="0">
-        <a:scrgbClr r="0" g="0" b="0"/>
-      </a:effectRef>
-      <a:fontRef idx="minor"/>
-    </dgm:style>
-  </dgm:styleLbl>
-  <dgm:styleLbl name="dkBgShp">
-    <dgm:scene3d>
-      <a:camera prst="orthographicFront"/>
-      <a:lightRig rig="threePt" dir="t"/>
-    </dgm:scene3d>
-    <dgm:sp3d/>
-    <dgm:txPr/>
-    <dgm:style>
-      <a:lnRef idx="0">
-        <a:scrgbClr r="0" g="0" b="0"/>
-      </a:lnRef>
-      <a:fillRef idx="1">
-        <a:scrgbClr r="0" g="0" b="0"/>
-      </a:fillRef>
-      <a:effectRef idx="0">
-        <a:scrgbClr r="0" g="0" b="0"/>
-      </a:effectRef>
-      <a:fontRef idx="minor"/>
-    </dgm:style>
-  </dgm:styleLbl>
-  <dgm:styleLbl name="trBgShp">
-    <dgm:scene3d>
-      <a:camera prst="orthographicFront"/>
-      <a:lightRig rig="threePt" dir="t"/>
-    </dgm:scene3d>
-    <dgm:sp3d/>
-    <dgm:txPr/>
-    <dgm:style>
-      <a:lnRef idx="0">
-        <a:scrgbClr r="0" g="0" b="0"/>
-      </a:lnRef>
-      <a:fillRef idx="1">
-        <a:scrgbClr r="0" g="0" b="0"/>
-      </a:fillRef>
-      <a:effectRef idx="0">
-        <a:scrgbClr r="0" g="0" b="0"/>
-      </a:effectRef>
-      <a:fontRef idx="minor"/>
-    </dgm:style>
-  </dgm:styleLbl>
-  <dgm:styleLbl name="fgShp">
-    <dgm:scene3d>
-      <a:camera prst="orthographicFront"/>
-      <a:lightRig rig="threePt" dir="t"/>
-    </dgm:scene3d>
-    <dgm:sp3d/>
-    <dgm:txPr/>
-    <dgm:style>
-      <a:lnRef idx="2">
-        <a:scrgbClr r="0" g="0" b="0"/>
-      </a:lnRef>
-      <a:fillRef idx="1">
-        <a:scrgbClr r="0" g="0" b="0"/>
-      </a:fillRef>
-      <a:effectRef idx="0">
-        <a:scrgbClr r="0" g="0" b="0"/>
-      </a:effectRef>
-      <a:fontRef idx="minor"/>
-    </dgm:style>
-  </dgm:styleLbl>
-  <dgm:styleLbl name="revTx">
-    <dgm:scene3d>
-      <a:camera prst="orthographicFront"/>
-      <a:lightRig rig="threePt" dir="t"/>
-    </dgm:scene3d>
-    <dgm:sp3d/>
-    <dgm:txPr/>
-    <dgm:style>
-      <a:lnRef idx="0">
-        <a:scrgbClr r="0" g="0" b="0"/>
-      </a:lnRef>
-      <a:fillRef idx="0">
-        <a:scrgbClr r="0" g="0" b="0"/>
-      </a:fillRef>
-      <a:effectRef idx="0">
-        <a:scrgbClr r="0" g="0" b="0"/>
-      </a:effectRef>
-      <a:fontRef idx="minor"/>
-    </dgm:style>
-  </dgm:styleLbl>
-</dgm:styleDef>
-</file>
-
 <file path=ppt/slideLayouts/slideLayout1.xml><?xml version="1.0" encoding="utf-8"?>
 <p:sldLayout xmlns:a="http://schemas.openxmlformats.org/drawingml/2006/main" xmlns:r="http://schemas.openxmlformats.org/officeDocument/2006/relationships" xmlns:p="http://schemas.openxmlformats.org/presentationml/2006/main" type="title" preserve="1">
   <p:cSld name="Title Slide">
@@ -8279,7 +4397,7 @@
           <a:p>
             <a:fld id="{AD4712C2-029A-4884-AB9A-6281E8C47259}" type="datetimeFigureOut">
               <a:rPr lang="en-US" smtClean="0"/>
-              <a:t>12-Feb-18</a:t>
+              <a:t>09-Jun-18</a:t>
             </a:fld>
             <a:endParaRPr lang="en-US"/>
           </a:p>
@@ -8449,7 +4567,7 @@
           <a:p>
             <a:fld id="{AD4712C2-029A-4884-AB9A-6281E8C47259}" type="datetimeFigureOut">
               <a:rPr lang="en-US" smtClean="0"/>
-              <a:t>12-Feb-18</a:t>
+              <a:t>09-Jun-18</a:t>
             </a:fld>
             <a:endParaRPr lang="en-US"/>
           </a:p>
@@ -8629,7 +4747,7 @@
           <a:p>
             <a:fld id="{AD4712C2-029A-4884-AB9A-6281E8C47259}" type="datetimeFigureOut">
               <a:rPr lang="en-US" smtClean="0"/>
-              <a:t>12-Feb-18</a:t>
+              <a:t>09-Jun-18</a:t>
             </a:fld>
             <a:endParaRPr lang="en-US"/>
           </a:p>
@@ -8799,7 +4917,7 @@
           <a:p>
             <a:fld id="{AD4712C2-029A-4884-AB9A-6281E8C47259}" type="datetimeFigureOut">
               <a:rPr lang="en-US" smtClean="0"/>
-              <a:t>12-Feb-18</a:t>
+              <a:t>09-Jun-18</a:t>
             </a:fld>
             <a:endParaRPr lang="en-US"/>
           </a:p>
@@ -9045,7 +5163,7 @@
           <a:p>
             <a:fld id="{AD4712C2-029A-4884-AB9A-6281E8C47259}" type="datetimeFigureOut">
               <a:rPr lang="en-US" smtClean="0"/>
-              <a:t>12-Feb-18</a:t>
+              <a:t>09-Jun-18</a:t>
             </a:fld>
             <a:endParaRPr lang="en-US"/>
           </a:p>
@@ -9277,7 +5395,7 @@
           <a:p>
             <a:fld id="{AD4712C2-029A-4884-AB9A-6281E8C47259}" type="datetimeFigureOut">
               <a:rPr lang="en-US" smtClean="0"/>
-              <a:t>12-Feb-18</a:t>
+              <a:t>09-Jun-18</a:t>
             </a:fld>
             <a:endParaRPr lang="en-US"/>
           </a:p>
@@ -9644,7 +5762,7 @@
           <a:p>
             <a:fld id="{AD4712C2-029A-4884-AB9A-6281E8C47259}" type="datetimeFigureOut">
               <a:rPr lang="en-US" smtClean="0"/>
-              <a:t>12-Feb-18</a:t>
+              <a:t>09-Jun-18</a:t>
             </a:fld>
             <a:endParaRPr lang="en-US"/>
           </a:p>
@@ -9762,7 +5880,7 @@
           <a:p>
             <a:fld id="{AD4712C2-029A-4884-AB9A-6281E8C47259}" type="datetimeFigureOut">
               <a:rPr lang="en-US" smtClean="0"/>
-              <a:t>12-Feb-18</a:t>
+              <a:t>09-Jun-18</a:t>
             </a:fld>
             <a:endParaRPr lang="en-US"/>
           </a:p>
@@ -9857,7 +5975,7 @@
           <a:p>
             <a:fld id="{AD4712C2-029A-4884-AB9A-6281E8C47259}" type="datetimeFigureOut">
               <a:rPr lang="en-US" smtClean="0"/>
-              <a:t>12-Feb-18</a:t>
+              <a:t>09-Jun-18</a:t>
             </a:fld>
             <a:endParaRPr lang="en-US"/>
           </a:p>
@@ -10134,7 +6252,7 @@
           <a:p>
             <a:fld id="{AD4712C2-029A-4884-AB9A-6281E8C47259}" type="datetimeFigureOut">
               <a:rPr lang="en-US" smtClean="0"/>
-              <a:t>12-Feb-18</a:t>
+              <a:t>09-Jun-18</a:t>
             </a:fld>
             <a:endParaRPr lang="en-US"/>
           </a:p>
@@ -10387,7 +6505,7 @@
           <a:p>
             <a:fld id="{AD4712C2-029A-4884-AB9A-6281E8C47259}" type="datetimeFigureOut">
               <a:rPr lang="en-US" smtClean="0"/>
-              <a:t>12-Feb-18</a:t>
+              <a:t>09-Jun-18</a:t>
             </a:fld>
             <a:endParaRPr lang="en-US"/>
           </a:p>
@@ -10600,7 +6718,7 @@
           <a:p>
             <a:fld id="{AD4712C2-029A-4884-AB9A-6281E8C47259}" type="datetimeFigureOut">
               <a:rPr lang="en-US" smtClean="0"/>
-              <a:t>12-Feb-18</a:t>
+              <a:t>09-Jun-18</a:t>
             </a:fld>
             <a:endParaRPr lang="en-US"/>
           </a:p>
@@ -11013,7 +7131,7 @@
         </p:nvSpPr>
         <p:spPr>
           <a:xfrm>
-            <a:off x="0" y="-1"/>
+            <a:off x="0" y="0"/>
             <a:ext cx="12192000" cy="6858000"/>
           </a:xfrm>
           <a:prstGeom prst="rect">
@@ -11024,8 +7142,8 @@
           <a:lnRef idx="1">
             <a:schemeClr val="accent1"/>
           </a:lnRef>
-          <a:fillRef idx="2">
-            <a:schemeClr val="accent1"/>
+          <a:fillRef idx="1002">
+            <a:schemeClr val="lt2"/>
           </a:fillRef>
           <a:effectRef idx="1">
             <a:schemeClr val="accent1"/>
@@ -11051,8 +7169,8 @@
         </p:nvSpPr>
         <p:spPr>
           <a:xfrm>
-            <a:off x="574674" y="224366"/>
-            <a:ext cx="1457326" cy="495300"/>
+            <a:off x="218285" y="193010"/>
+            <a:ext cx="2353584" cy="908257"/>
           </a:xfrm>
           <a:prstGeom prst="rect">
             <a:avLst/>
@@ -11078,265 +7196,18 @@
           <a:p>
             <a:pPr algn="ctr"/>
             <a:r>
-              <a:rPr lang="en-US" dirty="0" smtClean="0"/>
-              <a:t>Design Ideas</a:t>
-            </a:r>
-            <a:endParaRPr lang="en-US" dirty="0"/>
-          </a:p>
-        </p:txBody>
-      </p:sp>
-      <p:sp>
-        <p:nvSpPr>
-          <p:cNvPr id="6" name="Rectangle 5"/>
-          <p:cNvSpPr/>
-          <p:nvPr/>
-        </p:nvSpPr>
-        <p:spPr>
-          <a:xfrm>
-            <a:off x="2174874" y="224366"/>
-            <a:ext cx="1457326" cy="495300"/>
-          </a:xfrm>
-          <a:prstGeom prst="rect">
-            <a:avLst/>
-          </a:prstGeom>
-        </p:spPr>
-        <p:style>
-          <a:lnRef idx="1">
-            <a:schemeClr val="accent6"/>
-          </a:lnRef>
-          <a:fillRef idx="2">
-            <a:schemeClr val="accent6"/>
-          </a:fillRef>
-          <a:effectRef idx="1">
-            <a:schemeClr val="accent6"/>
-          </a:effectRef>
-          <a:fontRef idx="minor">
-            <a:schemeClr val="dk1"/>
-          </a:fontRef>
-        </p:style>
-        <p:txBody>
-          <a:bodyPr rtlCol="0" anchor="ctr"/>
-          <a:lstStyle/>
-          <a:p>
-            <a:pPr algn="ctr"/>
-            <a:r>
-              <a:rPr lang="en-US" dirty="0" smtClean="0"/>
-              <a:t>Template</a:t>
-            </a:r>
-          </a:p>
-        </p:txBody>
-      </p:sp>
-      <p:graphicFrame>
-        <p:nvGraphicFramePr>
-          <p:cNvPr id="9" name="Diagram 8"/>
-          <p:cNvGraphicFramePr/>
-          <p:nvPr/>
-        </p:nvGraphicFramePr>
-        <p:xfrm>
-          <a:off x="2032000" y="719666"/>
-          <a:ext cx="8128000" cy="5418667"/>
-        </p:xfrm>
-        <a:graphic>
-          <a:graphicData uri="http://schemas.openxmlformats.org/drawingml/2006/diagram">
-            <dgm:relIds xmlns:dgm="http://schemas.openxmlformats.org/drawingml/2006/diagram" xmlns:r="http://schemas.openxmlformats.org/officeDocument/2006/relationships" r:dm="rId2" r:lo="rId3" r:qs="rId4" r:cs="rId5"/>
-          </a:graphicData>
-        </a:graphic>
-      </p:graphicFrame>
-      <p:sp>
-        <p:nvSpPr>
-          <p:cNvPr id="14" name="Cloud Callout 13"/>
-          <p:cNvSpPr/>
-          <p:nvPr/>
-        </p:nvSpPr>
-        <p:spPr>
-          <a:xfrm>
-            <a:off x="6661149" y="107018"/>
-            <a:ext cx="4616451" cy="893107"/>
-          </a:xfrm>
-          <a:prstGeom prst="cloudCallout">
-            <a:avLst/>
-          </a:prstGeom>
-        </p:spPr>
-        <p:style>
-          <a:lnRef idx="1">
-            <a:schemeClr val="accent3"/>
-          </a:lnRef>
-          <a:fillRef idx="2">
-            <a:schemeClr val="accent3"/>
-          </a:fillRef>
-          <a:effectRef idx="1">
-            <a:schemeClr val="accent3"/>
-          </a:effectRef>
-          <a:fontRef idx="minor">
-            <a:schemeClr val="dk1"/>
-          </a:fontRef>
-        </p:style>
-        <p:txBody>
-          <a:bodyPr rtlCol="0" anchor="ctr"/>
-          <a:lstStyle/>
-          <a:p>
-            <a:r>
-              <a:rPr lang="en-US" sz="1200" dirty="0" smtClean="0"/>
-              <a:t>DETAILS	</a:t>
-            </a:r>
-          </a:p>
-        </p:txBody>
-      </p:sp>
-    </p:spTree>
-    <p:extLst>
-      <p:ext uri="{BB962C8B-B14F-4D97-AF65-F5344CB8AC3E}">
-        <p14:creationId xmlns:p14="http://schemas.microsoft.com/office/powerpoint/2010/main" val="3114845170"/>
-      </p:ext>
-    </p:extLst>
-  </p:cSld>
-  <p:clrMapOvr>
-    <a:masterClrMapping/>
-  </p:clrMapOvr>
-  <p:timing>
-    <p:tnLst>
-      <p:par>
-        <p:cTn id="1" dur="indefinite" restart="never" nodeType="tmRoot"/>
-      </p:par>
-    </p:tnLst>
-  </p:timing>
-</p:sld>
-</file>
-
-<file path=ppt/slides/slide2.xml><?xml version="1.0" encoding="utf-8"?>
-<p:sld xmlns:a="http://schemas.openxmlformats.org/drawingml/2006/main" xmlns:r="http://schemas.openxmlformats.org/officeDocument/2006/relationships" xmlns:p="http://schemas.openxmlformats.org/presentationml/2006/main">
-  <p:cSld>
-    <p:spTree>
-      <p:nvGrpSpPr>
-        <p:cNvPr id="1" name=""/>
-        <p:cNvGrpSpPr/>
-        <p:nvPr/>
-      </p:nvGrpSpPr>
-      <p:grpSpPr>
-        <a:xfrm>
-          <a:off x="0" y="0"/>
-          <a:ext cx="0" cy="0"/>
-          <a:chOff x="0" y="0"/>
-          <a:chExt cx="0" cy="0"/>
-        </a:xfrm>
-      </p:grpSpPr>
-      <p:sp>
-        <p:nvSpPr>
-          <p:cNvPr id="2" name="Rectangle 1"/>
-          <p:cNvSpPr/>
-          <p:nvPr/>
-        </p:nvSpPr>
-        <p:spPr>
-          <a:xfrm>
-            <a:off x="0" y="0"/>
-            <a:ext cx="12192000" cy="6858000"/>
-          </a:xfrm>
-          <a:prstGeom prst="rect">
-            <a:avLst/>
-          </a:prstGeom>
-        </p:spPr>
-        <p:style>
-          <a:lnRef idx="1">
-            <a:schemeClr val="accent1"/>
-          </a:lnRef>
-          <a:fillRef idx="2">
-            <a:schemeClr val="accent1"/>
-          </a:fillRef>
-          <a:effectRef idx="1">
-            <a:schemeClr val="accent1"/>
-          </a:effectRef>
-          <a:fontRef idx="minor">
-            <a:schemeClr val="dk1"/>
-          </a:fontRef>
-        </p:style>
-        <p:txBody>
-          <a:bodyPr rtlCol="0" anchor="ctr"/>
-          <a:lstStyle/>
-          <a:p>
-            <a:pPr algn="ctr"/>
-            <a:endParaRPr lang="en-US" dirty="0"/>
-          </a:p>
-        </p:txBody>
-      </p:sp>
-      <p:sp>
-        <p:nvSpPr>
-          <p:cNvPr id="5" name="Rectangle 4"/>
-          <p:cNvSpPr/>
-          <p:nvPr/>
-        </p:nvSpPr>
-        <p:spPr>
-          <a:xfrm>
-            <a:off x="650874" y="224367"/>
-            <a:ext cx="1457326" cy="495300"/>
-          </a:xfrm>
-          <a:prstGeom prst="rect">
-            <a:avLst/>
-          </a:prstGeom>
-        </p:spPr>
-        <p:style>
-          <a:lnRef idx="1">
-            <a:schemeClr val="accent6"/>
-          </a:lnRef>
-          <a:fillRef idx="2">
-            <a:schemeClr val="accent6"/>
-          </a:fillRef>
-          <a:effectRef idx="1">
-            <a:schemeClr val="accent6"/>
-          </a:effectRef>
-          <a:fontRef idx="minor">
-            <a:schemeClr val="dk1"/>
-          </a:fontRef>
-        </p:style>
-        <p:txBody>
-          <a:bodyPr rtlCol="0" anchor="ctr"/>
-          <a:lstStyle/>
-          <a:p>
-            <a:pPr algn="ctr"/>
-            <a:r>
-              <a:rPr lang="en-US" dirty="0" smtClean="0"/>
-              <a:t>Design Idea</a:t>
-            </a:r>
-            <a:endParaRPr lang="en-US" dirty="0"/>
-          </a:p>
-        </p:txBody>
-      </p:sp>
-      <p:sp>
-        <p:nvSpPr>
-          <p:cNvPr id="6" name="Rectangle 5"/>
-          <p:cNvSpPr/>
-          <p:nvPr/>
-        </p:nvSpPr>
-        <p:spPr>
-          <a:xfrm>
-            <a:off x="2251074" y="224367"/>
-            <a:ext cx="1457326" cy="495300"/>
-          </a:xfrm>
-          <a:prstGeom prst="rect">
-            <a:avLst/>
-          </a:prstGeom>
-        </p:spPr>
-        <p:style>
-          <a:lnRef idx="1">
-            <a:schemeClr val="accent6"/>
-          </a:lnRef>
-          <a:fillRef idx="2">
-            <a:schemeClr val="accent6"/>
-          </a:fillRef>
-          <a:effectRef idx="1">
-            <a:schemeClr val="accent6"/>
-          </a:effectRef>
-          <a:fontRef idx="minor">
-            <a:schemeClr val="dk1"/>
-          </a:fontRef>
-        </p:style>
-        <p:txBody>
-          <a:bodyPr rtlCol="0" anchor="ctr"/>
-          <a:lstStyle/>
-          <a:p>
-            <a:pPr algn="ctr"/>
-            <a:r>
-              <a:rPr lang="en-US" dirty="0" smtClean="0"/>
-              <a:t>NR1</a:t>
-            </a:r>
+              <a:rPr lang="ro-RO" sz="2800" dirty="0" smtClean="0">
+                <a:solidFill>
+                  <a:schemeClr val="bg1"/>
+                </a:solidFill>
+              </a:rPr>
+              <a:t>Idee de design</a:t>
+            </a:r>
+            <a:endParaRPr lang="en-US" sz="2800" dirty="0">
+              <a:solidFill>
+                <a:schemeClr val="bg1"/>
+              </a:solidFill>
+            </a:endParaRPr>
           </a:p>
         </p:txBody>
       </p:sp>
@@ -11347,7 +7218,7 @@
           <p:nvPr>
             <p:extLst>
               <p:ext uri="{D42A27DB-BD31-4B8C-83A1-F6EECF244321}">
-                <p14:modId xmlns:p14="http://schemas.microsoft.com/office/powerpoint/2010/main" val="4223267522"/>
+                <p14:modId xmlns:p14="http://schemas.microsoft.com/office/powerpoint/2010/main" val="252395915"/>
               </p:ext>
             </p:extLst>
           </p:nvPr>
@@ -11382,13 +7253,13 @@
         </p:spPr>
         <p:style>
           <a:lnRef idx="1">
-            <a:schemeClr val="accent3"/>
+            <a:schemeClr val="accent1"/>
           </a:lnRef>
           <a:fillRef idx="2">
-            <a:schemeClr val="accent3"/>
+            <a:schemeClr val="accent1"/>
           </a:fillRef>
           <a:effectRef idx="1">
-            <a:schemeClr val="accent3"/>
+            <a:schemeClr val="accent1"/>
           </a:effectRef>
           <a:fontRef idx="minor">
             <a:schemeClr val="dk1"/>
@@ -11402,36 +7273,94 @@
               <a:buAutoNum type="arabicPeriod"/>
             </a:pPr>
             <a:r>
+              <a:rPr lang="ro-RO" sz="1200" dirty="0" smtClean="0"/>
+              <a:t>Conectare la</a:t>
+            </a:r>
+            <a:r>
               <a:rPr lang="en-US" sz="1200" dirty="0" smtClean="0"/>
-              <a:t>Connects to Server(username + password)</a:t>
-            </a:r>
+              <a:t> </a:t>
+            </a:r>
+            <a:r>
+              <a:rPr lang="ro-RO" sz="1200" dirty="0"/>
+              <a:t>s</a:t>
+            </a:r>
+            <a:r>
+              <a:rPr lang="en-US" sz="1200" dirty="0" err="1" smtClean="0"/>
+              <a:t>erver</a:t>
+            </a:r>
+            <a:r>
+              <a:rPr lang="en-US" sz="1200" dirty="0" smtClean="0"/>
+              <a:t>(</a:t>
+            </a:r>
+            <a:r>
+              <a:rPr lang="ro-RO" sz="1200" dirty="0" smtClean="0"/>
+              <a:t>email</a:t>
+            </a:r>
+            <a:r>
+              <a:rPr lang="ro-RO" sz="1200" dirty="0" smtClean="0"/>
+              <a:t> </a:t>
+            </a:r>
+            <a:r>
+              <a:rPr lang="en-US" sz="1200" dirty="0" smtClean="0"/>
+              <a:t>+ </a:t>
+            </a:r>
+            <a:r>
+              <a:rPr lang="ro-RO" sz="1200" dirty="0" smtClean="0"/>
+              <a:t>parolă</a:t>
+            </a:r>
+            <a:r>
+              <a:rPr lang="en-US" sz="1200" dirty="0" smtClean="0"/>
+              <a:t>)</a:t>
+            </a:r>
+            <a:endParaRPr lang="en-US" sz="1200" dirty="0" smtClean="0"/>
           </a:p>
           <a:p>
             <a:pPr marL="228600" indent="-228600">
               <a:buAutoNum type="arabicPeriod"/>
             </a:pPr>
             <a:r>
+              <a:rPr lang="ro-RO" sz="1200" dirty="0" smtClean="0"/>
+              <a:t>Managementul dispozitivelor</a:t>
+            </a:r>
+            <a:r>
               <a:rPr lang="en-US" sz="1200" dirty="0" smtClean="0"/>
-              <a:t>Get all devices</a:t>
-            </a:r>
+              <a:t> </a:t>
+            </a:r>
+            <a:endParaRPr lang="en-US" sz="1200" dirty="0" smtClean="0"/>
           </a:p>
           <a:p>
             <a:pPr marL="228600" indent="-228600">
               <a:buAutoNum type="arabicPeriod"/>
             </a:pPr>
             <a:r>
+              <a:rPr lang="ro-RO" sz="1200" dirty="0" smtClean="0"/>
+              <a:t>Control asupra dispozitivelor personale</a:t>
+            </a:r>
+            <a:r>
               <a:rPr lang="en-US" sz="1200" dirty="0" smtClean="0"/>
-              <a:t>Control </a:t>
-            </a:r>
-          </a:p>
-          <a:p>
-            <a:pPr marL="228600" indent="-228600">
-              <a:buAutoNum type="arabicPeriod"/>
-            </a:pPr>
+              <a:t>(</a:t>
+            </a:r>
+            <a:r>
+              <a:rPr lang="ro-RO" sz="1200" dirty="0" smtClean="0"/>
+              <a:t>cerere</a:t>
+            </a:r>
             <a:r>
               <a:rPr lang="en-US" sz="1200" dirty="0" smtClean="0"/>
-              <a:t>Control desired device (REQ - RES)</a:t>
-            </a:r>
+              <a:t> </a:t>
+            </a:r>
+            <a:r>
+              <a:rPr lang="en-US" sz="1200" dirty="0" smtClean="0"/>
+              <a:t>- </a:t>
+            </a:r>
+            <a:r>
+              <a:rPr lang="ro-RO" sz="1200" dirty="0" smtClean="0"/>
+              <a:t>răspuns</a:t>
+            </a:r>
+            <a:r>
+              <a:rPr lang="en-US" sz="1200" dirty="0" smtClean="0"/>
+              <a:t>)</a:t>
+            </a:r>
+            <a:endParaRPr lang="en-US" sz="1200" dirty="0" smtClean="0"/>
           </a:p>
         </p:txBody>
       </p:sp>
@@ -11443,8 +7372,8 @@
         </p:nvSpPr>
         <p:spPr>
           <a:xfrm>
-            <a:off x="6029323" y="2299065"/>
-            <a:ext cx="5553078" cy="1018902"/>
+            <a:off x="6029323" y="2011680"/>
+            <a:ext cx="5265694" cy="1306287"/>
           </a:xfrm>
           <a:prstGeom prst="cloudCallout">
             <a:avLst>
@@ -11455,13 +7384,13 @@
         </p:spPr>
         <p:style>
           <a:lnRef idx="1">
-            <a:schemeClr val="accent3"/>
+            <a:schemeClr val="accent1"/>
           </a:lnRef>
           <a:fillRef idx="2">
-            <a:schemeClr val="accent3"/>
+            <a:schemeClr val="accent1"/>
           </a:fillRef>
           <a:effectRef idx="1">
-            <a:schemeClr val="accent3"/>
+            <a:schemeClr val="accent1"/>
           </a:effectRef>
           <a:fontRef idx="minor">
             <a:schemeClr val="dk1"/>
@@ -11487,36 +7416,76 @@
               <a:buAutoNum type="arabicPeriod"/>
             </a:pPr>
             <a:r>
-              <a:rPr lang="en-US" sz="1200" dirty="0" smtClean="0"/>
-              <a:t>Authenticate Users</a:t>
-            </a:r>
+              <a:rPr lang="ro-RO" sz="1200" dirty="0" smtClean="0"/>
+              <a:t>Autentifică utilizatorii</a:t>
+            </a:r>
+            <a:endParaRPr lang="en-US" sz="1200" dirty="0" smtClean="0"/>
           </a:p>
           <a:p>
             <a:pPr marL="228600" indent="-228600">
               <a:buAutoNum type="arabicPeriod"/>
             </a:pPr>
             <a:r>
+              <a:rPr lang="ro-RO" sz="1200" dirty="0" smtClean="0"/>
+              <a:t>Bază de date cu utilizatori, dispositive</a:t>
+            </a:r>
+            <a:r>
               <a:rPr lang="en-US" sz="1200" dirty="0" smtClean="0"/>
-              <a:t>Database with user data + devices data</a:t>
-            </a:r>
+              <a:t>; </a:t>
+            </a:r>
+            <a:r>
+              <a:rPr lang="ro-RO" sz="1200" dirty="0" smtClean="0"/>
+              <a:t>stocare persistentă a datelor</a:t>
+            </a:r>
+            <a:endParaRPr lang="en-US" sz="1200" dirty="0" smtClean="0"/>
           </a:p>
           <a:p>
             <a:pPr marL="228600" indent="-228600">
               <a:buAutoNum type="arabicPeriod"/>
             </a:pPr>
             <a:r>
+              <a:rPr lang="ro-RO" sz="1200" dirty="0" smtClean="0"/>
+              <a:t>Managementul conecțiunilor</a:t>
+            </a:r>
+            <a:r>
               <a:rPr lang="en-US" sz="1200" dirty="0" smtClean="0"/>
-              <a:t>Connections management? Setup – Talk – Cleanup</a:t>
-            </a:r>
+              <a:t>? </a:t>
+            </a:r>
+            <a:r>
+              <a:rPr lang="ro-RO" sz="1200" dirty="0" smtClean="0"/>
+              <a:t>Inițiere</a:t>
+            </a:r>
+            <a:r>
+              <a:rPr lang="en-US" sz="1200" dirty="0" smtClean="0"/>
+              <a:t>– </a:t>
+            </a:r>
+            <a:r>
+              <a:rPr lang="ro-RO" sz="1200" dirty="0" smtClean="0"/>
+              <a:t>Comunicare propriu zisă</a:t>
+            </a:r>
+            <a:r>
+              <a:rPr lang="en-US" sz="1200" dirty="0" smtClean="0"/>
+              <a:t> </a:t>
+            </a:r>
+            <a:r>
+              <a:rPr lang="en-US" sz="1200" dirty="0" smtClean="0"/>
+              <a:t>– </a:t>
+            </a:r>
+            <a:r>
+              <a:rPr lang="ro-RO" sz="1200" dirty="0" smtClean="0"/>
+              <a:t>Finalizare</a:t>
+            </a:r>
+            <a:endParaRPr lang="en-US" sz="1200" dirty="0" smtClean="0"/>
           </a:p>
           <a:p>
             <a:pPr marL="228600" indent="-228600">
               <a:buAutoNum type="arabicPeriod"/>
             </a:pPr>
             <a:r>
-              <a:rPr lang="en-US" sz="1200" dirty="0" smtClean="0"/>
-              <a:t>Same communication protocol used for all devices</a:t>
-            </a:r>
+              <a:rPr lang="ro-RO" sz="1200" dirty="0" smtClean="0"/>
+              <a:t>Protocol comun de comunicare cu dispozitivele</a:t>
+            </a:r>
+            <a:endParaRPr lang="en-US" sz="1200" dirty="0" smtClean="0"/>
           </a:p>
           <a:p>
             <a:pPr marL="228600" indent="-228600">
@@ -11579,8 +7548,8 @@
         </p:nvSpPr>
         <p:spPr>
           <a:xfrm>
-            <a:off x="6029321" y="3631986"/>
-            <a:ext cx="5553080" cy="893107"/>
+            <a:off x="6029320" y="3631986"/>
+            <a:ext cx="5892713" cy="893107"/>
           </a:xfrm>
           <a:prstGeom prst="cloudCallout">
             <a:avLst>
@@ -11591,13 +7560,13 @@
         </p:spPr>
         <p:style>
           <a:lnRef idx="1">
-            <a:schemeClr val="accent3"/>
+            <a:schemeClr val="accent1"/>
           </a:lnRef>
           <a:fillRef idx="2">
-            <a:schemeClr val="accent3"/>
+            <a:schemeClr val="accent1"/>
           </a:fillRef>
           <a:effectRef idx="1">
-            <a:schemeClr val="accent3"/>
+            <a:schemeClr val="accent1"/>
           </a:effectRef>
           <a:fontRef idx="minor">
             <a:schemeClr val="dk1"/>
@@ -11607,38 +7576,35 @@
           <a:bodyPr rtlCol="0" anchor="ctr"/>
           <a:lstStyle/>
           <a:p>
-            <a:pPr marL="228600" indent="-228600">
-              <a:buAutoNum type="arabicPeriod"/>
-            </a:pPr>
+            <a:r>
+              <a:rPr lang="ro-RO" sz="1200" dirty="0" smtClean="0"/>
+              <a:t>1. Conecțiune cu serverul prin TCP/IP</a:t>
+            </a:r>
+            <a:endParaRPr lang="en-US" sz="1200" dirty="0" smtClean="0"/>
+          </a:p>
+          <a:p>
             <a:r>
               <a:rPr lang="en-US" sz="1200" dirty="0" smtClean="0"/>
-              <a:t>Handshake with server. TCP/IP? HTTP?</a:t>
-            </a:r>
+              <a:t>2. </a:t>
+            </a:r>
+            <a:r>
+              <a:rPr lang="ro-RO" sz="1200" dirty="0" smtClean="0"/>
+              <a:t>Primește cereri și efectuează operații</a:t>
+            </a:r>
+            <a:endParaRPr lang="en-US" sz="1200" dirty="0" smtClean="0"/>
           </a:p>
           <a:p>
             <a:r>
               <a:rPr lang="en-US" sz="1200" dirty="0" smtClean="0"/>
-              <a:t>1.1. If TCP/IP </a:t>
-            </a:r>
-            <a:r>
-              <a:rPr lang="en-US" sz="1200" dirty="0"/>
-              <a:t>devices must listen </a:t>
+              <a:t>3. </a:t>
+            </a:r>
+            <a:r>
+              <a:rPr lang="ro-RO" sz="1200" dirty="0" smtClean="0"/>
+              <a:t>În caz de eroare, comportare adecvată și înștiintarea serverului cu un mesaj consistent și relevant.</a:t>
             </a:r>
             <a:r>
               <a:rPr lang="en-US" sz="1200" dirty="0" smtClean="0"/>
-              <a:t>continuously.</a:t>
-            </a:r>
-          </a:p>
-          <a:p>
-            <a:r>
-              <a:rPr lang="en-US" sz="1200" dirty="0" smtClean="0"/>
-              <a:t>2. Receive commands and do operations</a:t>
-            </a:r>
-          </a:p>
-          <a:p>
-            <a:r>
-              <a:rPr lang="en-US" sz="1200" dirty="0" smtClean="0"/>
-              <a:t>3. Send proper responses	</a:t>
+              <a:t>	</a:t>
             </a:r>
           </a:p>
         </p:txBody>
@@ -11766,12 +7732,16 @@
           <a:p>
             <a:pPr algn="ctr"/>
             <a:r>
+              <a:rPr lang="ro-RO" dirty="0" smtClean="0"/>
+              <a:t>Rest</a:t>
+            </a:r>
+            <a:r>
               <a:rPr lang="en-US" dirty="0" smtClean="0"/>
-              <a:t>Rest </a:t>
-            </a:r>
-            <a:r>
-              <a:rPr lang="en-US" dirty="0" err="1" smtClean="0"/>
-              <a:t>Api</a:t>
+              <a:t> A</a:t>
+            </a:r>
+            <a:r>
+              <a:rPr lang="ro-RO" dirty="0" smtClean="0"/>
+              <a:t>PI</a:t>
             </a:r>
             <a:endParaRPr lang="en-US" dirty="0"/>
           </a:p>
@@ -11785,7 +7755,7 @@
         </p:nvSpPr>
         <p:spPr>
           <a:xfrm>
-            <a:off x="5721250" y="4693410"/>
+            <a:off x="5776295" y="5056755"/>
             <a:ext cx="1418143" cy="278237"/>
           </a:xfrm>
           <a:prstGeom prst="rect">
@@ -11814,9 +7784,10 @@
           <a:p>
             <a:pPr algn="ctr"/>
             <a:r>
-              <a:rPr lang="en-US" dirty="0" smtClean="0"/>
-              <a:t>Simulated</a:t>
-            </a:r>
+              <a:rPr lang="ro-RO" dirty="0" smtClean="0"/>
+              <a:t>Simulat</a:t>
+            </a:r>
+            <a:endParaRPr lang="en-US" dirty="0" smtClean="0"/>
           </a:p>
         </p:txBody>
       </p:sp>
@@ -11828,7 +7799,7 @@
         </p:nvSpPr>
         <p:spPr>
           <a:xfrm>
-            <a:off x="5721250" y="5023127"/>
+            <a:off x="5776295" y="5386472"/>
             <a:ext cx="1418143" cy="278237"/>
           </a:xfrm>
           <a:prstGeom prst="rect">
@@ -11861,8 +7832,12 @@
               <a:t>Raspberry </a:t>
             </a:r>
             <a:r>
-              <a:rPr lang="en-US" dirty="0"/>
-              <a:t>pi</a:t>
+              <a:rPr lang="ro-RO" dirty="0"/>
+              <a:t>P</a:t>
+            </a:r>
+            <a:r>
+              <a:rPr lang="en-US" dirty="0" err="1" smtClean="0"/>
+              <a:t>i</a:t>
             </a:r>
             <a:endParaRPr lang="en-US" dirty="0" smtClean="0"/>
           </a:p>
@@ -11926,8 +7901,8 @@
           <a:p>
             <a:pPr algn="ctr"/>
             <a:r>
-              <a:rPr lang="en-US" sz="1200" dirty="0" smtClean="0"/>
-              <a:t>Encrypted communication</a:t>
+              <a:rPr lang="ro-RO" sz="1200" dirty="0" smtClean="0"/>
+              <a:t>Comunicare criptată</a:t>
             </a:r>
             <a:endParaRPr lang="en-US" sz="1200" dirty="0"/>
           </a:p>
@@ -11936,7 +7911,7 @@
     </p:spTree>
     <p:extLst>
       <p:ext uri="{BB962C8B-B14F-4D97-AF65-F5344CB8AC3E}">
-        <p14:creationId xmlns:p14="http://schemas.microsoft.com/office/powerpoint/2010/main" val="1317346292"/>
+        <p14:creationId xmlns:p14="http://schemas.microsoft.com/office/powerpoint/2010/main" val="1660416955"/>
       </p:ext>
     </p:extLst>
   </p:cSld>
